--- a/lesson22.pptx
+++ b/lesson22.pptx
@@ -5,26 +5,27 @@
     <p:sldMasterId id="2147483648" r:id="rId1"/>
   </p:sldMasterIdLst>
   <p:notesMasterIdLst>
-    <p:notesMasterId r:id="rId19"/>
+    <p:notesMasterId r:id="rId20"/>
   </p:notesMasterIdLst>
   <p:sldIdLst>
     <p:sldId id="409" r:id="rId2"/>
     <p:sldId id="410" r:id="rId3"/>
     <p:sldId id="326" r:id="rId4"/>
-    <p:sldId id="412" r:id="rId5"/>
-    <p:sldId id="385" r:id="rId6"/>
-    <p:sldId id="414" r:id="rId7"/>
-    <p:sldId id="366" r:id="rId8"/>
-    <p:sldId id="314" r:id="rId9"/>
-    <p:sldId id="369" r:id="rId10"/>
-    <p:sldId id="378" r:id="rId11"/>
-    <p:sldId id="379" r:id="rId12"/>
-    <p:sldId id="415" r:id="rId13"/>
-    <p:sldId id="393" r:id="rId14"/>
-    <p:sldId id="417" r:id="rId15"/>
-    <p:sldId id="418" r:id="rId16"/>
-    <p:sldId id="413" r:id="rId17"/>
-    <p:sldId id="416" r:id="rId18"/>
+    <p:sldId id="419" r:id="rId5"/>
+    <p:sldId id="412" r:id="rId6"/>
+    <p:sldId id="385" r:id="rId7"/>
+    <p:sldId id="414" r:id="rId8"/>
+    <p:sldId id="366" r:id="rId9"/>
+    <p:sldId id="314" r:id="rId10"/>
+    <p:sldId id="369" r:id="rId11"/>
+    <p:sldId id="378" r:id="rId12"/>
+    <p:sldId id="379" r:id="rId13"/>
+    <p:sldId id="415" r:id="rId14"/>
+    <p:sldId id="393" r:id="rId15"/>
+    <p:sldId id="417" r:id="rId16"/>
+    <p:sldId id="418" r:id="rId17"/>
+    <p:sldId id="413" r:id="rId18"/>
+    <p:sldId id="416" r:id="rId19"/>
   </p:sldIdLst>
   <p:sldSz cx="12192000" cy="6858000"/>
   <p:notesSz cx="6858000" cy="9144000"/>
@@ -131,6 +132,7 @@
             <p14:sldId id="409"/>
             <p14:sldId id="410"/>
             <p14:sldId id="326"/>
+            <p14:sldId id="419"/>
             <p14:sldId id="412"/>
             <p14:sldId id="385"/>
             <p14:sldId id="414"/>
@@ -250,7 +252,7 @@
             <a:fld id="{85522811-C5C6-42D2-A409-F8556720C93F}" type="datetimeFigureOut">
               <a:rPr lang="uk-UA" smtClean="0"/>
               <a:pPr/>
-              <a:t>26.11.2020</a:t>
+              <a:t>22.12.2020</a:t>
             </a:fld>
             <a:endParaRPr lang="uk-UA"/>
           </a:p>
@@ -795,7 +797,7 @@
             <a:fld id="{0A2E6AC4-C3FE-4E70-88D1-136405B25267}" type="datetime1">
               <a:rPr lang="uk-UA" smtClean="0"/>
               <a:pPr/>
-              <a:t>26.11.2020</a:t>
+              <a:t>22.12.2020</a:t>
             </a:fld>
             <a:endParaRPr lang="uk-UA"/>
           </a:p>
@@ -962,7 +964,7 @@
             <a:fld id="{B4D85949-5AE9-41F1-B18C-DA1006B0E8CC}" type="datetime1">
               <a:rPr lang="uk-UA" smtClean="0"/>
               <a:pPr/>
-              <a:t>26.11.2020</a:t>
+              <a:t>22.12.2020</a:t>
             </a:fld>
             <a:endParaRPr lang="uk-UA"/>
           </a:p>
@@ -1139,7 +1141,7 @@
             <a:fld id="{B20C227C-94C5-4BA1-A89C-1C7570144B22}" type="datetime1">
               <a:rPr lang="uk-UA" smtClean="0"/>
               <a:pPr/>
-              <a:t>26.11.2020</a:t>
+              <a:t>22.12.2020</a:t>
             </a:fld>
             <a:endParaRPr lang="uk-UA"/>
           </a:p>
@@ -1306,7 +1308,7 @@
             <a:fld id="{68E2E168-B245-4D8D-8538-B29990DBF87B}" type="datetime1">
               <a:rPr lang="uk-UA" smtClean="0"/>
               <a:pPr/>
-              <a:t>26.11.2020</a:t>
+              <a:t>22.12.2020</a:t>
             </a:fld>
             <a:endParaRPr lang="uk-UA"/>
           </a:p>
@@ -1549,7 +1551,7 @@
             <a:fld id="{356DAF6E-7007-4E61-B36E-794BF232B234}" type="datetime1">
               <a:rPr lang="uk-UA" smtClean="0"/>
               <a:pPr/>
-              <a:t>26.11.2020</a:t>
+              <a:t>22.12.2020</a:t>
             </a:fld>
             <a:endParaRPr lang="uk-UA"/>
           </a:p>
@@ -1834,7 +1836,7 @@
             <a:fld id="{4B2141DD-FE72-44AA-B946-B70892F1F5B7}" type="datetime1">
               <a:rPr lang="uk-UA" smtClean="0"/>
               <a:pPr/>
-              <a:t>26.11.2020</a:t>
+              <a:t>22.12.2020</a:t>
             </a:fld>
             <a:endParaRPr lang="uk-UA"/>
           </a:p>
@@ -2253,7 +2255,7 @@
             <a:fld id="{D1C4DC7C-6CC4-4D1F-A21B-A650800E0532}" type="datetime1">
               <a:rPr lang="uk-UA" smtClean="0"/>
               <a:pPr/>
-              <a:t>26.11.2020</a:t>
+              <a:t>22.12.2020</a:t>
             </a:fld>
             <a:endParaRPr lang="uk-UA"/>
           </a:p>
@@ -2368,7 +2370,7 @@
             <a:fld id="{09E753FA-BE70-4E9D-A1A2-A798C2E22C2C}" type="datetime1">
               <a:rPr lang="uk-UA" smtClean="0"/>
               <a:pPr/>
-              <a:t>26.11.2020</a:t>
+              <a:t>22.12.2020</a:t>
             </a:fld>
             <a:endParaRPr lang="uk-UA"/>
           </a:p>
@@ -2460,7 +2462,7 @@
             <a:fld id="{BC4E9D1B-A194-48C6-B5A1-4C29D0F81227}" type="datetime1">
               <a:rPr lang="uk-UA" smtClean="0"/>
               <a:pPr/>
-              <a:t>26.11.2020</a:t>
+              <a:t>22.12.2020</a:t>
             </a:fld>
             <a:endParaRPr lang="uk-UA"/>
           </a:p>
@@ -2734,7 +2736,7 @@
             <a:fld id="{98DC5B78-3AEE-4E8C-84A2-DF8B252C6B7D}" type="datetime1">
               <a:rPr lang="uk-UA" smtClean="0"/>
               <a:pPr/>
-              <a:t>26.11.2020</a:t>
+              <a:t>22.12.2020</a:t>
             </a:fld>
             <a:endParaRPr lang="uk-UA"/>
           </a:p>
@@ -2984,7 +2986,7 @@
             <a:fld id="{08E6AC05-7690-4D29-B090-15CFA8055B58}" type="datetime1">
               <a:rPr lang="uk-UA" smtClean="0"/>
               <a:pPr/>
-              <a:t>26.11.2020</a:t>
+              <a:t>22.12.2020</a:t>
             </a:fld>
             <a:endParaRPr lang="uk-UA"/>
           </a:p>
@@ -3194,7 +3196,7 @@
             <a:fld id="{C4778AB5-85A2-4D58-9351-A198925B541D}" type="datetime1">
               <a:rPr lang="uk-UA" smtClean="0"/>
               <a:pPr/>
-              <a:t>26.11.2020</a:t>
+              <a:t>22.12.2020</a:t>
             </a:fld>
             <a:endParaRPr lang="uk-UA"/>
           </a:p>
@@ -3857,69 +3859,290 @@
       </p:grpSpPr>
       <p:sp>
         <p:nvSpPr>
-          <p:cNvPr id="5" name="Прямоугольник 4"/>
-          <p:cNvSpPr/>
+          <p:cNvPr id="7" name="Номер слайда 36"/>
+          <p:cNvSpPr txBox="1">
+            <a:spLocks/>
+          </p:cNvSpPr>
           <p:nvPr/>
         </p:nvSpPr>
         <p:spPr>
           <a:xfrm>
-            <a:off x="0" y="0"/>
-            <a:ext cx="12192000" cy="6858000"/>
-          </a:xfrm>
-          <a:prstGeom prst="rect">
+            <a:off x="11208568" y="6237312"/>
+            <a:ext cx="648072" cy="432048"/>
+          </a:xfrm>
+          <a:prstGeom prst="roundRect">
             <a:avLst/>
           </a:prstGeom>
-          <a:solidFill>
-            <a:schemeClr val="tx2">
-              <a:lumMod val="75000"/>
-            </a:schemeClr>
-          </a:solidFill>
+          <a:ln w="25400" cap="flat" cmpd="sng" algn="ctr">
+            <a:solidFill>
+              <a:schemeClr val="tx2">
+                <a:lumMod val="60000"/>
+                <a:lumOff val="40000"/>
+              </a:schemeClr>
+            </a:solidFill>
+            <a:prstDash val="solid"/>
+          </a:ln>
         </p:spPr>
         <p:style>
           <a:lnRef idx="2">
-            <a:schemeClr val="accent1">
-              <a:shade val="50000"/>
-            </a:schemeClr>
+            <a:schemeClr val="accent1"/>
           </a:lnRef>
           <a:fillRef idx="1">
-            <a:schemeClr val="accent1"/>
+            <a:schemeClr val="lt1"/>
           </a:fillRef>
           <a:effectRef idx="0">
             <a:schemeClr val="accent1"/>
           </a:effectRef>
           <a:fontRef idx="minor">
-            <a:schemeClr val="lt1"/>
+            <a:schemeClr val="dk1"/>
           </a:fontRef>
         </p:style>
         <p:txBody>
-          <a:bodyPr rtlCol="0" anchor="ctr"/>
+          <a:bodyPr vert="horz" lIns="91440" tIns="45720" rIns="91440" bIns="45720" rtlCol="0" anchor="ctr"/>
+          <a:lstStyle/>
+          <a:p>
+            <a:pPr algn="ctr">
+              <a:defRPr/>
+            </a:pPr>
+            <a:fld id="{6389AA22-90B4-448C-8B6B-C699140D38B9}" type="slidenum">
+              <a:rPr lang="uk-UA" sz="2400" b="1">
+                <a:solidFill>
+                  <a:schemeClr val="bg1">
+                    <a:lumMod val="50000"/>
+                  </a:schemeClr>
+                </a:solidFill>
+              </a:rPr>
+              <a:pPr algn="ctr">
+                <a:defRPr/>
+              </a:pPr>
+              <a:t>10</a:t>
+            </a:fld>
+            <a:endParaRPr lang="uk-UA" sz="2400" b="1" dirty="0">
+              <a:solidFill>
+                <a:schemeClr val="bg1">
+                  <a:lumMod val="50000"/>
+                </a:schemeClr>
+              </a:solidFill>
+            </a:endParaRPr>
+          </a:p>
+        </p:txBody>
+      </p:sp>
+      <p:sp>
+        <p:nvSpPr>
+          <p:cNvPr id="3" name="Прямоугольник 2"/>
+          <p:cNvSpPr/>
+          <p:nvPr/>
+        </p:nvSpPr>
+        <p:spPr>
+          <a:xfrm>
+            <a:off x="0" y="332656"/>
+            <a:ext cx="12192000" cy="646331"/>
+          </a:xfrm>
+          <a:prstGeom prst="rect">
+            <a:avLst/>
+          </a:prstGeom>
+        </p:spPr>
+        <p:txBody>
+          <a:bodyPr wrap="square">
+            <a:spAutoFit/>
+          </a:bodyPr>
           <a:lstStyle/>
           <a:p>
             <a:pPr algn="ctr"/>
             <a:r>
-              <a:rPr lang="ru-RU" sz="6000" b="1" dirty="0" smtClean="0"/>
-              <a:t>3. </a:t>
-            </a:r>
-            <a:r>
-              <a:rPr lang="en-US" sz="6000" b="1" dirty="0" smtClean="0"/>
-              <a:t>JavaScript </a:t>
-            </a:r>
-            <a:r>
-              <a:rPr lang="ru-RU" sz="6000" b="1" dirty="0" smtClean="0"/>
+              <a:rPr lang="ru-RU" sz="3600" b="1" dirty="0"/>
+              <a:t>Изменение содержимого элемента и/или его свойств</a:t>
+            </a:r>
+          </a:p>
+        </p:txBody>
+      </p:sp>
+      <p:sp>
+        <p:nvSpPr>
+          <p:cNvPr id="10" name="TextBox 9"/>
+          <p:cNvSpPr txBox="1"/>
+          <p:nvPr/>
+        </p:nvSpPr>
+        <p:spPr>
+          <a:xfrm>
+            <a:off x="2351584" y="1244553"/>
+            <a:ext cx="8280920" cy="5201424"/>
+          </a:xfrm>
+          <a:prstGeom prst="rect">
+            <a:avLst/>
+          </a:prstGeom>
+          <a:noFill/>
+        </p:spPr>
+        <p:txBody>
+          <a:bodyPr wrap="square" rtlCol="0">
+            <a:spAutoFit/>
+          </a:bodyPr>
+          <a:lstStyle/>
+          <a:p>
+            <a:r>
+              <a:rPr lang="ru-RU" sz="2200" dirty="0"/>
+              <a:t>У тегов</a:t>
+            </a:r>
+            <a:r>
+              <a:rPr lang="en-US" sz="2200" dirty="0"/>
+              <a:t> </a:t>
+            </a:r>
+            <a:r>
+              <a:rPr lang="ru-RU" sz="2200" dirty="0"/>
+              <a:t>(</a:t>
+            </a:r>
+            <a:r>
+              <a:rPr lang="ru-RU" sz="2200" b="1" dirty="0"/>
+              <a:t>элементов</a:t>
+            </a:r>
+            <a:r>
+              <a:rPr lang="ru-RU" sz="2200" dirty="0"/>
+              <a:t> </a:t>
+            </a:r>
+            <a:r>
+              <a:rPr lang="en-US" sz="2200" b="1" dirty="0"/>
+              <a:t>HTML-</a:t>
+            </a:r>
+            <a:r>
+              <a:rPr lang="ru-RU" sz="2200" b="1" dirty="0"/>
+              <a:t>документа</a:t>
+            </a:r>
+            <a:r>
+              <a:rPr lang="ru-RU" sz="2200" dirty="0"/>
+              <a:t>) есть ряд свойства определяющие его содержимое и внешний вид:</a:t>
+            </a:r>
+          </a:p>
+          <a:p>
+            <a:pPr algn="ctr"/>
+            <a:r>
+              <a:rPr lang="ru-RU" sz="2400" b="1" dirty="0"/>
+              <a:t>…</a:t>
+            </a:r>
+            <a:endParaRPr lang="ru-RU" sz="2200" b="1" dirty="0"/>
+          </a:p>
+          <a:p>
+            <a:r>
+              <a:rPr lang="en-US" sz="2200" b="1" dirty="0"/>
+              <a:t>.</a:t>
+            </a:r>
+            <a:r>
+              <a:rPr lang="en-US" sz="2200" b="1" dirty="0" err="1"/>
+              <a:t>innerHTML</a:t>
+            </a:r>
+            <a:r>
+              <a:rPr lang="en-US" sz="2200" dirty="0"/>
+              <a:t> – </a:t>
+            </a:r>
+            <a:r>
+              <a:rPr lang="ru-RU" sz="2200" dirty="0"/>
+              <a:t>свойство определяющее (или задающее) содержимое тега (его контент), т.е. всё то что находиться между открывающимся и закрывающимся тегом;</a:t>
+            </a:r>
+            <a:r>
+              <a:rPr lang="en-US" sz="2200" b="1" dirty="0"/>
+              <a:t> </a:t>
+            </a:r>
+            <a:endParaRPr lang="ru-RU" sz="2200" b="1" dirty="0"/>
+          </a:p>
+          <a:p>
+            <a:endParaRPr lang="ru-RU" sz="2200" b="1" dirty="0"/>
+          </a:p>
+          <a:p>
+            <a:r>
+              <a:rPr lang="en-US" sz="2200" b="1" dirty="0"/>
+              <a:t>.style</a:t>
+            </a:r>
+            <a:r>
+              <a:rPr lang="en-US" sz="2200" dirty="0"/>
+              <a:t> – </a:t>
+            </a:r>
+            <a:r>
+              <a:rPr lang="ru-RU" sz="2200" dirty="0"/>
+              <a:t>свойство определяющее объект со всеми поддерживаемыми браузером стилевые свойства;</a:t>
+            </a:r>
+            <a:endParaRPr lang="en-US" sz="2200" dirty="0"/>
+          </a:p>
+          <a:p>
+            <a:endParaRPr lang="en-US" sz="2200" dirty="0"/>
+          </a:p>
+          <a:p>
+            <a:r>
+              <a:rPr lang="en-US" sz="2200" b="1" dirty="0" smtClean="0"/>
+              <a:t>.</a:t>
+            </a:r>
+            <a:r>
+              <a:rPr lang="en-US" sz="2200" b="1" dirty="0" err="1"/>
+              <a:t>classList</a:t>
+            </a:r>
+            <a:r>
+              <a:rPr lang="en-US" sz="2200" b="1" dirty="0"/>
+              <a:t> </a:t>
+            </a:r>
+            <a:r>
+              <a:rPr lang="en-US" sz="2200" dirty="0"/>
+              <a:t>– </a:t>
+            </a:r>
+            <a:r>
+              <a:rPr lang="ru-RU" sz="2200" dirty="0"/>
+              <a:t>свойство определяющее список классов тега (в виде массива, методы </a:t>
+            </a:r>
+            <a:r>
+              <a:rPr lang="en-US" sz="2200" b="1" dirty="0"/>
+              <a:t>.</a:t>
+            </a:r>
+            <a:r>
+              <a:rPr lang="en-US" sz="2200" b="1" dirty="0" err="1"/>
+              <a:t>classList.add</a:t>
+            </a:r>
+            <a:r>
+              <a:rPr lang="en-US" sz="2200" b="1" dirty="0"/>
+              <a:t>() </a:t>
+            </a:r>
+            <a:r>
+              <a:rPr lang="ru-RU" sz="2200" dirty="0"/>
               <a:t>и </a:t>
             </a:r>
             <a:r>
-              <a:rPr lang="ru-RU" sz="6000" b="1" dirty="0"/>
-              <a:t>интерактивность</a:t>
-            </a:r>
-            <a:endParaRPr lang="uk-UA" sz="6000" b="1" dirty="0"/>
+              <a:rPr lang="en-US" sz="2200" b="1" dirty="0" err="1"/>
+              <a:t>classList.remove</a:t>
+            </a:r>
+            <a:r>
+              <a:rPr lang="en-US" sz="2200" b="1" dirty="0"/>
+              <a:t>() </a:t>
+            </a:r>
+            <a:r>
+              <a:rPr lang="ru-RU" sz="2200" dirty="0"/>
+              <a:t>позволяют добавлять и удалять классы тега). А метод </a:t>
+            </a:r>
+            <a:r>
+              <a:rPr lang="en-US" sz="2200" b="1" dirty="0"/>
+              <a:t>.</a:t>
+            </a:r>
+            <a:r>
+              <a:rPr lang="en-US" sz="2200" b="1" dirty="0" err="1"/>
+              <a:t>classList.contains</a:t>
+            </a:r>
+            <a:r>
+              <a:rPr lang="en-US" sz="2200" b="1" dirty="0"/>
+              <a:t>() </a:t>
+            </a:r>
+            <a:r>
+              <a:rPr lang="ru-RU" sz="2200" dirty="0"/>
+              <a:t>позволяет узнать есть ли класс в списке.</a:t>
+            </a:r>
+            <a:endParaRPr lang="ru-RU" sz="2200" b="1" dirty="0"/>
+          </a:p>
+          <a:p>
+            <a:pPr algn="ctr"/>
+            <a:r>
+              <a:rPr lang="ru-RU" sz="2400" b="1" dirty="0"/>
+              <a:t>…</a:t>
+            </a:r>
           </a:p>
         </p:txBody>
       </p:sp>
     </p:spTree>
     <p:extLst>
       <p:ext uri="{BB962C8B-B14F-4D97-AF65-F5344CB8AC3E}">
-        <p14:creationId xmlns:p14="http://schemas.microsoft.com/office/powerpoint/2010/main" val="118080832"/>
+        <p14:creationId xmlns:p14="http://schemas.microsoft.com/office/powerpoint/2010/main" val="3492604126"/>
       </p:ext>
     </p:extLst>
   </p:cSld>
@@ -3948,268 +4171,69 @@
       </p:grpSpPr>
       <p:sp>
         <p:nvSpPr>
-          <p:cNvPr id="7" name="Номер слайда 36"/>
-          <p:cNvSpPr txBox="1">
-            <a:spLocks/>
-          </p:cNvSpPr>
+          <p:cNvPr id="5" name="Прямоугольник 4"/>
+          <p:cNvSpPr/>
           <p:nvPr/>
         </p:nvSpPr>
         <p:spPr>
           <a:xfrm>
-            <a:off x="11280576" y="6165304"/>
-            <a:ext cx="648072" cy="432048"/>
-          </a:xfrm>
-          <a:prstGeom prst="roundRect">
+            <a:off x="0" y="0"/>
+            <a:ext cx="12192000" cy="6858000"/>
+          </a:xfrm>
+          <a:prstGeom prst="rect">
             <a:avLst/>
           </a:prstGeom>
-          <a:ln w="25400" cap="flat" cmpd="sng" algn="ctr">
-            <a:solidFill>
-              <a:schemeClr val="tx2">
-                <a:lumMod val="60000"/>
-                <a:lumOff val="40000"/>
-              </a:schemeClr>
-            </a:solidFill>
-            <a:prstDash val="solid"/>
-          </a:ln>
+          <a:solidFill>
+            <a:schemeClr val="tx2">
+              <a:lumMod val="75000"/>
+            </a:schemeClr>
+          </a:solidFill>
         </p:spPr>
         <p:style>
           <a:lnRef idx="2">
-            <a:schemeClr val="accent1"/>
+            <a:schemeClr val="accent1">
+              <a:shade val="50000"/>
+            </a:schemeClr>
           </a:lnRef>
           <a:fillRef idx="1">
-            <a:schemeClr val="lt1"/>
+            <a:schemeClr val="accent1"/>
           </a:fillRef>
           <a:effectRef idx="0">
             <a:schemeClr val="accent1"/>
           </a:effectRef>
           <a:fontRef idx="minor">
-            <a:schemeClr val="dk1"/>
+            <a:schemeClr val="lt1"/>
           </a:fontRef>
         </p:style>
         <p:txBody>
-          <a:bodyPr vert="horz" lIns="91440" tIns="45720" rIns="91440" bIns="45720" rtlCol="0" anchor="ctr"/>
-          <a:lstStyle/>
-          <a:p>
-            <a:pPr algn="ctr">
-              <a:defRPr/>
-            </a:pPr>
-            <a:fld id="{6389AA22-90B4-448C-8B6B-C699140D38B9}" type="slidenum">
-              <a:rPr lang="uk-UA" sz="2400" b="1">
-                <a:solidFill>
-                  <a:schemeClr val="bg1">
-                    <a:lumMod val="50000"/>
-                  </a:schemeClr>
-                </a:solidFill>
-              </a:rPr>
-              <a:pPr algn="ctr">
-                <a:defRPr/>
-              </a:pPr>
-              <a:t>11</a:t>
-            </a:fld>
-            <a:endParaRPr lang="uk-UA" sz="2400" b="1" dirty="0">
-              <a:solidFill>
-                <a:schemeClr val="bg1">
-                  <a:lumMod val="50000"/>
-                </a:schemeClr>
-              </a:solidFill>
-            </a:endParaRPr>
-          </a:p>
-        </p:txBody>
-      </p:sp>
-      <p:sp>
-        <p:nvSpPr>
-          <p:cNvPr id="3" name="TextBox 2"/>
-          <p:cNvSpPr txBox="1"/>
-          <p:nvPr/>
-        </p:nvSpPr>
-        <p:spPr>
-          <a:xfrm>
-            <a:off x="0" y="332657"/>
-            <a:ext cx="12191999" cy="707886"/>
-          </a:xfrm>
-          <a:prstGeom prst="rect">
-            <a:avLst/>
-          </a:prstGeom>
-          <a:noFill/>
-        </p:spPr>
-        <p:txBody>
-          <a:bodyPr wrap="square" rtlCol="0">
-            <a:spAutoFit/>
-          </a:bodyPr>
+          <a:bodyPr rtlCol="0" anchor="ctr"/>
           <a:lstStyle/>
           <a:p>
             <a:pPr algn="ctr"/>
             <a:r>
-              <a:rPr lang="ru-RU" sz="4000" b="1" dirty="0" smtClean="0"/>
-              <a:t>События и интерактивность</a:t>
-            </a:r>
-            <a:endParaRPr lang="ru-RU" sz="4000" b="1" dirty="0"/>
-          </a:p>
-        </p:txBody>
-      </p:sp>
-      <p:sp>
-        <p:nvSpPr>
-          <p:cNvPr id="12" name="TextBox 11"/>
-          <p:cNvSpPr txBox="1"/>
-          <p:nvPr/>
-        </p:nvSpPr>
-        <p:spPr>
-          <a:xfrm>
-            <a:off x="983432" y="3717032"/>
-            <a:ext cx="10513168" cy="2246769"/>
-          </a:xfrm>
-          <a:prstGeom prst="rect">
-            <a:avLst/>
-          </a:prstGeom>
-          <a:noFill/>
-        </p:spPr>
-        <p:txBody>
-          <a:bodyPr wrap="square" rtlCol="0">
-            <a:spAutoFit/>
-          </a:bodyPr>
-          <a:lstStyle/>
-          <a:p>
-            <a:r>
-              <a:rPr lang="ru-RU" sz="2800" dirty="0"/>
-              <a:t>События </a:t>
-            </a:r>
-            <a:r>
-              <a:rPr lang="en-US" sz="2800" b="1" dirty="0" err="1" smtClean="0"/>
-              <a:t>oninput</a:t>
-            </a:r>
-            <a:r>
-              <a:rPr lang="en-US" sz="2800" dirty="0" smtClean="0"/>
-              <a:t> </a:t>
-            </a:r>
-            <a:r>
-              <a:rPr lang="ru-RU" sz="2800" dirty="0"/>
-              <a:t>у элемента ввода отвечает за моменты когда </a:t>
-            </a:r>
-            <a:r>
-              <a:rPr lang="ru-RU" sz="2800" b="1" dirty="0"/>
-              <a:t>осуществляется ввод данных </a:t>
-            </a:r>
-            <a:r>
-              <a:rPr lang="ru-RU" sz="2800" dirty="0"/>
-              <a:t>в </a:t>
-            </a:r>
-            <a:r>
-              <a:rPr lang="ru-RU" sz="2800" dirty="0" smtClean="0"/>
-              <a:t>элемент</a:t>
-            </a:r>
-            <a:r>
-              <a:rPr lang="en-US" sz="2800" dirty="0" smtClean="0"/>
-              <a:t> </a:t>
-            </a:r>
-            <a:r>
-              <a:rPr lang="ru-RU" sz="2800" dirty="0" smtClean="0"/>
-              <a:t>ввода, </a:t>
-            </a:r>
-            <a:r>
-              <a:rPr lang="ru-RU" sz="2800" dirty="0"/>
-              <a:t>т.е. в процессе ввода</a:t>
-            </a:r>
-            <a:r>
-              <a:rPr lang="ru-RU" sz="2800" dirty="0" smtClean="0"/>
-              <a:t>, например </a:t>
-            </a:r>
-            <a:r>
-              <a:rPr lang="ru-RU" sz="2800" dirty="0"/>
-              <a:t>когда пользователь вводит новые </a:t>
-            </a:r>
-            <a:r>
-              <a:rPr lang="ru-RU" sz="2800" dirty="0" smtClean="0"/>
-              <a:t>символы. </a:t>
-            </a:r>
-            <a:r>
-              <a:rPr lang="ru-RU" sz="2800" b="1" dirty="0" smtClean="0"/>
-              <a:t>Отслеживание</a:t>
-            </a:r>
-            <a:r>
-              <a:rPr lang="ru-RU" sz="2800" dirty="0" smtClean="0"/>
-              <a:t> этого </a:t>
-            </a:r>
-            <a:r>
-              <a:rPr lang="ru-RU" sz="2800" b="1" dirty="0" smtClean="0"/>
-              <a:t>события</a:t>
-            </a:r>
-            <a:r>
-              <a:rPr lang="ru-RU" sz="2800" dirty="0" smtClean="0"/>
-              <a:t> позволяет в </a:t>
-            </a:r>
-            <a:r>
-              <a:rPr lang="ru-RU" sz="2800" b="1" dirty="0" smtClean="0"/>
-              <a:t>динамике</a:t>
-            </a:r>
-            <a:r>
-              <a:rPr lang="ru-RU" sz="2800" dirty="0" smtClean="0"/>
-              <a:t> </a:t>
-            </a:r>
-            <a:r>
-              <a:rPr lang="ru-RU" sz="2800" b="1" dirty="0" smtClean="0"/>
-              <a:t>реагировать</a:t>
-            </a:r>
-            <a:r>
-              <a:rPr lang="ru-RU" sz="2800" dirty="0" smtClean="0"/>
-              <a:t> на действия пользователя. </a:t>
-            </a:r>
-            <a:endParaRPr lang="ru-RU" sz="2800" dirty="0"/>
-          </a:p>
-        </p:txBody>
-      </p:sp>
-      <p:sp>
-        <p:nvSpPr>
-          <p:cNvPr id="5" name="TextBox 4"/>
-          <p:cNvSpPr txBox="1"/>
-          <p:nvPr/>
-        </p:nvSpPr>
-        <p:spPr>
-          <a:xfrm>
-            <a:off x="983432" y="1397094"/>
-            <a:ext cx="10513168" cy="1815882"/>
-          </a:xfrm>
-          <a:prstGeom prst="rect">
-            <a:avLst/>
-          </a:prstGeom>
-          <a:noFill/>
-        </p:spPr>
-        <p:txBody>
-          <a:bodyPr wrap="square" rtlCol="0">
-            <a:spAutoFit/>
-          </a:bodyPr>
-          <a:lstStyle/>
-          <a:p>
-            <a:r>
-              <a:rPr lang="ru-RU" sz="2800" b="1" dirty="0"/>
-              <a:t>Функции</a:t>
-            </a:r>
-            <a:r>
-              <a:rPr lang="ru-RU" sz="2800" dirty="0"/>
-              <a:t> тесно </a:t>
-            </a:r>
-            <a:r>
-              <a:rPr lang="ru-RU" sz="2800" b="1" dirty="0"/>
-              <a:t>связаны с обработкой событий</a:t>
-            </a:r>
-            <a:r>
-              <a:rPr lang="ru-RU" sz="2800" dirty="0"/>
-              <a:t>, мы можем указать браузеру </a:t>
-            </a:r>
-            <a:r>
-              <a:rPr lang="ru-RU" sz="2800" b="1" dirty="0"/>
-              <a:t>какую функцию необходимо вызывать, в случае наступления какого-либо события</a:t>
-            </a:r>
-            <a:r>
-              <a:rPr lang="ru-RU" sz="2800" dirty="0"/>
-              <a:t>. События это не только клик мышкой, но и, например изменение данных в элементе ввода.</a:t>
-            </a:r>
+              <a:rPr lang="ru-RU" sz="6000" b="1" dirty="0" smtClean="0"/>
+              <a:t>3. </a:t>
+            </a:r>
+            <a:r>
+              <a:rPr lang="en-US" sz="6000" b="1" dirty="0" smtClean="0"/>
+              <a:t>JavaScript </a:t>
+            </a:r>
+            <a:r>
+              <a:rPr lang="ru-RU" sz="6000" b="1" dirty="0" smtClean="0"/>
+              <a:t>и </a:t>
+            </a:r>
+            <a:r>
+              <a:rPr lang="ru-RU" sz="6000" b="1" dirty="0"/>
+              <a:t>интерактивность</a:t>
+            </a:r>
+            <a:endParaRPr lang="uk-UA" sz="6000" b="1" dirty="0"/>
           </a:p>
         </p:txBody>
       </p:sp>
     </p:spTree>
     <p:extLst>
       <p:ext uri="{BB962C8B-B14F-4D97-AF65-F5344CB8AC3E}">
-        <p14:creationId xmlns:p14="http://schemas.microsoft.com/office/powerpoint/2010/main" val="1173245084"/>
+        <p14:creationId xmlns:p14="http://schemas.microsoft.com/office/powerpoint/2010/main" val="118080832"/>
       </p:ext>
     </p:extLst>
   </p:cSld>
@@ -4238,61 +4262,268 @@
       </p:grpSpPr>
       <p:sp>
         <p:nvSpPr>
-          <p:cNvPr id="5" name="Прямоугольник 4"/>
-          <p:cNvSpPr/>
+          <p:cNvPr id="7" name="Номер слайда 36"/>
+          <p:cNvSpPr txBox="1">
+            <a:spLocks/>
+          </p:cNvSpPr>
           <p:nvPr/>
         </p:nvSpPr>
         <p:spPr>
           <a:xfrm>
-            <a:off x="0" y="0"/>
-            <a:ext cx="12192000" cy="6858000"/>
-          </a:xfrm>
-          <a:prstGeom prst="rect">
+            <a:off x="11280576" y="6165304"/>
+            <a:ext cx="648072" cy="432048"/>
+          </a:xfrm>
+          <a:prstGeom prst="roundRect">
             <a:avLst/>
           </a:prstGeom>
-          <a:solidFill>
-            <a:schemeClr val="tx2">
-              <a:lumMod val="75000"/>
-            </a:schemeClr>
-          </a:solidFill>
+          <a:ln w="25400" cap="flat" cmpd="sng" algn="ctr">
+            <a:solidFill>
+              <a:schemeClr val="tx2">
+                <a:lumMod val="60000"/>
+                <a:lumOff val="40000"/>
+              </a:schemeClr>
+            </a:solidFill>
+            <a:prstDash val="solid"/>
+          </a:ln>
         </p:spPr>
         <p:style>
           <a:lnRef idx="2">
-            <a:schemeClr val="accent1">
-              <a:shade val="50000"/>
-            </a:schemeClr>
+            <a:schemeClr val="accent1"/>
           </a:lnRef>
           <a:fillRef idx="1">
-            <a:schemeClr val="accent1"/>
+            <a:schemeClr val="lt1"/>
           </a:fillRef>
           <a:effectRef idx="0">
             <a:schemeClr val="accent1"/>
           </a:effectRef>
           <a:fontRef idx="minor">
-            <a:schemeClr val="lt1"/>
+            <a:schemeClr val="dk1"/>
           </a:fontRef>
         </p:style>
         <p:txBody>
-          <a:bodyPr rtlCol="0" anchor="ctr"/>
+          <a:bodyPr vert="horz" lIns="91440" tIns="45720" rIns="91440" bIns="45720" rtlCol="0" anchor="ctr"/>
+          <a:lstStyle/>
+          <a:p>
+            <a:pPr algn="ctr">
+              <a:defRPr/>
+            </a:pPr>
+            <a:fld id="{6389AA22-90B4-448C-8B6B-C699140D38B9}" type="slidenum">
+              <a:rPr lang="uk-UA" sz="2400" b="1">
+                <a:solidFill>
+                  <a:schemeClr val="bg1">
+                    <a:lumMod val="50000"/>
+                  </a:schemeClr>
+                </a:solidFill>
+              </a:rPr>
+              <a:pPr algn="ctr">
+                <a:defRPr/>
+              </a:pPr>
+              <a:t>12</a:t>
+            </a:fld>
+            <a:endParaRPr lang="uk-UA" sz="2400" b="1" dirty="0">
+              <a:solidFill>
+                <a:schemeClr val="bg1">
+                  <a:lumMod val="50000"/>
+                </a:schemeClr>
+              </a:solidFill>
+            </a:endParaRPr>
+          </a:p>
+        </p:txBody>
+      </p:sp>
+      <p:sp>
+        <p:nvSpPr>
+          <p:cNvPr id="3" name="TextBox 2"/>
+          <p:cNvSpPr txBox="1"/>
+          <p:nvPr/>
+        </p:nvSpPr>
+        <p:spPr>
+          <a:xfrm>
+            <a:off x="0" y="332657"/>
+            <a:ext cx="12191999" cy="707886"/>
+          </a:xfrm>
+          <a:prstGeom prst="rect">
+            <a:avLst/>
+          </a:prstGeom>
+          <a:noFill/>
+        </p:spPr>
+        <p:txBody>
+          <a:bodyPr wrap="square" rtlCol="0">
+            <a:spAutoFit/>
+          </a:bodyPr>
           <a:lstStyle/>
           <a:p>
             <a:pPr algn="ctr"/>
             <a:r>
-              <a:rPr lang="ru-RU" sz="6000" b="1" dirty="0" smtClean="0"/>
-              <a:t>4. Немного практики </a:t>
-            </a:r>
-            <a:r>
-              <a:rPr lang="en-US" sz="6000" b="1" dirty="0" smtClean="0"/>
-              <a:t>#1</a:t>
-            </a:r>
-            <a:endParaRPr lang="uk-UA" sz="6000" b="1" dirty="0"/>
+              <a:rPr lang="ru-RU" sz="4000" b="1" dirty="0" smtClean="0"/>
+              <a:t>События и интерактивность</a:t>
+            </a:r>
+            <a:endParaRPr lang="ru-RU" sz="4000" b="1" dirty="0"/>
+          </a:p>
+        </p:txBody>
+      </p:sp>
+      <p:sp>
+        <p:nvSpPr>
+          <p:cNvPr id="12" name="TextBox 11"/>
+          <p:cNvSpPr txBox="1"/>
+          <p:nvPr/>
+        </p:nvSpPr>
+        <p:spPr>
+          <a:xfrm>
+            <a:off x="983432" y="3717032"/>
+            <a:ext cx="10513168" cy="2246769"/>
+          </a:xfrm>
+          <a:prstGeom prst="rect">
+            <a:avLst/>
+          </a:prstGeom>
+          <a:noFill/>
+        </p:spPr>
+        <p:txBody>
+          <a:bodyPr wrap="square" rtlCol="0">
+            <a:spAutoFit/>
+          </a:bodyPr>
+          <a:lstStyle/>
+          <a:p>
+            <a:r>
+              <a:rPr lang="ru-RU" sz="2800" dirty="0"/>
+              <a:t>События </a:t>
+            </a:r>
+            <a:r>
+              <a:rPr lang="en-US" sz="2800" b="1" dirty="0" err="1" smtClean="0"/>
+              <a:t>oninput</a:t>
+            </a:r>
+            <a:r>
+              <a:rPr lang="en-US" sz="2800" dirty="0" smtClean="0"/>
+              <a:t> </a:t>
+            </a:r>
+            <a:r>
+              <a:rPr lang="ru-RU" sz="2800" dirty="0"/>
+              <a:t>у элемента ввода отвечает за моменты когда </a:t>
+            </a:r>
+            <a:r>
+              <a:rPr lang="ru-RU" sz="2800" b="1" dirty="0"/>
+              <a:t>осуществляется ввод данных </a:t>
+            </a:r>
+            <a:r>
+              <a:rPr lang="ru-RU" sz="2800" dirty="0"/>
+              <a:t>в </a:t>
+            </a:r>
+            <a:r>
+              <a:rPr lang="ru-RU" sz="2800" dirty="0" smtClean="0"/>
+              <a:t>элемент</a:t>
+            </a:r>
+            <a:r>
+              <a:rPr lang="en-US" sz="2800" dirty="0" smtClean="0"/>
+              <a:t> </a:t>
+            </a:r>
+            <a:r>
+              <a:rPr lang="ru-RU" sz="2800" dirty="0" smtClean="0"/>
+              <a:t>ввода, </a:t>
+            </a:r>
+            <a:r>
+              <a:rPr lang="ru-RU" sz="2800" dirty="0"/>
+              <a:t>т.е. в процессе ввода</a:t>
+            </a:r>
+            <a:r>
+              <a:rPr lang="ru-RU" sz="2800" dirty="0" smtClean="0"/>
+              <a:t>, например </a:t>
+            </a:r>
+            <a:r>
+              <a:rPr lang="ru-RU" sz="2800" dirty="0"/>
+              <a:t>когда пользователь вводит новые </a:t>
+            </a:r>
+            <a:r>
+              <a:rPr lang="ru-RU" sz="2800" dirty="0" smtClean="0"/>
+              <a:t>символы. </a:t>
+            </a:r>
+            <a:r>
+              <a:rPr lang="ru-RU" sz="2800" b="1" dirty="0" smtClean="0"/>
+              <a:t>Отслеживание</a:t>
+            </a:r>
+            <a:r>
+              <a:rPr lang="ru-RU" sz="2800" dirty="0" smtClean="0"/>
+              <a:t> этого </a:t>
+            </a:r>
+            <a:r>
+              <a:rPr lang="ru-RU" sz="2800" b="1" dirty="0" smtClean="0"/>
+              <a:t>события</a:t>
+            </a:r>
+            <a:r>
+              <a:rPr lang="ru-RU" sz="2800" dirty="0" smtClean="0"/>
+              <a:t> позволяет в </a:t>
+            </a:r>
+            <a:r>
+              <a:rPr lang="ru-RU" sz="2800" b="1" dirty="0" smtClean="0"/>
+              <a:t>динамике</a:t>
+            </a:r>
+            <a:r>
+              <a:rPr lang="ru-RU" sz="2800" dirty="0" smtClean="0"/>
+              <a:t> </a:t>
+            </a:r>
+            <a:r>
+              <a:rPr lang="ru-RU" sz="2800" b="1" dirty="0" smtClean="0"/>
+              <a:t>реагировать</a:t>
+            </a:r>
+            <a:r>
+              <a:rPr lang="ru-RU" sz="2800" dirty="0" smtClean="0"/>
+              <a:t> на действия пользователя. </a:t>
+            </a:r>
+            <a:endParaRPr lang="ru-RU" sz="2800" dirty="0"/>
+          </a:p>
+        </p:txBody>
+      </p:sp>
+      <p:sp>
+        <p:nvSpPr>
+          <p:cNvPr id="5" name="TextBox 4"/>
+          <p:cNvSpPr txBox="1"/>
+          <p:nvPr/>
+        </p:nvSpPr>
+        <p:spPr>
+          <a:xfrm>
+            <a:off x="983432" y="1397094"/>
+            <a:ext cx="10513168" cy="1815882"/>
+          </a:xfrm>
+          <a:prstGeom prst="rect">
+            <a:avLst/>
+          </a:prstGeom>
+          <a:noFill/>
+        </p:spPr>
+        <p:txBody>
+          <a:bodyPr wrap="square" rtlCol="0">
+            <a:spAutoFit/>
+          </a:bodyPr>
+          <a:lstStyle/>
+          <a:p>
+            <a:r>
+              <a:rPr lang="ru-RU" sz="2800" b="1" dirty="0"/>
+              <a:t>Функции</a:t>
+            </a:r>
+            <a:r>
+              <a:rPr lang="ru-RU" sz="2800" dirty="0"/>
+              <a:t> тесно </a:t>
+            </a:r>
+            <a:r>
+              <a:rPr lang="ru-RU" sz="2800" b="1" dirty="0"/>
+              <a:t>связаны с обработкой событий</a:t>
+            </a:r>
+            <a:r>
+              <a:rPr lang="ru-RU" sz="2800" dirty="0"/>
+              <a:t>, мы можем указать браузеру </a:t>
+            </a:r>
+            <a:r>
+              <a:rPr lang="ru-RU" sz="2800" b="1" dirty="0"/>
+              <a:t>какую функцию необходимо вызывать, в случае наступления какого-либо события</a:t>
+            </a:r>
+            <a:r>
+              <a:rPr lang="ru-RU" sz="2800" dirty="0"/>
+              <a:t>. События это не только клик мышкой, но и, например изменение данных в элементе ввода.</a:t>
+            </a:r>
           </a:p>
         </p:txBody>
       </p:sp>
     </p:spTree>
     <p:extLst>
       <p:ext uri="{BB962C8B-B14F-4D97-AF65-F5344CB8AC3E}">
-        <p14:creationId xmlns:p14="http://schemas.microsoft.com/office/powerpoint/2010/main" val="1825803590"/>
+        <p14:creationId xmlns:p14="http://schemas.microsoft.com/office/powerpoint/2010/main" val="1173245084"/>
       </p:ext>
     </p:extLst>
   </p:cSld>
@@ -4321,216 +4552,61 @@
       </p:grpSpPr>
       <p:sp>
         <p:nvSpPr>
-          <p:cNvPr id="7" name="Номер слайда 36"/>
-          <p:cNvSpPr txBox="1">
-            <a:spLocks/>
-          </p:cNvSpPr>
+          <p:cNvPr id="5" name="Прямоугольник 4"/>
+          <p:cNvSpPr/>
           <p:nvPr/>
         </p:nvSpPr>
         <p:spPr>
           <a:xfrm>
-            <a:off x="11280576" y="6165304"/>
-            <a:ext cx="648072" cy="432048"/>
-          </a:xfrm>
-          <a:prstGeom prst="roundRect">
+            <a:off x="0" y="0"/>
+            <a:ext cx="12192000" cy="6858000"/>
+          </a:xfrm>
+          <a:prstGeom prst="rect">
             <a:avLst/>
           </a:prstGeom>
-          <a:ln w="25400" cap="flat" cmpd="sng" algn="ctr">
-            <a:solidFill>
-              <a:schemeClr val="tx2">
-                <a:lumMod val="60000"/>
-                <a:lumOff val="40000"/>
-              </a:schemeClr>
-            </a:solidFill>
-            <a:prstDash val="solid"/>
-          </a:ln>
+          <a:solidFill>
+            <a:schemeClr val="tx2">
+              <a:lumMod val="75000"/>
+            </a:schemeClr>
+          </a:solidFill>
         </p:spPr>
         <p:style>
           <a:lnRef idx="2">
-            <a:schemeClr val="accent1"/>
+            <a:schemeClr val="accent1">
+              <a:shade val="50000"/>
+            </a:schemeClr>
           </a:lnRef>
           <a:fillRef idx="1">
-            <a:schemeClr val="lt1"/>
+            <a:schemeClr val="accent1"/>
           </a:fillRef>
           <a:effectRef idx="0">
             <a:schemeClr val="accent1"/>
           </a:effectRef>
           <a:fontRef idx="minor">
-            <a:schemeClr val="dk1"/>
+            <a:schemeClr val="lt1"/>
           </a:fontRef>
         </p:style>
         <p:txBody>
-          <a:bodyPr vert="horz" lIns="91440" tIns="45720" rIns="91440" bIns="45720" rtlCol="0" anchor="ctr"/>
-          <a:lstStyle/>
-          <a:p>
-            <a:pPr algn="ctr">
-              <a:defRPr/>
-            </a:pPr>
-            <a:fld id="{6389AA22-90B4-448C-8B6B-C699140D38B9}" type="slidenum">
-              <a:rPr lang="uk-UA" sz="2400" b="1">
-                <a:solidFill>
-                  <a:schemeClr val="bg1">
-                    <a:lumMod val="50000"/>
-                  </a:schemeClr>
-                </a:solidFill>
-              </a:rPr>
-              <a:pPr algn="ctr">
-                <a:defRPr/>
-              </a:pPr>
-              <a:t>13</a:t>
-            </a:fld>
-            <a:endParaRPr lang="uk-UA" sz="2400" b="1" dirty="0">
-              <a:solidFill>
-                <a:schemeClr val="bg1">
-                  <a:lumMod val="50000"/>
-                </a:schemeClr>
-              </a:solidFill>
-            </a:endParaRPr>
-          </a:p>
-        </p:txBody>
-      </p:sp>
-      <p:sp>
-        <p:nvSpPr>
-          <p:cNvPr id="3" name="TextBox 2"/>
-          <p:cNvSpPr txBox="1"/>
-          <p:nvPr/>
-        </p:nvSpPr>
-        <p:spPr>
-          <a:xfrm>
-            <a:off x="0" y="332656"/>
-            <a:ext cx="12192000" cy="646331"/>
-          </a:xfrm>
-          <a:prstGeom prst="rect">
-            <a:avLst/>
-          </a:prstGeom>
-          <a:noFill/>
-        </p:spPr>
-        <p:txBody>
-          <a:bodyPr wrap="square" rtlCol="0">
-            <a:spAutoFit/>
-          </a:bodyPr>
+          <a:bodyPr rtlCol="0" anchor="ctr"/>
           <a:lstStyle/>
           <a:p>
             <a:pPr algn="ctr"/>
             <a:r>
-              <a:rPr lang="ru-RU" sz="3600" b="1" dirty="0" smtClean="0"/>
-              <a:t>Элементы, события и интерактивность в </a:t>
-            </a:r>
-            <a:r>
-              <a:rPr lang="en-US" sz="3600" b="1" dirty="0"/>
-              <a:t>JavaScript</a:t>
-            </a:r>
-            <a:endParaRPr lang="ru-RU" sz="3600" b="1" dirty="0"/>
-          </a:p>
-        </p:txBody>
-      </p:sp>
-      <p:sp>
-        <p:nvSpPr>
-          <p:cNvPr id="4" name="TextBox 3"/>
-          <p:cNvSpPr txBox="1"/>
-          <p:nvPr/>
-        </p:nvSpPr>
-        <p:spPr>
-          <a:xfrm>
-            <a:off x="6486093" y="3092767"/>
-            <a:ext cx="5010507" cy="1200329"/>
-          </a:xfrm>
-          <a:prstGeom prst="rect">
-            <a:avLst/>
-          </a:prstGeom>
-          <a:noFill/>
-        </p:spPr>
-        <p:txBody>
-          <a:bodyPr wrap="square" rtlCol="0">
-            <a:spAutoFit/>
-          </a:bodyPr>
-          <a:lstStyle/>
-          <a:p>
-            <a:r>
-              <a:rPr lang="ru-RU" sz="2400" dirty="0" smtClean="0"/>
-              <a:t>Воспользуйтесь шаблоном в </a:t>
-            </a:r>
-            <a:r>
-              <a:rPr lang="ru-RU" sz="2400" dirty="0" err="1" smtClean="0"/>
-              <a:t>репозитории</a:t>
-            </a:r>
-            <a:r>
-              <a:rPr lang="ru-RU" sz="2400" dirty="0" smtClean="0"/>
-              <a:t> занятия:</a:t>
-            </a:r>
-            <a:br>
-              <a:rPr lang="ru-RU" sz="2400" dirty="0" smtClean="0"/>
-            </a:br>
-            <a:r>
-              <a:rPr lang="en-US" sz="2400" b="1" dirty="0">
-                <a:solidFill>
-                  <a:srgbClr val="0070C0"/>
-                </a:solidFill>
-              </a:rPr>
-              <a:t>./</a:t>
-            </a:r>
-            <a:r>
-              <a:rPr lang="en-US" sz="2400" b="1" dirty="0" err="1">
-                <a:solidFill>
-                  <a:srgbClr val="0070C0"/>
-                </a:solidFill>
-              </a:rPr>
-              <a:t>src</a:t>
-            </a:r>
-            <a:r>
-              <a:rPr lang="en-US" sz="2400" b="1" dirty="0">
-                <a:solidFill>
-                  <a:srgbClr val="0070C0"/>
-                </a:solidFill>
-              </a:rPr>
-              <a:t>/accessibility-demo-template</a:t>
-            </a:r>
-            <a:endParaRPr lang="ru-RU" sz="2400" b="1" dirty="0">
-              <a:solidFill>
-                <a:srgbClr val="0070C0"/>
-              </a:solidFill>
-            </a:endParaRPr>
-          </a:p>
-        </p:txBody>
-      </p:sp>
-      <p:pic>
-        <p:nvPicPr>
-          <p:cNvPr id="2" name="Рисунок 1"/>
-          <p:cNvPicPr>
-            <a:picLocks noChangeAspect="1"/>
-          </p:cNvPicPr>
-          <p:nvPr/>
-        </p:nvPicPr>
-        <p:blipFill>
-          <a:blip r:embed="rId2"/>
-          <a:stretch>
-            <a:fillRect/>
-          </a:stretch>
-        </p:blipFill>
-        <p:spPr>
-          <a:xfrm>
-            <a:off x="407368" y="1484784"/>
-            <a:ext cx="5704484" cy="4536504"/>
-          </a:xfrm>
-          <a:prstGeom prst="rect">
-            <a:avLst/>
-          </a:prstGeom>
-          <a:ln>
-            <a:noFill/>
-          </a:ln>
-          <a:effectLst>
-            <a:outerShdw blurRad="190500" algn="tl" rotWithShape="0">
-              <a:srgbClr val="000000">
-                <a:alpha val="70000"/>
-              </a:srgbClr>
-            </a:outerShdw>
-          </a:effectLst>
-        </p:spPr>
-      </p:pic>
+              <a:rPr lang="ru-RU" sz="6000" b="1" dirty="0" smtClean="0"/>
+              <a:t>4. Немного практики </a:t>
+            </a:r>
+            <a:r>
+              <a:rPr lang="en-US" sz="6000" b="1" dirty="0" smtClean="0"/>
+              <a:t>#1</a:t>
+            </a:r>
+            <a:endParaRPr lang="uk-UA" sz="6000" b="1" dirty="0"/>
+          </a:p>
+        </p:txBody>
+      </p:sp>
     </p:spTree>
     <p:extLst>
       <p:ext uri="{BB962C8B-B14F-4D97-AF65-F5344CB8AC3E}">
-        <p14:creationId xmlns:p14="http://schemas.microsoft.com/office/powerpoint/2010/main" val="2204195996"/>
+        <p14:creationId xmlns:p14="http://schemas.microsoft.com/office/powerpoint/2010/main" val="1825803590"/>
       </p:ext>
     </p:extLst>
   </p:cSld>
@@ -4559,65 +4635,216 @@
       </p:grpSpPr>
       <p:sp>
         <p:nvSpPr>
-          <p:cNvPr id="5" name="Прямоугольник 4"/>
-          <p:cNvSpPr/>
+          <p:cNvPr id="7" name="Номер слайда 36"/>
+          <p:cNvSpPr txBox="1">
+            <a:spLocks/>
+          </p:cNvSpPr>
           <p:nvPr/>
         </p:nvSpPr>
         <p:spPr>
           <a:xfrm>
-            <a:off x="0" y="0"/>
-            <a:ext cx="12192000" cy="6858000"/>
-          </a:xfrm>
-          <a:prstGeom prst="rect">
+            <a:off x="11280576" y="6165304"/>
+            <a:ext cx="648072" cy="432048"/>
+          </a:xfrm>
+          <a:prstGeom prst="roundRect">
             <a:avLst/>
           </a:prstGeom>
-          <a:solidFill>
-            <a:schemeClr val="tx2">
-              <a:lumMod val="75000"/>
-            </a:schemeClr>
-          </a:solidFill>
+          <a:ln w="25400" cap="flat" cmpd="sng" algn="ctr">
+            <a:solidFill>
+              <a:schemeClr val="tx2">
+                <a:lumMod val="60000"/>
+                <a:lumOff val="40000"/>
+              </a:schemeClr>
+            </a:solidFill>
+            <a:prstDash val="solid"/>
+          </a:ln>
         </p:spPr>
         <p:style>
           <a:lnRef idx="2">
-            <a:schemeClr val="accent1">
-              <a:shade val="50000"/>
-            </a:schemeClr>
+            <a:schemeClr val="accent1"/>
           </a:lnRef>
           <a:fillRef idx="1">
-            <a:schemeClr val="accent1"/>
+            <a:schemeClr val="lt1"/>
           </a:fillRef>
           <a:effectRef idx="0">
             <a:schemeClr val="accent1"/>
           </a:effectRef>
           <a:fontRef idx="minor">
-            <a:schemeClr val="lt1"/>
+            <a:schemeClr val="dk1"/>
           </a:fontRef>
         </p:style>
         <p:txBody>
-          <a:bodyPr rtlCol="0" anchor="ctr"/>
+          <a:bodyPr vert="horz" lIns="91440" tIns="45720" rIns="91440" bIns="45720" rtlCol="0" anchor="ctr"/>
+          <a:lstStyle/>
+          <a:p>
+            <a:pPr algn="ctr">
+              <a:defRPr/>
+            </a:pPr>
+            <a:fld id="{6389AA22-90B4-448C-8B6B-C699140D38B9}" type="slidenum">
+              <a:rPr lang="uk-UA" sz="2400" b="1">
+                <a:solidFill>
+                  <a:schemeClr val="bg1">
+                    <a:lumMod val="50000"/>
+                  </a:schemeClr>
+                </a:solidFill>
+              </a:rPr>
+              <a:pPr algn="ctr">
+                <a:defRPr/>
+              </a:pPr>
+              <a:t>14</a:t>
+            </a:fld>
+            <a:endParaRPr lang="uk-UA" sz="2400" b="1" dirty="0">
+              <a:solidFill>
+                <a:schemeClr val="bg1">
+                  <a:lumMod val="50000"/>
+                </a:schemeClr>
+              </a:solidFill>
+            </a:endParaRPr>
+          </a:p>
+        </p:txBody>
+      </p:sp>
+      <p:sp>
+        <p:nvSpPr>
+          <p:cNvPr id="3" name="TextBox 2"/>
+          <p:cNvSpPr txBox="1"/>
+          <p:nvPr/>
+        </p:nvSpPr>
+        <p:spPr>
+          <a:xfrm>
+            <a:off x="0" y="332656"/>
+            <a:ext cx="12192000" cy="646331"/>
+          </a:xfrm>
+          <a:prstGeom prst="rect">
+            <a:avLst/>
+          </a:prstGeom>
+          <a:noFill/>
+        </p:spPr>
+        <p:txBody>
+          <a:bodyPr wrap="square" rtlCol="0">
+            <a:spAutoFit/>
+          </a:bodyPr>
           <a:lstStyle/>
           <a:p>
             <a:pPr algn="ctr"/>
             <a:r>
-              <a:rPr lang="en-US" sz="6000" b="1" dirty="0" smtClean="0"/>
-              <a:t>5</a:t>
-            </a:r>
-            <a:r>
-              <a:rPr lang="ru-RU" sz="6000" b="1" dirty="0" smtClean="0"/>
-              <a:t>. Немного практики </a:t>
-            </a:r>
-            <a:r>
-              <a:rPr lang="en-US" sz="6000" b="1" dirty="0" smtClean="0"/>
-              <a:t>#2</a:t>
-            </a:r>
-            <a:endParaRPr lang="uk-UA" sz="6000" b="1" dirty="0"/>
-          </a:p>
-        </p:txBody>
-      </p:sp>
+              <a:rPr lang="ru-RU" sz="3600" b="1" dirty="0" smtClean="0"/>
+              <a:t>Элементы, события и интерактивность в </a:t>
+            </a:r>
+            <a:r>
+              <a:rPr lang="en-US" sz="3600" b="1" dirty="0"/>
+              <a:t>JavaScript</a:t>
+            </a:r>
+            <a:endParaRPr lang="ru-RU" sz="3600" b="1" dirty="0"/>
+          </a:p>
+        </p:txBody>
+      </p:sp>
+      <p:sp>
+        <p:nvSpPr>
+          <p:cNvPr id="4" name="TextBox 3"/>
+          <p:cNvSpPr txBox="1"/>
+          <p:nvPr/>
+        </p:nvSpPr>
+        <p:spPr>
+          <a:xfrm>
+            <a:off x="6486093" y="3092767"/>
+            <a:ext cx="5010507" cy="1200329"/>
+          </a:xfrm>
+          <a:prstGeom prst="rect">
+            <a:avLst/>
+          </a:prstGeom>
+          <a:noFill/>
+        </p:spPr>
+        <p:txBody>
+          <a:bodyPr wrap="square" rtlCol="0">
+            <a:spAutoFit/>
+          </a:bodyPr>
+          <a:lstStyle/>
+          <a:p>
+            <a:r>
+              <a:rPr lang="ru-RU" sz="2400" dirty="0" smtClean="0"/>
+              <a:t>Воспользуйтесь шаблоном в </a:t>
+            </a:r>
+            <a:r>
+              <a:rPr lang="ru-RU" sz="2400" dirty="0" err="1" smtClean="0"/>
+              <a:t>репозитории</a:t>
+            </a:r>
+            <a:r>
+              <a:rPr lang="ru-RU" sz="2400" dirty="0" smtClean="0"/>
+              <a:t> занятия:</a:t>
+            </a:r>
+            <a:br>
+              <a:rPr lang="ru-RU" sz="2400" dirty="0" smtClean="0"/>
+            </a:br>
+            <a:r>
+              <a:rPr lang="en-US" sz="2400" b="1" dirty="0">
+                <a:solidFill>
+                  <a:srgbClr val="0070C0"/>
+                </a:solidFill>
+              </a:rPr>
+              <a:t>./</a:t>
+            </a:r>
+            <a:r>
+              <a:rPr lang="en-US" sz="2400" b="1" dirty="0" err="1">
+                <a:solidFill>
+                  <a:srgbClr val="0070C0"/>
+                </a:solidFill>
+              </a:rPr>
+              <a:t>src</a:t>
+            </a:r>
+            <a:r>
+              <a:rPr lang="en-US" sz="2400" b="1" dirty="0">
+                <a:solidFill>
+                  <a:srgbClr val="0070C0"/>
+                </a:solidFill>
+              </a:rPr>
+              <a:t>/accessibility-demo-template</a:t>
+            </a:r>
+            <a:endParaRPr lang="ru-RU" sz="2400" b="1" dirty="0">
+              <a:solidFill>
+                <a:srgbClr val="0070C0"/>
+              </a:solidFill>
+            </a:endParaRPr>
+          </a:p>
+        </p:txBody>
+      </p:sp>
+      <p:pic>
+        <p:nvPicPr>
+          <p:cNvPr id="2" name="Рисунок 1"/>
+          <p:cNvPicPr>
+            <a:picLocks noChangeAspect="1"/>
+          </p:cNvPicPr>
+          <p:nvPr/>
+        </p:nvPicPr>
+        <p:blipFill>
+          <a:blip r:embed="rId2"/>
+          <a:stretch>
+            <a:fillRect/>
+          </a:stretch>
+        </p:blipFill>
+        <p:spPr>
+          <a:xfrm>
+            <a:off x="407368" y="1484784"/>
+            <a:ext cx="5704484" cy="4536504"/>
+          </a:xfrm>
+          <a:prstGeom prst="rect">
+            <a:avLst/>
+          </a:prstGeom>
+          <a:ln>
+            <a:noFill/>
+          </a:ln>
+          <a:effectLst>
+            <a:outerShdw blurRad="190500" algn="tl" rotWithShape="0">
+              <a:srgbClr val="000000">
+                <a:alpha val="70000"/>
+              </a:srgbClr>
+            </a:outerShdw>
+          </a:effectLst>
+        </p:spPr>
+      </p:pic>
     </p:spTree>
     <p:extLst>
       <p:ext uri="{BB962C8B-B14F-4D97-AF65-F5344CB8AC3E}">
-        <p14:creationId xmlns:p14="http://schemas.microsoft.com/office/powerpoint/2010/main" val="2292967714"/>
+        <p14:creationId xmlns:p14="http://schemas.microsoft.com/office/powerpoint/2010/main" val="2204195996"/>
       </p:ext>
     </p:extLst>
   </p:cSld>
@@ -4646,215 +4873,65 @@
       </p:grpSpPr>
       <p:sp>
         <p:nvSpPr>
-          <p:cNvPr id="7" name="Номер слайда 36"/>
-          <p:cNvSpPr txBox="1">
-            <a:spLocks/>
-          </p:cNvSpPr>
+          <p:cNvPr id="5" name="Прямоугольник 4"/>
+          <p:cNvSpPr/>
           <p:nvPr/>
         </p:nvSpPr>
         <p:spPr>
           <a:xfrm>
-            <a:off x="11280576" y="6165304"/>
-            <a:ext cx="648072" cy="432048"/>
-          </a:xfrm>
-          <a:prstGeom prst="roundRect">
+            <a:off x="0" y="0"/>
+            <a:ext cx="12192000" cy="6858000"/>
+          </a:xfrm>
+          <a:prstGeom prst="rect">
             <a:avLst/>
           </a:prstGeom>
-          <a:ln w="25400" cap="flat" cmpd="sng" algn="ctr">
-            <a:solidFill>
-              <a:schemeClr val="tx2">
-                <a:lumMod val="60000"/>
-                <a:lumOff val="40000"/>
-              </a:schemeClr>
-            </a:solidFill>
-            <a:prstDash val="solid"/>
-          </a:ln>
+          <a:solidFill>
+            <a:schemeClr val="tx2">
+              <a:lumMod val="75000"/>
+            </a:schemeClr>
+          </a:solidFill>
         </p:spPr>
         <p:style>
           <a:lnRef idx="2">
-            <a:schemeClr val="accent1"/>
+            <a:schemeClr val="accent1">
+              <a:shade val="50000"/>
+            </a:schemeClr>
           </a:lnRef>
           <a:fillRef idx="1">
-            <a:schemeClr val="lt1"/>
+            <a:schemeClr val="accent1"/>
           </a:fillRef>
           <a:effectRef idx="0">
             <a:schemeClr val="accent1"/>
           </a:effectRef>
           <a:fontRef idx="minor">
-            <a:schemeClr val="dk1"/>
+            <a:schemeClr val="lt1"/>
           </a:fontRef>
         </p:style>
         <p:txBody>
-          <a:bodyPr vert="horz" lIns="91440" tIns="45720" rIns="91440" bIns="45720" rtlCol="0" anchor="ctr"/>
-          <a:lstStyle/>
-          <a:p>
-            <a:pPr algn="ctr">
-              <a:defRPr/>
-            </a:pPr>
-            <a:fld id="{6389AA22-90B4-448C-8B6B-C699140D38B9}" type="slidenum">
-              <a:rPr lang="uk-UA" sz="2400" b="1">
-                <a:solidFill>
-                  <a:schemeClr val="bg1">
-                    <a:lumMod val="50000"/>
-                  </a:schemeClr>
-                </a:solidFill>
-              </a:rPr>
-              <a:pPr algn="ctr">
-                <a:defRPr/>
-              </a:pPr>
-              <a:t>15</a:t>
-            </a:fld>
-            <a:endParaRPr lang="uk-UA" sz="2400" b="1" dirty="0">
-              <a:solidFill>
-                <a:schemeClr val="bg1">
-                  <a:lumMod val="50000"/>
-                </a:schemeClr>
-              </a:solidFill>
-            </a:endParaRPr>
-          </a:p>
-        </p:txBody>
-      </p:sp>
-      <p:sp>
-        <p:nvSpPr>
-          <p:cNvPr id="3" name="TextBox 2"/>
-          <p:cNvSpPr txBox="1"/>
-          <p:nvPr/>
-        </p:nvSpPr>
-        <p:spPr>
-          <a:xfrm>
-            <a:off x="0" y="427311"/>
-            <a:ext cx="12192000" cy="769441"/>
-          </a:xfrm>
-          <a:prstGeom prst="rect">
-            <a:avLst/>
-          </a:prstGeom>
-          <a:noFill/>
-        </p:spPr>
-        <p:txBody>
-          <a:bodyPr wrap="square" rtlCol="0">
-            <a:spAutoFit/>
-          </a:bodyPr>
+          <a:bodyPr rtlCol="0" anchor="ctr"/>
           <a:lstStyle/>
           <a:p>
             <a:pPr algn="ctr"/>
             <a:r>
-              <a:rPr lang="ru-RU" sz="4400" b="1" dirty="0" smtClean="0"/>
-              <a:t>Модальные окна / Тег </a:t>
-            </a:r>
-            <a:r>
-              <a:rPr lang="en-US" sz="4400" b="1" dirty="0" smtClean="0"/>
-              <a:t>&lt;dialog&gt;</a:t>
-            </a:r>
-            <a:endParaRPr lang="ru-RU" sz="4400" b="1" dirty="0"/>
-          </a:p>
-        </p:txBody>
-      </p:sp>
-      <p:sp>
-        <p:nvSpPr>
-          <p:cNvPr id="4" name="TextBox 3"/>
-          <p:cNvSpPr txBox="1"/>
-          <p:nvPr/>
-        </p:nvSpPr>
-        <p:spPr>
-          <a:xfrm>
-            <a:off x="6672064" y="3080863"/>
-            <a:ext cx="5010507" cy="1200329"/>
-          </a:xfrm>
-          <a:prstGeom prst="rect">
-            <a:avLst/>
-          </a:prstGeom>
-          <a:noFill/>
-        </p:spPr>
-        <p:txBody>
-          <a:bodyPr wrap="square" rtlCol="0">
-            <a:spAutoFit/>
-          </a:bodyPr>
-          <a:lstStyle/>
-          <a:p>
-            <a:r>
-              <a:rPr lang="ru-RU" sz="2400" dirty="0" smtClean="0"/>
-              <a:t>Воспользуйтесь шаблоном в </a:t>
-            </a:r>
-            <a:r>
-              <a:rPr lang="ru-RU" sz="2400" dirty="0" err="1" smtClean="0"/>
-              <a:t>репозитории</a:t>
-            </a:r>
-            <a:r>
-              <a:rPr lang="ru-RU" sz="2400" dirty="0" smtClean="0"/>
-              <a:t> занятия:</a:t>
-            </a:r>
-            <a:br>
-              <a:rPr lang="ru-RU" sz="2400" dirty="0" smtClean="0"/>
-            </a:br>
-            <a:r>
-              <a:rPr lang="en-US" sz="2400" b="1" dirty="0">
-                <a:solidFill>
-                  <a:srgbClr val="0070C0"/>
-                </a:solidFill>
-              </a:rPr>
-              <a:t>./</a:t>
-            </a:r>
-            <a:r>
-              <a:rPr lang="en-US" sz="2400" b="1" dirty="0" err="1" smtClean="0">
-                <a:solidFill>
-                  <a:srgbClr val="0070C0"/>
-                </a:solidFill>
-              </a:rPr>
-              <a:t>src</a:t>
-            </a:r>
-            <a:r>
-              <a:rPr lang="en-US" sz="2400" b="1" dirty="0" smtClean="0">
-                <a:solidFill>
-                  <a:srgbClr val="0070C0"/>
-                </a:solidFill>
-              </a:rPr>
-              <a:t>/dialog-demo-template</a:t>
-            </a:r>
-            <a:endParaRPr lang="ru-RU" sz="2400" b="1" dirty="0">
-              <a:solidFill>
-                <a:srgbClr val="0070C0"/>
-              </a:solidFill>
-            </a:endParaRPr>
-          </a:p>
-        </p:txBody>
-      </p:sp>
-      <p:pic>
-        <p:nvPicPr>
-          <p:cNvPr id="5" name="Рисунок 4"/>
-          <p:cNvPicPr>
-            <a:picLocks noChangeAspect="1"/>
-          </p:cNvPicPr>
-          <p:nvPr/>
-        </p:nvPicPr>
-        <p:blipFill rotWithShape="1">
-          <a:blip r:embed="rId2"/>
-          <a:srcRect l="11959" r="11689" b="879"/>
-          <a:stretch/>
-        </p:blipFill>
-        <p:spPr>
-          <a:xfrm>
-            <a:off x="767408" y="1844824"/>
-            <a:ext cx="5389876" cy="3932739"/>
-          </a:xfrm>
-          <a:prstGeom prst="rect">
-            <a:avLst/>
-          </a:prstGeom>
-          <a:ln>
-            <a:noFill/>
-          </a:ln>
-          <a:effectLst>
-            <a:outerShdw blurRad="190500" algn="tl" rotWithShape="0">
-              <a:srgbClr val="000000">
-                <a:alpha val="70000"/>
-              </a:srgbClr>
-            </a:outerShdw>
-          </a:effectLst>
-        </p:spPr>
-      </p:pic>
+              <a:rPr lang="en-US" sz="6000" b="1" dirty="0" smtClean="0"/>
+              <a:t>5</a:t>
+            </a:r>
+            <a:r>
+              <a:rPr lang="ru-RU" sz="6000" b="1" dirty="0" smtClean="0"/>
+              <a:t>. Немного практики </a:t>
+            </a:r>
+            <a:r>
+              <a:rPr lang="en-US" sz="6000" b="1" dirty="0" smtClean="0"/>
+              <a:t>#2</a:t>
+            </a:r>
+            <a:endParaRPr lang="uk-UA" sz="6000" b="1" dirty="0"/>
+          </a:p>
+        </p:txBody>
+      </p:sp>
     </p:spTree>
     <p:extLst>
       <p:ext uri="{BB962C8B-B14F-4D97-AF65-F5344CB8AC3E}">
-        <p14:creationId xmlns:p14="http://schemas.microsoft.com/office/powerpoint/2010/main" val="453438773"/>
+        <p14:creationId xmlns:p14="http://schemas.microsoft.com/office/powerpoint/2010/main" val="2292967714"/>
       </p:ext>
     </p:extLst>
   </p:cSld>
@@ -4883,57 +4960,215 @@
       </p:grpSpPr>
       <p:sp>
         <p:nvSpPr>
-          <p:cNvPr id="5" name="Прямоугольник 4"/>
-          <p:cNvSpPr/>
+          <p:cNvPr id="7" name="Номер слайда 36"/>
+          <p:cNvSpPr txBox="1">
+            <a:spLocks/>
+          </p:cNvSpPr>
           <p:nvPr/>
         </p:nvSpPr>
         <p:spPr>
           <a:xfrm>
-            <a:off x="0" y="0"/>
-            <a:ext cx="12192000" cy="6858000"/>
-          </a:xfrm>
-          <a:prstGeom prst="rect">
+            <a:off x="11280576" y="6165304"/>
+            <a:ext cx="648072" cy="432048"/>
+          </a:xfrm>
+          <a:prstGeom prst="roundRect">
             <a:avLst/>
           </a:prstGeom>
-          <a:solidFill>
-            <a:schemeClr val="tx2">
-              <a:lumMod val="75000"/>
-            </a:schemeClr>
-          </a:solidFill>
+          <a:ln w="25400" cap="flat" cmpd="sng" algn="ctr">
+            <a:solidFill>
+              <a:schemeClr val="tx2">
+                <a:lumMod val="60000"/>
+                <a:lumOff val="40000"/>
+              </a:schemeClr>
+            </a:solidFill>
+            <a:prstDash val="solid"/>
+          </a:ln>
         </p:spPr>
         <p:style>
           <a:lnRef idx="2">
-            <a:schemeClr val="accent1">
-              <a:shade val="50000"/>
-            </a:schemeClr>
+            <a:schemeClr val="accent1"/>
           </a:lnRef>
           <a:fillRef idx="1">
-            <a:schemeClr val="accent1"/>
+            <a:schemeClr val="lt1"/>
           </a:fillRef>
           <a:effectRef idx="0">
             <a:schemeClr val="accent1"/>
           </a:effectRef>
           <a:fontRef idx="minor">
-            <a:schemeClr val="lt1"/>
+            <a:schemeClr val="dk1"/>
           </a:fontRef>
         </p:style>
         <p:txBody>
-          <a:bodyPr rtlCol="0" anchor="ctr"/>
+          <a:bodyPr vert="horz" lIns="91440" tIns="45720" rIns="91440" bIns="45720" rtlCol="0" anchor="ctr"/>
+          <a:lstStyle/>
+          <a:p>
+            <a:pPr algn="ctr">
+              <a:defRPr/>
+            </a:pPr>
+            <a:fld id="{6389AA22-90B4-448C-8B6B-C699140D38B9}" type="slidenum">
+              <a:rPr lang="uk-UA" sz="2400" b="1">
+                <a:solidFill>
+                  <a:schemeClr val="bg1">
+                    <a:lumMod val="50000"/>
+                  </a:schemeClr>
+                </a:solidFill>
+              </a:rPr>
+              <a:pPr algn="ctr">
+                <a:defRPr/>
+              </a:pPr>
+              <a:t>16</a:t>
+            </a:fld>
+            <a:endParaRPr lang="uk-UA" sz="2400" b="1" dirty="0">
+              <a:solidFill>
+                <a:schemeClr val="bg1">
+                  <a:lumMod val="50000"/>
+                </a:schemeClr>
+              </a:solidFill>
+            </a:endParaRPr>
+          </a:p>
+        </p:txBody>
+      </p:sp>
+      <p:sp>
+        <p:nvSpPr>
+          <p:cNvPr id="3" name="TextBox 2"/>
+          <p:cNvSpPr txBox="1"/>
+          <p:nvPr/>
+        </p:nvSpPr>
+        <p:spPr>
+          <a:xfrm>
+            <a:off x="0" y="427311"/>
+            <a:ext cx="12192000" cy="769441"/>
+          </a:xfrm>
+          <a:prstGeom prst="rect">
+            <a:avLst/>
+          </a:prstGeom>
+          <a:noFill/>
+        </p:spPr>
+        <p:txBody>
+          <a:bodyPr wrap="square" rtlCol="0">
+            <a:spAutoFit/>
+          </a:bodyPr>
           <a:lstStyle/>
           <a:p>
             <a:pPr algn="ctr"/>
             <a:r>
-              <a:rPr lang="ru-RU" sz="6000" b="1" dirty="0"/>
-              <a:t>Домашнее задание</a:t>
-            </a:r>
-            <a:endParaRPr lang="uk-UA" sz="6000" b="1" dirty="0"/>
-          </a:p>
-        </p:txBody>
-      </p:sp>
+              <a:rPr lang="ru-RU" sz="4400" b="1" dirty="0" smtClean="0"/>
+              <a:t>Модальные окна / Тег </a:t>
+            </a:r>
+            <a:r>
+              <a:rPr lang="en-US" sz="4400" b="1" dirty="0" smtClean="0"/>
+              <a:t>&lt;dialog&gt;</a:t>
+            </a:r>
+            <a:endParaRPr lang="ru-RU" sz="4400" b="1" dirty="0"/>
+          </a:p>
+        </p:txBody>
+      </p:sp>
+      <p:sp>
+        <p:nvSpPr>
+          <p:cNvPr id="4" name="TextBox 3"/>
+          <p:cNvSpPr txBox="1"/>
+          <p:nvPr/>
+        </p:nvSpPr>
+        <p:spPr>
+          <a:xfrm>
+            <a:off x="6672064" y="3080863"/>
+            <a:ext cx="5010507" cy="1200329"/>
+          </a:xfrm>
+          <a:prstGeom prst="rect">
+            <a:avLst/>
+          </a:prstGeom>
+          <a:noFill/>
+        </p:spPr>
+        <p:txBody>
+          <a:bodyPr wrap="square" rtlCol="0">
+            <a:spAutoFit/>
+          </a:bodyPr>
+          <a:lstStyle/>
+          <a:p>
+            <a:r>
+              <a:rPr lang="ru-RU" sz="2400" dirty="0" smtClean="0"/>
+              <a:t>Воспользуйтесь шаблоном в </a:t>
+            </a:r>
+            <a:r>
+              <a:rPr lang="ru-RU" sz="2400" dirty="0" err="1" smtClean="0"/>
+              <a:t>репозитории</a:t>
+            </a:r>
+            <a:r>
+              <a:rPr lang="ru-RU" sz="2400" dirty="0" smtClean="0"/>
+              <a:t> занятия:</a:t>
+            </a:r>
+            <a:br>
+              <a:rPr lang="ru-RU" sz="2400" dirty="0" smtClean="0"/>
+            </a:br>
+            <a:r>
+              <a:rPr lang="en-US" sz="2400" b="1" dirty="0">
+                <a:solidFill>
+                  <a:srgbClr val="0070C0"/>
+                </a:solidFill>
+              </a:rPr>
+              <a:t>./</a:t>
+            </a:r>
+            <a:r>
+              <a:rPr lang="en-US" sz="2400" b="1" dirty="0" err="1" smtClean="0">
+                <a:solidFill>
+                  <a:srgbClr val="0070C0"/>
+                </a:solidFill>
+              </a:rPr>
+              <a:t>src</a:t>
+            </a:r>
+            <a:r>
+              <a:rPr lang="en-US" sz="2400" b="1" dirty="0" smtClean="0">
+                <a:solidFill>
+                  <a:srgbClr val="0070C0"/>
+                </a:solidFill>
+              </a:rPr>
+              <a:t>/dialog-demo-template</a:t>
+            </a:r>
+            <a:endParaRPr lang="ru-RU" sz="2400" b="1" dirty="0">
+              <a:solidFill>
+                <a:srgbClr val="0070C0"/>
+              </a:solidFill>
+            </a:endParaRPr>
+          </a:p>
+        </p:txBody>
+      </p:sp>
+      <p:pic>
+        <p:nvPicPr>
+          <p:cNvPr id="5" name="Рисунок 4"/>
+          <p:cNvPicPr>
+            <a:picLocks noChangeAspect="1"/>
+          </p:cNvPicPr>
+          <p:nvPr/>
+        </p:nvPicPr>
+        <p:blipFill rotWithShape="1">
+          <a:blip r:embed="rId2"/>
+          <a:srcRect l="11959" r="11689" b="879"/>
+          <a:stretch/>
+        </p:blipFill>
+        <p:spPr>
+          <a:xfrm>
+            <a:off x="767408" y="1844824"/>
+            <a:ext cx="5389876" cy="3932739"/>
+          </a:xfrm>
+          <a:prstGeom prst="rect">
+            <a:avLst/>
+          </a:prstGeom>
+          <a:ln>
+            <a:noFill/>
+          </a:ln>
+          <a:effectLst>
+            <a:outerShdw blurRad="190500" algn="tl" rotWithShape="0">
+              <a:srgbClr val="000000">
+                <a:alpha val="70000"/>
+              </a:srgbClr>
+            </a:outerShdw>
+          </a:effectLst>
+        </p:spPr>
+      </p:pic>
     </p:spTree>
     <p:extLst>
       <p:ext uri="{BB962C8B-B14F-4D97-AF65-F5344CB8AC3E}">
-        <p14:creationId xmlns:p14="http://schemas.microsoft.com/office/powerpoint/2010/main" val="529700045"/>
+        <p14:creationId xmlns:p14="http://schemas.microsoft.com/office/powerpoint/2010/main" val="453438773"/>
       </p:ext>
     </p:extLst>
   </p:cSld>
@@ -4962,6 +5197,85 @@
       </p:grpSpPr>
       <p:sp>
         <p:nvSpPr>
+          <p:cNvPr id="5" name="Прямоугольник 4"/>
+          <p:cNvSpPr/>
+          <p:nvPr/>
+        </p:nvSpPr>
+        <p:spPr>
+          <a:xfrm>
+            <a:off x="0" y="0"/>
+            <a:ext cx="12192000" cy="6858000"/>
+          </a:xfrm>
+          <a:prstGeom prst="rect">
+            <a:avLst/>
+          </a:prstGeom>
+          <a:solidFill>
+            <a:schemeClr val="tx2">
+              <a:lumMod val="75000"/>
+            </a:schemeClr>
+          </a:solidFill>
+        </p:spPr>
+        <p:style>
+          <a:lnRef idx="2">
+            <a:schemeClr val="accent1">
+              <a:shade val="50000"/>
+            </a:schemeClr>
+          </a:lnRef>
+          <a:fillRef idx="1">
+            <a:schemeClr val="accent1"/>
+          </a:fillRef>
+          <a:effectRef idx="0">
+            <a:schemeClr val="accent1"/>
+          </a:effectRef>
+          <a:fontRef idx="minor">
+            <a:schemeClr val="lt1"/>
+          </a:fontRef>
+        </p:style>
+        <p:txBody>
+          <a:bodyPr rtlCol="0" anchor="ctr"/>
+          <a:lstStyle/>
+          <a:p>
+            <a:pPr algn="ctr"/>
+            <a:r>
+              <a:rPr lang="ru-RU" sz="6000" b="1" dirty="0"/>
+              <a:t>Домашнее задание</a:t>
+            </a:r>
+            <a:endParaRPr lang="uk-UA" sz="6000" b="1" dirty="0"/>
+          </a:p>
+        </p:txBody>
+      </p:sp>
+    </p:spTree>
+    <p:extLst>
+      <p:ext uri="{BB962C8B-B14F-4D97-AF65-F5344CB8AC3E}">
+        <p14:creationId xmlns:p14="http://schemas.microsoft.com/office/powerpoint/2010/main" val="529700045"/>
+      </p:ext>
+    </p:extLst>
+  </p:cSld>
+  <p:clrMapOvr>
+    <a:masterClrMapping/>
+  </p:clrMapOvr>
+</p:sld>
+</file>
+
+<file path=ppt/slides/slide18.xml><?xml version="1.0" encoding="utf-8"?>
+<p:sld xmlns:a="http://schemas.openxmlformats.org/drawingml/2006/main" xmlns:r="http://schemas.openxmlformats.org/officeDocument/2006/relationships" xmlns:p="http://schemas.openxmlformats.org/presentationml/2006/main">
+  <p:cSld>
+    <p:spTree>
+      <p:nvGrpSpPr>
+        <p:cNvPr id="1" name=""/>
+        <p:cNvGrpSpPr/>
+        <p:nvPr/>
+      </p:nvGrpSpPr>
+      <p:grpSpPr>
+        <a:xfrm>
+          <a:off x="0" y="0"/>
+          <a:ext cx="0" cy="0"/>
+          <a:chOff x="0" y="0"/>
+          <a:chExt cx="0" cy="0"/>
+        </a:xfrm>
+      </p:grpSpPr>
+      <p:sp>
+        <p:nvSpPr>
           <p:cNvPr id="9" name="Номер слайда 36"/>
           <p:cNvSpPr txBox="1">
             <a:spLocks/>
@@ -5018,7 +5332,7 @@
               <a:pPr algn="ctr">
                 <a:defRPr/>
               </a:pPr>
-              <a:t>17</a:t>
+              <a:t>18</a:t>
             </a:fld>
             <a:endParaRPr lang="uk-UA" sz="2400" b="1" dirty="0">
               <a:solidFill>
@@ -5430,7 +5744,7 @@
         </p:nvSpPr>
         <p:spPr>
           <a:xfrm>
-            <a:off x="0" y="260648"/>
+            <a:off x="0" y="332656"/>
             <a:ext cx="12192000" cy="648072"/>
           </a:xfrm>
         </p:spPr>
@@ -5446,15 +5760,7 @@
             </a:r>
             <a:r>
               <a:rPr lang="en-US" b="1" dirty="0" smtClean="0"/>
-              <a:t> </a:t>
-            </a:r>
-            <a:r>
-              <a:rPr lang="ru-RU" b="1" dirty="0" smtClean="0"/>
-              <a:t>в </a:t>
-            </a:r>
-            <a:r>
-              <a:rPr lang="en-US" b="1" dirty="0" smtClean="0"/>
-              <a:t>JavaScript</a:t>
+              <a:t> ?!</a:t>
             </a:r>
             <a:endParaRPr lang="uk-UA" b="1" dirty="0"/>
           </a:p>
@@ -5530,194 +5836,67 @@
           </a:p>
         </p:txBody>
       </p:sp>
-      <p:sp>
-        <p:nvSpPr>
-          <p:cNvPr id="8" name="Прямоугольник 7"/>
-          <p:cNvSpPr/>
+      <p:pic>
+        <p:nvPicPr>
+          <p:cNvPr id="1026" name="Picture 2" descr="https://image.freepik.com/free-photo/one-tangerine-with-green-leaves-in-a-white-background-mandarin_73289-16.jpg"/>
+          <p:cNvPicPr>
+            <a:picLocks noChangeAspect="1" noChangeArrowheads="1"/>
+          </p:cNvPicPr>
           <p:nvPr/>
-        </p:nvSpPr>
-        <p:spPr>
-          <a:xfrm>
-            <a:off x="6816080" y="1727753"/>
-            <a:ext cx="4824536" cy="3416320"/>
+        </p:nvPicPr>
+        <p:blipFill rotWithShape="1">
+          <a:blip r:embed="rId2">
+            <a:extLst>
+              <a:ext uri="{28A0092B-C50C-407E-A947-70E740481C1C}">
+                <a14:useLocalDpi xmlns:a14="http://schemas.microsoft.com/office/drawing/2010/main" val="0"/>
+              </a:ext>
+            </a:extLst>
+          </a:blip>
+          <a:srcRect l="21211" t="11864" r="6530" b="10170"/>
+          <a:stretch/>
+        </p:blipFill>
+        <p:spPr bwMode="auto">
+          <a:xfrm>
+            <a:off x="839416" y="1484784"/>
+            <a:ext cx="5328592" cy="3829926"/>
           </a:xfrm>
           <a:prstGeom prst="rect">
             <a:avLst/>
           </a:prstGeom>
-        </p:spPr>
-        <p:txBody>
-          <a:bodyPr wrap="square">
-            <a:spAutoFit/>
-          </a:bodyPr>
-          <a:lstStyle/>
-          <a:p>
-            <a:r>
-              <a:rPr lang="ru-RU" sz="2400" b="1" dirty="0" smtClean="0"/>
-              <a:t>Объекты в </a:t>
-            </a:r>
-            <a:r>
-              <a:rPr lang="en-US" sz="2400" b="1" dirty="0" smtClean="0"/>
-              <a:t>JavaScript</a:t>
-            </a:r>
-            <a:r>
-              <a:rPr lang="ru-RU" sz="2400" dirty="0" smtClean="0"/>
-              <a:t> </a:t>
-            </a:r>
-            <a:r>
-              <a:rPr lang="en-US" sz="2400" dirty="0" smtClean="0"/>
-              <a:t>– </a:t>
-            </a:r>
-            <a:r>
-              <a:rPr lang="ru-RU" sz="2400" dirty="0" smtClean="0"/>
-              <a:t>структура данных</a:t>
-            </a:r>
-            <a:r>
-              <a:rPr lang="en-US" sz="2400" dirty="0" smtClean="0"/>
-              <a:t> (</a:t>
-            </a:r>
-            <a:r>
-              <a:rPr lang="ru-RU" sz="2400" dirty="0" smtClean="0"/>
-              <a:t>т.н. </a:t>
-            </a:r>
-            <a:r>
-              <a:rPr lang="ru-RU" sz="2400" i="1" dirty="0" smtClean="0"/>
-              <a:t>ассоциативный массив</a:t>
-            </a:r>
-            <a:r>
-              <a:rPr lang="en-US" sz="2400" dirty="0" smtClean="0"/>
-              <a:t>)</a:t>
-            </a:r>
-            <a:r>
-              <a:rPr lang="ru-RU" sz="2400" dirty="0" smtClean="0"/>
-              <a:t>, в которой ключами</a:t>
-            </a:r>
-            <a:r>
-              <a:rPr lang="en-US" sz="2400" dirty="0" smtClean="0"/>
-              <a:t> (</a:t>
-            </a:r>
-            <a:r>
-              <a:rPr lang="ru-RU" sz="2400" b="1" dirty="0" smtClean="0"/>
-              <a:t>индексами</a:t>
-            </a:r>
-            <a:r>
-              <a:rPr lang="en-US" sz="2400" dirty="0" smtClean="0"/>
-              <a:t>)</a:t>
-            </a:r>
-            <a:r>
-              <a:rPr lang="ru-RU" sz="2400" dirty="0" smtClean="0"/>
-              <a:t> к ячейкам с данными выступают </a:t>
-            </a:r>
-            <a:r>
-              <a:rPr lang="ru-RU" sz="2400" b="1" dirty="0" smtClean="0"/>
-              <a:t>строки</a:t>
-            </a:r>
-            <a:r>
-              <a:rPr lang="en-US" sz="2400" dirty="0" smtClean="0"/>
-              <a:t>.</a:t>
-            </a:r>
-            <a:r>
-              <a:rPr lang="ru-RU" sz="2400" dirty="0" smtClean="0"/>
-              <a:t/>
-            </a:r>
-            <a:br>
-              <a:rPr lang="ru-RU" sz="2400" dirty="0" smtClean="0"/>
-            </a:br>
-            <a:r>
-              <a:rPr lang="ru-RU" sz="2400" b="1" dirty="0" smtClean="0"/>
-              <a:t>Объекты</a:t>
-            </a:r>
-            <a:r>
-              <a:rPr lang="ru-RU" sz="2400" dirty="0" smtClean="0"/>
-              <a:t> в </a:t>
-            </a:r>
-            <a:r>
-              <a:rPr lang="en-US" sz="2400" b="1" dirty="0" smtClean="0"/>
-              <a:t>JavaScript</a:t>
-            </a:r>
-            <a:r>
-              <a:rPr lang="en-US" sz="2400" dirty="0" smtClean="0"/>
-              <a:t> </a:t>
-            </a:r>
-            <a:r>
-              <a:rPr lang="ru-RU" sz="2400" dirty="0" smtClean="0"/>
-              <a:t>применяются повсеместно, </a:t>
-            </a:r>
-            <a:r>
-              <a:rPr lang="ru-RU" sz="2400" b="1" dirty="0" smtClean="0"/>
-              <a:t>строки</a:t>
-            </a:r>
-            <a:r>
-              <a:rPr lang="ru-RU" sz="2400" dirty="0" smtClean="0"/>
-              <a:t>, </a:t>
-            </a:r>
-            <a:r>
-              <a:rPr lang="ru-RU" sz="2400" b="1" dirty="0" smtClean="0"/>
-              <a:t>массивы</a:t>
-            </a:r>
-            <a:r>
-              <a:rPr lang="ru-RU" sz="2400" dirty="0" smtClean="0"/>
-              <a:t> и даже каждый </a:t>
-            </a:r>
-            <a:r>
-              <a:rPr lang="ru-RU" sz="2400" b="1" dirty="0" smtClean="0"/>
-              <a:t>тег </a:t>
-            </a:r>
-            <a:r>
-              <a:rPr lang="ru-RU" sz="2400" dirty="0" smtClean="0"/>
-              <a:t>в разметк</a:t>
-            </a:r>
-            <a:r>
-              <a:rPr lang="ru-RU" sz="2400" b="1" dirty="0" smtClean="0"/>
-              <a:t>е</a:t>
-            </a:r>
-            <a:r>
-              <a:rPr lang="ru-RU" sz="2400" dirty="0" smtClean="0"/>
-              <a:t> – представляет собой </a:t>
-            </a:r>
-            <a:r>
-              <a:rPr lang="ru-RU" sz="2400" b="1" dirty="0" smtClean="0"/>
-              <a:t>объект</a:t>
-            </a:r>
-            <a:r>
-              <a:rPr lang="ru-RU" sz="2400" dirty="0" smtClean="0"/>
-              <a:t>. </a:t>
-            </a:r>
-            <a:endParaRPr lang="uk-UA" sz="2400" dirty="0"/>
-          </a:p>
-        </p:txBody>
-      </p:sp>
+          <a:noFill/>
+          <a:extLst>
+            <a:ext uri="{909E8E84-426E-40DD-AFC4-6F175D3DCCD1}">
+              <a14:hiddenFill xmlns:a14="http://schemas.microsoft.com/office/drawing/2010/main">
+                <a:solidFill>
+                  <a:srgbClr val="FFFFFF"/>
+                </a:solidFill>
+              </a14:hiddenFill>
+            </a:ext>
+          </a:extLst>
+        </p:spPr>
+      </p:pic>
       <p:pic>
         <p:nvPicPr>
-          <p:cNvPr id="3" name="Рисунок 2"/>
+          <p:cNvPr id="2" name="Рисунок 1"/>
           <p:cNvPicPr>
             <a:picLocks noChangeAspect="1"/>
           </p:cNvPicPr>
           <p:nvPr/>
         </p:nvPicPr>
         <p:blipFill>
-          <a:blip r:embed="rId2"/>
+          <a:blip r:embed="rId3"/>
           <a:stretch>
             <a:fillRect/>
           </a:stretch>
         </p:blipFill>
         <p:spPr>
           <a:xfrm>
-            <a:off x="479376" y="1329191"/>
-            <a:ext cx="6000750" cy="4238625"/>
+            <a:off x="6598096" y="1484784"/>
+            <a:ext cx="5256584" cy="4202379"/>
           </a:xfrm>
           <a:prstGeom prst="rect">
             <a:avLst/>
           </a:prstGeom>
-          <a:ln>
-            <a:noFill/>
-          </a:ln>
-          <a:effectLst>
-            <a:outerShdw blurRad="190500" algn="tl" rotWithShape="0">
-              <a:srgbClr val="000000">
-                <a:alpha val="70000"/>
-              </a:srgbClr>
-            </a:outerShdw>
-          </a:effectLst>
         </p:spPr>
       </p:pic>
     </p:spTree>
@@ -5747,7 +5926,49 @@
       </p:grpSpPr>
       <p:sp>
         <p:nvSpPr>
-          <p:cNvPr id="9" name="Номер слайда 36"/>
+          <p:cNvPr id="5" name="Заголовок 4"/>
+          <p:cNvSpPr>
+            <a:spLocks noGrp="1"/>
+          </p:cNvSpPr>
+          <p:nvPr>
+            <p:ph type="title"/>
+          </p:nvPr>
+        </p:nvSpPr>
+        <p:spPr>
+          <a:xfrm>
+            <a:off x="0" y="260648"/>
+            <a:ext cx="12192000" cy="648072"/>
+          </a:xfrm>
+        </p:spPr>
+        <p:txBody>
+          <a:bodyPr>
+            <a:normAutofit fontScale="90000"/>
+          </a:bodyPr>
+          <a:lstStyle/>
+          <a:p>
+            <a:r>
+              <a:rPr lang="ru-RU" b="1" dirty="0" smtClean="0"/>
+              <a:t>Объекты</a:t>
+            </a:r>
+            <a:r>
+              <a:rPr lang="en-US" b="1" dirty="0" smtClean="0"/>
+              <a:t> </a:t>
+            </a:r>
+            <a:r>
+              <a:rPr lang="ru-RU" b="1" dirty="0" smtClean="0"/>
+              <a:t>в </a:t>
+            </a:r>
+            <a:r>
+              <a:rPr lang="en-US" b="1" dirty="0" smtClean="0"/>
+              <a:t>JavaScript</a:t>
+            </a:r>
+            <a:endParaRPr lang="uk-UA" b="1" dirty="0"/>
+          </a:p>
+        </p:txBody>
+      </p:sp>
+      <p:sp>
+        <p:nvSpPr>
+          <p:cNvPr id="6" name="Номер слайда 36"/>
           <p:cNvSpPr txBox="1">
             <a:spLocks/>
           </p:cNvSpPr>
@@ -5755,7 +5976,7 @@
         </p:nvSpPr>
         <p:spPr>
           <a:xfrm>
-            <a:off x="11280576" y="6165304"/>
+            <a:off x="11208568" y="6094322"/>
             <a:ext cx="648072" cy="432048"/>
           </a:xfrm>
           <a:prstGeom prst="roundRect">
@@ -5817,6 +6038,296 @@
       </p:sp>
       <p:sp>
         <p:nvSpPr>
+          <p:cNvPr id="8" name="Прямоугольник 7"/>
+          <p:cNvSpPr/>
+          <p:nvPr/>
+        </p:nvSpPr>
+        <p:spPr>
+          <a:xfrm>
+            <a:off x="6816080" y="1727753"/>
+            <a:ext cx="4824536" cy="3416320"/>
+          </a:xfrm>
+          <a:prstGeom prst="rect">
+            <a:avLst/>
+          </a:prstGeom>
+        </p:spPr>
+        <p:txBody>
+          <a:bodyPr wrap="square">
+            <a:spAutoFit/>
+          </a:bodyPr>
+          <a:lstStyle/>
+          <a:p>
+            <a:r>
+              <a:rPr lang="ru-RU" sz="2400" b="1" dirty="0" smtClean="0"/>
+              <a:t>Объекты в </a:t>
+            </a:r>
+            <a:r>
+              <a:rPr lang="en-US" sz="2400" b="1" dirty="0" smtClean="0"/>
+              <a:t>JavaScript</a:t>
+            </a:r>
+            <a:r>
+              <a:rPr lang="ru-RU" sz="2400" dirty="0" smtClean="0"/>
+              <a:t> </a:t>
+            </a:r>
+            <a:r>
+              <a:rPr lang="en-US" sz="2400" dirty="0" smtClean="0"/>
+              <a:t>– </a:t>
+            </a:r>
+            <a:r>
+              <a:rPr lang="ru-RU" sz="2400" dirty="0" smtClean="0"/>
+              <a:t>структура данных</a:t>
+            </a:r>
+            <a:r>
+              <a:rPr lang="en-US" sz="2400" dirty="0" smtClean="0"/>
+              <a:t> (</a:t>
+            </a:r>
+            <a:r>
+              <a:rPr lang="ru-RU" sz="2400" dirty="0" smtClean="0"/>
+              <a:t>т.н. </a:t>
+            </a:r>
+            <a:r>
+              <a:rPr lang="ru-RU" sz="2400" i="1" dirty="0" smtClean="0"/>
+              <a:t>ассоциативный массив</a:t>
+            </a:r>
+            <a:r>
+              <a:rPr lang="en-US" sz="2400" dirty="0" smtClean="0"/>
+              <a:t>)</a:t>
+            </a:r>
+            <a:r>
+              <a:rPr lang="ru-RU" sz="2400" dirty="0" smtClean="0"/>
+              <a:t>, в которой ключами</a:t>
+            </a:r>
+            <a:r>
+              <a:rPr lang="en-US" sz="2400" dirty="0" smtClean="0"/>
+              <a:t> (</a:t>
+            </a:r>
+            <a:r>
+              <a:rPr lang="ru-RU" sz="2400" b="1" dirty="0" smtClean="0"/>
+              <a:t>индексами</a:t>
+            </a:r>
+            <a:r>
+              <a:rPr lang="en-US" sz="2400" dirty="0" smtClean="0"/>
+              <a:t>)</a:t>
+            </a:r>
+            <a:r>
+              <a:rPr lang="ru-RU" sz="2400" dirty="0" smtClean="0"/>
+              <a:t> к ячейкам с данными выступают </a:t>
+            </a:r>
+            <a:r>
+              <a:rPr lang="ru-RU" sz="2400" b="1" dirty="0" smtClean="0"/>
+              <a:t>строки</a:t>
+            </a:r>
+            <a:r>
+              <a:rPr lang="en-US" sz="2400" dirty="0" smtClean="0"/>
+              <a:t>.</a:t>
+            </a:r>
+            <a:r>
+              <a:rPr lang="ru-RU" sz="2400" dirty="0" smtClean="0"/>
+              <a:t/>
+            </a:r>
+            <a:br>
+              <a:rPr lang="ru-RU" sz="2400" dirty="0" smtClean="0"/>
+            </a:br>
+            <a:r>
+              <a:rPr lang="ru-RU" sz="2400" b="1" dirty="0" smtClean="0"/>
+              <a:t>Объекты</a:t>
+            </a:r>
+            <a:r>
+              <a:rPr lang="ru-RU" sz="2400" dirty="0" smtClean="0"/>
+              <a:t> в </a:t>
+            </a:r>
+            <a:r>
+              <a:rPr lang="en-US" sz="2400" b="1" dirty="0" smtClean="0"/>
+              <a:t>JavaScript</a:t>
+            </a:r>
+            <a:r>
+              <a:rPr lang="en-US" sz="2400" dirty="0" smtClean="0"/>
+              <a:t> </a:t>
+            </a:r>
+            <a:r>
+              <a:rPr lang="ru-RU" sz="2400" dirty="0" smtClean="0"/>
+              <a:t>применяются повсеместно, </a:t>
+            </a:r>
+            <a:r>
+              <a:rPr lang="ru-RU" sz="2400" b="1" dirty="0" smtClean="0"/>
+              <a:t>строки</a:t>
+            </a:r>
+            <a:r>
+              <a:rPr lang="ru-RU" sz="2400" dirty="0" smtClean="0"/>
+              <a:t>, </a:t>
+            </a:r>
+            <a:r>
+              <a:rPr lang="ru-RU" sz="2400" b="1" dirty="0" smtClean="0"/>
+              <a:t>массивы</a:t>
+            </a:r>
+            <a:r>
+              <a:rPr lang="ru-RU" sz="2400" dirty="0" smtClean="0"/>
+              <a:t> и даже каждый </a:t>
+            </a:r>
+            <a:r>
+              <a:rPr lang="ru-RU" sz="2400" b="1" dirty="0" smtClean="0"/>
+              <a:t>тег </a:t>
+            </a:r>
+            <a:r>
+              <a:rPr lang="ru-RU" sz="2400" dirty="0" smtClean="0"/>
+              <a:t>в разметк</a:t>
+            </a:r>
+            <a:r>
+              <a:rPr lang="ru-RU" sz="2400" b="1" dirty="0" smtClean="0"/>
+              <a:t>е</a:t>
+            </a:r>
+            <a:r>
+              <a:rPr lang="ru-RU" sz="2400" dirty="0" smtClean="0"/>
+              <a:t> – представляет собой </a:t>
+            </a:r>
+            <a:r>
+              <a:rPr lang="ru-RU" sz="2400" b="1" dirty="0" smtClean="0"/>
+              <a:t>объект</a:t>
+            </a:r>
+            <a:r>
+              <a:rPr lang="ru-RU" sz="2400" dirty="0" smtClean="0"/>
+              <a:t>. </a:t>
+            </a:r>
+            <a:endParaRPr lang="uk-UA" sz="2400" dirty="0"/>
+          </a:p>
+        </p:txBody>
+      </p:sp>
+      <p:pic>
+        <p:nvPicPr>
+          <p:cNvPr id="3" name="Рисунок 2"/>
+          <p:cNvPicPr>
+            <a:picLocks noChangeAspect="1"/>
+          </p:cNvPicPr>
+          <p:nvPr/>
+        </p:nvPicPr>
+        <p:blipFill>
+          <a:blip r:embed="rId2"/>
+          <a:stretch>
+            <a:fillRect/>
+          </a:stretch>
+        </p:blipFill>
+        <p:spPr>
+          <a:xfrm>
+            <a:off x="479376" y="1329191"/>
+            <a:ext cx="6000750" cy="4238625"/>
+          </a:xfrm>
+          <a:prstGeom prst="rect">
+            <a:avLst/>
+          </a:prstGeom>
+          <a:ln>
+            <a:noFill/>
+          </a:ln>
+          <a:effectLst>
+            <a:outerShdw blurRad="190500" algn="tl" rotWithShape="0">
+              <a:srgbClr val="000000">
+                <a:alpha val="70000"/>
+              </a:srgbClr>
+            </a:outerShdw>
+          </a:effectLst>
+        </p:spPr>
+      </p:pic>
+    </p:spTree>
+    <p:extLst>
+      <p:ext uri="{BB962C8B-B14F-4D97-AF65-F5344CB8AC3E}">
+        <p14:creationId xmlns:p14="http://schemas.microsoft.com/office/powerpoint/2010/main" val="3293974821"/>
+      </p:ext>
+    </p:extLst>
+  </p:cSld>
+  <p:clrMapOvr>
+    <a:masterClrMapping/>
+  </p:clrMapOvr>
+</p:sld>
+</file>
+
+<file path=ppt/slides/slide5.xml><?xml version="1.0" encoding="utf-8"?>
+<p:sld xmlns:a="http://schemas.openxmlformats.org/drawingml/2006/main" xmlns:r="http://schemas.openxmlformats.org/officeDocument/2006/relationships" xmlns:p="http://schemas.openxmlformats.org/presentationml/2006/main">
+  <p:cSld>
+    <p:spTree>
+      <p:nvGrpSpPr>
+        <p:cNvPr id="1" name=""/>
+        <p:cNvGrpSpPr/>
+        <p:nvPr/>
+      </p:nvGrpSpPr>
+      <p:grpSpPr>
+        <a:xfrm>
+          <a:off x="0" y="0"/>
+          <a:ext cx="0" cy="0"/>
+          <a:chOff x="0" y="0"/>
+          <a:chExt cx="0" cy="0"/>
+        </a:xfrm>
+      </p:grpSpPr>
+      <p:sp>
+        <p:nvSpPr>
+          <p:cNvPr id="9" name="Номер слайда 36"/>
+          <p:cNvSpPr txBox="1">
+            <a:spLocks/>
+          </p:cNvSpPr>
+          <p:nvPr/>
+        </p:nvSpPr>
+        <p:spPr>
+          <a:xfrm>
+            <a:off x="11280576" y="6165304"/>
+            <a:ext cx="648072" cy="432048"/>
+          </a:xfrm>
+          <a:prstGeom prst="roundRect">
+            <a:avLst/>
+          </a:prstGeom>
+          <a:ln w="25400" cap="flat" cmpd="sng" algn="ctr">
+            <a:solidFill>
+              <a:schemeClr val="tx2">
+                <a:lumMod val="60000"/>
+                <a:lumOff val="40000"/>
+              </a:schemeClr>
+            </a:solidFill>
+            <a:prstDash val="solid"/>
+          </a:ln>
+        </p:spPr>
+        <p:style>
+          <a:lnRef idx="2">
+            <a:schemeClr val="accent1"/>
+          </a:lnRef>
+          <a:fillRef idx="1">
+            <a:schemeClr val="lt1"/>
+          </a:fillRef>
+          <a:effectRef idx="0">
+            <a:schemeClr val="accent1"/>
+          </a:effectRef>
+          <a:fontRef idx="minor">
+            <a:schemeClr val="dk1"/>
+          </a:fontRef>
+        </p:style>
+        <p:txBody>
+          <a:bodyPr vert="horz" lIns="91440" tIns="45720" rIns="91440" bIns="45720" rtlCol="0" anchor="ctr"/>
+          <a:lstStyle/>
+          <a:p>
+            <a:pPr algn="ctr">
+              <a:defRPr/>
+            </a:pPr>
+            <a:fld id="{6389AA22-90B4-448C-8B6B-C699140D38B9}" type="slidenum">
+              <a:rPr lang="uk-UA" sz="2400" b="1">
+                <a:solidFill>
+                  <a:schemeClr val="bg1">
+                    <a:lumMod val="50000"/>
+                  </a:schemeClr>
+                </a:solidFill>
+              </a:rPr>
+              <a:pPr algn="ctr">
+                <a:defRPr/>
+              </a:pPr>
+              <a:t>5</a:t>
+            </a:fld>
+            <a:endParaRPr lang="uk-UA" sz="2400" b="1" dirty="0">
+              <a:solidFill>
+                <a:schemeClr val="bg1">
+                  <a:lumMod val="50000"/>
+                </a:schemeClr>
+              </a:solidFill>
+            </a:endParaRPr>
+          </a:p>
+        </p:txBody>
+      </p:sp>
+      <p:sp>
+        <p:nvSpPr>
           <p:cNvPr id="8" name="TextBox 7"/>
           <p:cNvSpPr txBox="1"/>
           <p:nvPr/>
@@ -5936,125 +6447,6 @@
 </p:sld>
 </file>
 
-<file path=ppt/slides/slide5.xml><?xml version="1.0" encoding="utf-8"?>
-<p:sld xmlns:a="http://schemas.openxmlformats.org/drawingml/2006/main" xmlns:r="http://schemas.openxmlformats.org/officeDocument/2006/relationships" xmlns:p="http://schemas.openxmlformats.org/presentationml/2006/main">
-  <p:cSld>
-    <p:spTree>
-      <p:nvGrpSpPr>
-        <p:cNvPr id="1" name=""/>
-        <p:cNvGrpSpPr/>
-        <p:nvPr/>
-      </p:nvGrpSpPr>
-      <p:grpSpPr>
-        <a:xfrm>
-          <a:off x="0" y="0"/>
-          <a:ext cx="0" cy="0"/>
-          <a:chOff x="0" y="0"/>
-          <a:chExt cx="0" cy="0"/>
-        </a:xfrm>
-      </p:grpSpPr>
-      <p:sp>
-        <p:nvSpPr>
-          <p:cNvPr id="5" name="Прямоугольник 4"/>
-          <p:cNvSpPr/>
-          <p:nvPr/>
-        </p:nvSpPr>
-        <p:spPr>
-          <a:xfrm>
-            <a:off x="0" y="0"/>
-            <a:ext cx="12192000" cy="6858000"/>
-          </a:xfrm>
-          <a:prstGeom prst="rect">
-            <a:avLst/>
-          </a:prstGeom>
-          <a:solidFill>
-            <a:schemeClr val="tx2">
-              <a:lumMod val="75000"/>
-            </a:schemeClr>
-          </a:solidFill>
-        </p:spPr>
-        <p:style>
-          <a:lnRef idx="2">
-            <a:schemeClr val="accent1">
-              <a:shade val="50000"/>
-            </a:schemeClr>
-          </a:lnRef>
-          <a:fillRef idx="1">
-            <a:schemeClr val="accent1"/>
-          </a:fillRef>
-          <a:effectRef idx="0">
-            <a:schemeClr val="accent1"/>
-          </a:effectRef>
-          <a:fontRef idx="minor">
-            <a:schemeClr val="lt1"/>
-          </a:fontRef>
-        </p:style>
-        <p:txBody>
-          <a:bodyPr rtlCol="0" anchor="ctr"/>
-          <a:lstStyle/>
-          <a:p>
-            <a:pPr algn="ctr"/>
-            <a:r>
-              <a:rPr lang="ru-RU" sz="6000" b="1" dirty="0" smtClean="0"/>
-              <a:t>2.</a:t>
-            </a:r>
-            <a:r>
-              <a:rPr lang="en-US" sz="6000" b="1" dirty="0" smtClean="0"/>
-              <a:t> </a:t>
-            </a:r>
-            <a:r>
-              <a:rPr lang="en-US" sz="6000" b="1" dirty="0" smtClean="0">
-                <a:solidFill>
-                  <a:srgbClr val="FFFF00"/>
-                </a:solidFill>
-              </a:rPr>
-              <a:t>D</a:t>
-            </a:r>
-            <a:r>
-              <a:rPr lang="en-US" sz="6000" b="1" dirty="0" smtClean="0"/>
-              <a:t>ocument </a:t>
-            </a:r>
-            <a:r>
-              <a:rPr lang="en-US" sz="6000" b="1" dirty="0" smtClean="0">
-                <a:solidFill>
-                  <a:srgbClr val="FFFF00"/>
-                </a:solidFill>
-              </a:rPr>
-              <a:t>O</a:t>
-            </a:r>
-            <a:r>
-              <a:rPr lang="en-US" sz="6000" b="1" dirty="0" smtClean="0"/>
-              <a:t>bject </a:t>
-            </a:r>
-            <a:r>
-              <a:rPr lang="en-US" sz="6000" b="1" dirty="0" smtClean="0">
-                <a:solidFill>
-                  <a:srgbClr val="FFFF00"/>
-                </a:solidFill>
-              </a:rPr>
-              <a:t>M</a:t>
-            </a:r>
-            <a:r>
-              <a:rPr lang="en-US" sz="6000" b="1" dirty="0" smtClean="0"/>
-              <a:t>odel</a:t>
-            </a:r>
-            <a:endParaRPr lang="uk-UA" sz="6000" b="1" dirty="0"/>
-          </a:p>
-        </p:txBody>
-      </p:sp>
-    </p:spTree>
-    <p:extLst>
-      <p:ext uri="{BB962C8B-B14F-4D97-AF65-F5344CB8AC3E}">
-        <p14:creationId xmlns:p14="http://schemas.microsoft.com/office/powerpoint/2010/main" val="597087308"/>
-      </p:ext>
-    </p:extLst>
-  </p:cSld>
-  <p:clrMapOvr>
-    <a:masterClrMapping/>
-  </p:clrMapOvr>
-</p:sld>
-</file>
-
 <file path=ppt/slides/slide6.xml><?xml version="1.0" encoding="utf-8"?>
 <p:sld xmlns:a="http://schemas.openxmlformats.org/drawingml/2006/main" xmlns:r="http://schemas.openxmlformats.org/officeDocument/2006/relationships" xmlns:p="http://schemas.openxmlformats.org/presentationml/2006/main">
   <p:cSld>
@@ -6074,316 +6466,103 @@
       </p:grpSpPr>
       <p:sp>
         <p:nvSpPr>
-          <p:cNvPr id="20" name="Номер слайда 36"/>
-          <p:cNvSpPr txBox="1">
-            <a:spLocks/>
-          </p:cNvSpPr>
+          <p:cNvPr id="5" name="Прямоугольник 4"/>
+          <p:cNvSpPr/>
           <p:nvPr/>
         </p:nvSpPr>
         <p:spPr>
           <a:xfrm>
-            <a:off x="11208568" y="6165304"/>
-            <a:ext cx="648072" cy="432048"/>
-          </a:xfrm>
-          <a:prstGeom prst="roundRect">
+            <a:off x="0" y="0"/>
+            <a:ext cx="12192000" cy="6858000"/>
+          </a:xfrm>
+          <a:prstGeom prst="rect">
             <a:avLst/>
           </a:prstGeom>
-          <a:ln w="25400" cap="flat" cmpd="sng" algn="ctr">
-            <a:solidFill>
-              <a:schemeClr val="tx2">
-                <a:lumMod val="60000"/>
-                <a:lumOff val="40000"/>
-              </a:schemeClr>
-            </a:solidFill>
-            <a:prstDash val="solid"/>
-          </a:ln>
+          <a:solidFill>
+            <a:schemeClr val="tx2">
+              <a:lumMod val="75000"/>
+            </a:schemeClr>
+          </a:solidFill>
         </p:spPr>
         <p:style>
           <a:lnRef idx="2">
-            <a:schemeClr val="accent1"/>
+            <a:schemeClr val="accent1">
+              <a:shade val="50000"/>
+            </a:schemeClr>
           </a:lnRef>
           <a:fillRef idx="1">
-            <a:schemeClr val="lt1"/>
+            <a:schemeClr val="accent1"/>
           </a:fillRef>
           <a:effectRef idx="0">
             <a:schemeClr val="accent1"/>
           </a:effectRef>
           <a:fontRef idx="minor">
-            <a:schemeClr val="dk1"/>
+            <a:schemeClr val="lt1"/>
           </a:fontRef>
         </p:style>
         <p:txBody>
-          <a:bodyPr vert="horz" lIns="91440" tIns="45720" rIns="91440" bIns="45720" rtlCol="0" anchor="ctr"/>
-          <a:lstStyle/>
-          <a:p>
-            <a:pPr algn="ctr">
-              <a:defRPr/>
-            </a:pPr>
-            <a:fld id="{6389AA22-90B4-448C-8B6B-C699140D38B9}" type="slidenum">
-              <a:rPr lang="uk-UA" sz="2400" b="1">
+          <a:bodyPr rtlCol="0" anchor="ctr"/>
+          <a:lstStyle/>
+          <a:p>
+            <a:pPr algn="ctr"/>
+            <a:r>
+              <a:rPr lang="ru-RU" sz="6000" b="1" dirty="0" smtClean="0"/>
+              <a:t>2.</a:t>
+            </a:r>
+            <a:r>
+              <a:rPr lang="en-US" sz="6000" b="1" dirty="0" smtClean="0"/>
+              <a:t> </a:t>
+            </a:r>
+            <a:r>
+              <a:rPr lang="en-US" sz="6000" b="1" dirty="0" smtClean="0">
                 <a:solidFill>
-                  <a:schemeClr val="bg1">
-                    <a:lumMod val="50000"/>
-                  </a:schemeClr>
+                  <a:srgbClr val="FFFF00"/>
                 </a:solidFill>
               </a:rPr>
-              <a:pPr algn="ctr">
-                <a:defRPr/>
-              </a:pPr>
-              <a:t>6</a:t>
-            </a:fld>
-            <a:endParaRPr lang="uk-UA" sz="2400" b="1" dirty="0">
-              <a:solidFill>
-                <a:schemeClr val="bg1">
-                  <a:lumMod val="50000"/>
-                </a:schemeClr>
-              </a:solidFill>
-            </a:endParaRPr>
-          </a:p>
-        </p:txBody>
-      </p:sp>
-      <p:sp>
-        <p:nvSpPr>
-          <p:cNvPr id="15" name="TextBox 14"/>
-          <p:cNvSpPr txBox="1"/>
-          <p:nvPr/>
-        </p:nvSpPr>
-        <p:spPr>
-          <a:xfrm>
-            <a:off x="0" y="704890"/>
-            <a:ext cx="12192000" cy="707886"/>
-          </a:xfrm>
-          <a:prstGeom prst="rect">
-            <a:avLst/>
-          </a:prstGeom>
-          <a:noFill/>
-        </p:spPr>
-        <p:txBody>
-          <a:bodyPr wrap="square" rtlCol="0">
-            <a:spAutoFit/>
-          </a:bodyPr>
-          <a:lstStyle/>
-          <a:p>
-            <a:pPr algn="ctr"/>
-            <a:r>
-              <a:rPr lang="en-US" sz="4000" b="1" dirty="0"/>
-              <a:t>DOM – Document Object Model</a:t>
-            </a:r>
-            <a:endParaRPr lang="ru-RU" sz="4000" b="1" dirty="0"/>
-          </a:p>
-        </p:txBody>
-      </p:sp>
-      <p:sp>
-        <p:nvSpPr>
-          <p:cNvPr id="16" name="TextBox 15"/>
-          <p:cNvSpPr txBox="1"/>
-          <p:nvPr/>
-        </p:nvSpPr>
-        <p:spPr>
-          <a:xfrm>
-            <a:off x="0" y="1412776"/>
-            <a:ext cx="12191999" cy="523220"/>
-          </a:xfrm>
-          <a:prstGeom prst="rect">
-            <a:avLst/>
-          </a:prstGeom>
-          <a:noFill/>
-        </p:spPr>
-        <p:txBody>
-          <a:bodyPr wrap="square" rtlCol="0">
-            <a:spAutoFit/>
-          </a:bodyPr>
-          <a:lstStyle/>
-          <a:p>
-            <a:pPr algn="ctr"/>
-            <a:r>
-              <a:rPr lang="ru-RU" sz="2800" i="1" dirty="0"/>
-              <a:t>(объектная модель документа)</a:t>
-            </a:r>
-          </a:p>
-        </p:txBody>
-      </p:sp>
-      <p:sp>
-        <p:nvSpPr>
-          <p:cNvPr id="17" name="TextBox 16"/>
-          <p:cNvSpPr txBox="1"/>
-          <p:nvPr/>
-        </p:nvSpPr>
-        <p:spPr>
-          <a:xfrm>
-            <a:off x="1595500" y="2420888"/>
-            <a:ext cx="9001000" cy="2554545"/>
-          </a:xfrm>
-          <a:prstGeom prst="rect">
-            <a:avLst/>
-          </a:prstGeom>
-          <a:noFill/>
-        </p:spPr>
-        <p:txBody>
-          <a:bodyPr wrap="square" rtlCol="0">
-            <a:spAutoFit/>
-          </a:bodyPr>
-          <a:lstStyle/>
-          <a:p>
-            <a:r>
-              <a:rPr lang="ru-RU" sz="3200" dirty="0"/>
-              <a:t>Стандарт который определяет из каких </a:t>
-            </a:r>
-            <a:r>
-              <a:rPr lang="ru-RU" sz="3200" b="1" dirty="0"/>
-              <a:t>объектов</a:t>
-            </a:r>
-            <a:r>
-              <a:rPr lang="ru-RU" sz="3200" dirty="0"/>
-              <a:t> браузер собирает </a:t>
-            </a:r>
-            <a:r>
-              <a:rPr lang="ru-RU" sz="3200" b="1" dirty="0"/>
-              <a:t>дерево документа</a:t>
-            </a:r>
-            <a:r>
-              <a:rPr lang="ru-RU" sz="3200" dirty="0"/>
-              <a:t>, и какие </a:t>
-            </a:r>
-            <a:r>
-              <a:rPr lang="ru-RU" sz="3200" b="1" dirty="0"/>
-              <a:t>свойства</a:t>
-            </a:r>
-            <a:r>
-              <a:rPr lang="ru-RU" sz="3200" dirty="0"/>
-              <a:t> есть у этих </a:t>
-            </a:r>
-            <a:r>
-              <a:rPr lang="ru-RU" sz="3200" b="1" dirty="0" smtClean="0"/>
-              <a:t>объектов</a:t>
-            </a:r>
-            <a:r>
-              <a:rPr lang="ru-RU" sz="3200" dirty="0" smtClean="0"/>
-              <a:t>.</a:t>
-            </a:r>
-            <a:r>
-              <a:rPr lang="en-US" sz="3200" dirty="0" smtClean="0"/>
-              <a:t> </a:t>
-            </a:r>
-            <a:r>
-              <a:rPr lang="ru-RU" sz="3200" dirty="0" smtClean="0"/>
-              <a:t>В соответствии со стандартом </a:t>
-            </a:r>
-            <a:r>
-              <a:rPr lang="en-US" sz="3200" b="1" dirty="0" smtClean="0"/>
-              <a:t>DOM</a:t>
-            </a:r>
-            <a:r>
-              <a:rPr lang="en-US" sz="3200" dirty="0" smtClean="0"/>
-              <a:t> </a:t>
-            </a:r>
-            <a:r>
-              <a:rPr lang="ru-RU" sz="3200" dirty="0" smtClean="0"/>
-              <a:t>каждый </a:t>
-            </a:r>
-            <a:r>
-              <a:rPr lang="ru-RU" sz="3200" b="1" dirty="0" smtClean="0"/>
-              <a:t>тег</a:t>
-            </a:r>
-            <a:r>
-              <a:rPr lang="ru-RU" sz="3200" dirty="0" smtClean="0"/>
-              <a:t> </a:t>
-            </a:r>
-            <a:r>
-              <a:rPr lang="en-US" sz="3200" b="1" dirty="0" smtClean="0"/>
-              <a:t>HTML</a:t>
-            </a:r>
-            <a:r>
-              <a:rPr lang="ru-RU" sz="3200" b="1" dirty="0" smtClean="0"/>
-              <a:t>-документа</a:t>
-            </a:r>
-            <a:r>
-              <a:rPr lang="ru-RU" sz="3200" dirty="0" smtClean="0"/>
-              <a:t>, в </a:t>
-            </a:r>
-            <a:r>
-              <a:rPr lang="en-US" sz="3200" b="1" dirty="0" smtClean="0"/>
-              <a:t>JavaScript</a:t>
-            </a:r>
-            <a:r>
-              <a:rPr lang="ru-RU" sz="3200" dirty="0"/>
-              <a:t> </a:t>
-            </a:r>
-            <a:r>
-              <a:rPr lang="ru-RU" sz="3200" dirty="0" smtClean="0"/>
-              <a:t>представлен </a:t>
-            </a:r>
-            <a:r>
-              <a:rPr lang="ru-RU" sz="3200" b="1" dirty="0" smtClean="0"/>
-              <a:t>объектом</a:t>
-            </a:r>
-            <a:r>
-              <a:rPr lang="ru-RU" sz="3200" dirty="0" smtClean="0"/>
-              <a:t>.</a:t>
-            </a:r>
-            <a:endParaRPr lang="ru-RU" sz="3200" dirty="0"/>
-          </a:p>
-        </p:txBody>
-      </p:sp>
-      <p:sp>
-        <p:nvSpPr>
-          <p:cNvPr id="18" name="Прямоугольник 17"/>
-          <p:cNvSpPr/>
-          <p:nvPr/>
-        </p:nvSpPr>
-        <p:spPr>
-          <a:xfrm>
-            <a:off x="0" y="5786100"/>
-            <a:ext cx="12192000" cy="523220"/>
-          </a:xfrm>
-          <a:prstGeom prst="rect">
-            <a:avLst/>
-          </a:prstGeom>
-        </p:spPr>
-        <p:txBody>
-          <a:bodyPr wrap="square">
-            <a:spAutoFit/>
-          </a:bodyPr>
-          <a:lstStyle/>
-          <a:p>
-            <a:pPr algn="ctr"/>
-            <a:r>
-              <a:rPr lang="ru-RU" sz="2800" b="1" dirty="0"/>
-              <a:t>Подробнее: </a:t>
-            </a:r>
-            <a:r>
-              <a:rPr lang="en-US" sz="2800" b="1" dirty="0">
-                <a:hlinkClick r:id="rId2"/>
+              <a:t>D</a:t>
+            </a:r>
+            <a:r>
+              <a:rPr lang="en-US" sz="6000" b="1" dirty="0" smtClean="0"/>
+              <a:t>ocument </a:t>
+            </a:r>
+            <a:r>
+              <a:rPr lang="en-US" sz="6000" b="1" dirty="0" smtClean="0">
+                <a:solidFill>
+                  <a:srgbClr val="FFFF00"/>
+                </a:solidFill>
               </a:rPr>
-              <a:t>https://</a:t>
-            </a:r>
-            <a:r>
-              <a:rPr lang="en-US" sz="2800" b="1" dirty="0" smtClean="0">
-                <a:hlinkClick r:id="rId2"/>
+              <a:t>O</a:t>
+            </a:r>
+            <a:r>
+              <a:rPr lang="en-US" sz="6000" b="1" dirty="0" smtClean="0"/>
+              <a:t>bject </a:t>
+            </a:r>
+            <a:r>
+              <a:rPr lang="en-US" sz="6000" b="1" dirty="0" smtClean="0">
+                <a:solidFill>
+                  <a:srgbClr val="FFFF00"/>
+                </a:solidFill>
               </a:rPr>
-              <a:t>learn.javascript.ru/dom-nodes</a:t>
-            </a:r>
-            <a:endParaRPr lang="ru-RU" sz="2800" b="1" dirty="0"/>
+              <a:t>M</a:t>
+            </a:r>
+            <a:r>
+              <a:rPr lang="en-US" sz="6000" b="1" dirty="0" smtClean="0"/>
+              <a:t>odel</a:t>
+            </a:r>
+            <a:endParaRPr lang="uk-UA" sz="6000" b="1" dirty="0"/>
           </a:p>
         </p:txBody>
       </p:sp>
     </p:spTree>
     <p:extLst>
       <p:ext uri="{BB962C8B-B14F-4D97-AF65-F5344CB8AC3E}">
-        <p14:creationId xmlns:p14="http://schemas.microsoft.com/office/powerpoint/2010/main" val="2545373379"/>
+        <p14:creationId xmlns:p14="http://schemas.microsoft.com/office/powerpoint/2010/main" val="597087308"/>
       </p:ext>
     </p:extLst>
   </p:cSld>
   <p:clrMapOvr>
     <a:masterClrMapping/>
   </p:clrMapOvr>
-  <p:timing>
-    <p:tnLst>
-      <p:par>
-        <p:cTn id="1" dur="indefinite" restart="never" nodeType="tmRoot"/>
-      </p:par>
-    </p:tnLst>
-  </p:timing>
 </p:sld>
 </file>
 
@@ -6406,7 +6585,7 @@
       </p:grpSpPr>
       <p:sp>
         <p:nvSpPr>
-          <p:cNvPr id="7" name="Номер слайда 36"/>
+          <p:cNvPr id="20" name="Номер слайда 36"/>
           <p:cNvSpPr txBox="1">
             <a:spLocks/>
           </p:cNvSpPr>
@@ -6414,7 +6593,7 @@
         </p:nvSpPr>
         <p:spPr>
           <a:xfrm>
-            <a:off x="11217481" y="6165304"/>
+            <a:off x="11208568" y="6165304"/>
             <a:ext cx="648072" cy="432048"/>
           </a:xfrm>
           <a:prstGeom prst="roundRect">
@@ -6476,43 +6655,14 @@
       </p:sp>
       <p:sp>
         <p:nvSpPr>
-          <p:cNvPr id="3" name="Прямоугольник 2"/>
-          <p:cNvSpPr/>
-          <p:nvPr/>
-        </p:nvSpPr>
-        <p:spPr>
-          <a:xfrm>
-            <a:off x="0" y="334397"/>
-            <a:ext cx="12192000" cy="646331"/>
-          </a:xfrm>
-          <a:prstGeom prst="rect">
-            <a:avLst/>
-          </a:prstGeom>
-        </p:spPr>
-        <p:txBody>
-          <a:bodyPr wrap="square">
-            <a:spAutoFit/>
-          </a:bodyPr>
-          <a:lstStyle/>
-          <a:p>
-            <a:pPr algn="ctr"/>
-            <a:r>
-              <a:rPr lang="ru-RU" sz="3600" b="1" dirty="0"/>
-              <a:t>Чтобы управлять тегом его сначала нужно найти…</a:t>
-            </a:r>
-          </a:p>
-        </p:txBody>
-      </p:sp>
-      <p:sp>
-        <p:nvSpPr>
-          <p:cNvPr id="8" name="TextBox 7"/>
+          <p:cNvPr id="15" name="TextBox 14"/>
           <p:cNvSpPr txBox="1"/>
           <p:nvPr/>
         </p:nvSpPr>
         <p:spPr>
           <a:xfrm>
-            <a:off x="1055440" y="1339461"/>
-            <a:ext cx="10453238" cy="1323439"/>
+            <a:off x="0" y="704890"/>
+            <a:ext cx="12192000" cy="707886"/>
           </a:xfrm>
           <a:prstGeom prst="rect">
             <a:avLst/>
@@ -6525,156 +6675,25 @@
           </a:bodyPr>
           <a:lstStyle/>
           <a:p>
-            <a:r>
-              <a:rPr lang="en-US" sz="3200" b="1" dirty="0" err="1" smtClean="0">
-                <a:solidFill>
-                  <a:schemeClr val="accent6">
-                    <a:lumMod val="75000"/>
-                  </a:schemeClr>
-                </a:solidFill>
-                <a:latin typeface="Courier New" panose="02070309020205020404" pitchFamily="49" charset="0"/>
-                <a:cs typeface="Courier New" panose="02070309020205020404" pitchFamily="49" charset="0"/>
-              </a:rPr>
-              <a:t>document.querySelectorAll</a:t>
-            </a:r>
-            <a:r>
-              <a:rPr lang="en-US" sz="3200" b="1" dirty="0" smtClean="0">
-                <a:solidFill>
-                  <a:schemeClr val="accent6">
-                    <a:lumMod val="75000"/>
-                  </a:schemeClr>
-                </a:solidFill>
-                <a:latin typeface="Courier New" panose="02070309020205020404" pitchFamily="49" charset="0"/>
-                <a:cs typeface="Courier New" panose="02070309020205020404" pitchFamily="49" charset="0"/>
-              </a:rPr>
-              <a:t>(</a:t>
-            </a:r>
-            <a:r>
-              <a:rPr lang="en-US" sz="3200" dirty="0" smtClean="0">
-                <a:solidFill>
-                  <a:srgbClr val="7030A0"/>
-                </a:solidFill>
-                <a:latin typeface="Courier New" panose="02070309020205020404" pitchFamily="49" charset="0"/>
-                <a:cs typeface="Courier New" panose="02070309020205020404" pitchFamily="49" charset="0"/>
-              </a:rPr>
-              <a:t>“</a:t>
-            </a:r>
-            <a:r>
-              <a:rPr lang="en-US" sz="3200" b="1" dirty="0" err="1">
-                <a:solidFill>
-                  <a:srgbClr val="7030A0"/>
-                </a:solidFill>
-                <a:latin typeface="Courier New" panose="02070309020205020404" pitchFamily="49" charset="0"/>
-                <a:cs typeface="Courier New" panose="02070309020205020404" pitchFamily="49" charset="0"/>
-              </a:rPr>
-              <a:t>css_selector</a:t>
-            </a:r>
-            <a:r>
-              <a:rPr lang="en-US" sz="3200" dirty="0" smtClean="0">
-                <a:solidFill>
-                  <a:srgbClr val="7030A0"/>
-                </a:solidFill>
-                <a:latin typeface="Courier New" panose="02070309020205020404" pitchFamily="49" charset="0"/>
-                <a:cs typeface="Courier New" panose="02070309020205020404" pitchFamily="49" charset="0"/>
-              </a:rPr>
-              <a:t>”</a:t>
-            </a:r>
-            <a:r>
-              <a:rPr lang="en-US" sz="3200" b="1" dirty="0" smtClean="0">
-                <a:solidFill>
-                  <a:schemeClr val="accent6">
-                    <a:lumMod val="75000"/>
-                  </a:schemeClr>
-                </a:solidFill>
-                <a:latin typeface="Courier New" panose="02070309020205020404" pitchFamily="49" charset="0"/>
-                <a:cs typeface="Courier New" panose="02070309020205020404" pitchFamily="49" charset="0"/>
-              </a:rPr>
-              <a:t>)</a:t>
-            </a:r>
-            <a:r>
-              <a:rPr lang="en-US" sz="2400" dirty="0" smtClean="0">
-                <a:solidFill>
-                  <a:schemeClr val="accent6">
-                    <a:lumMod val="75000"/>
-                  </a:schemeClr>
-                </a:solidFill>
-              </a:rPr>
-              <a:t>  </a:t>
-            </a:r>
-            <a:r>
-              <a:rPr lang="ru-RU" sz="2400" dirty="0"/>
-              <a:t>возвращает </a:t>
-            </a:r>
-            <a:r>
-              <a:rPr lang="ru-RU" sz="2400" b="1" dirty="0" err="1" smtClean="0"/>
-              <a:t>псевдомассив</a:t>
-            </a:r>
-            <a:r>
-              <a:rPr lang="ru-RU" sz="2400" dirty="0" smtClean="0"/>
-              <a:t> </a:t>
-            </a:r>
-            <a:r>
-              <a:rPr lang="ru-RU" sz="2400" b="1" dirty="0"/>
-              <a:t>объектов</a:t>
-            </a:r>
-            <a:r>
-              <a:rPr lang="ru-RU" sz="2400" dirty="0"/>
-              <a:t> </a:t>
-            </a:r>
-            <a:r>
-              <a:rPr lang="ru-RU" sz="2400" dirty="0" smtClean="0"/>
-              <a:t>(</a:t>
-            </a:r>
-            <a:r>
-              <a:rPr lang="ru-RU" sz="2400" i="1" dirty="0" smtClean="0"/>
-              <a:t>тегов</a:t>
-            </a:r>
-            <a:r>
-              <a:rPr lang="ru-RU" sz="2400" dirty="0"/>
-              <a:t>)  которые соответствуют </a:t>
-            </a:r>
-            <a:r>
-              <a:rPr lang="en-US" sz="2400" b="1" dirty="0" err="1"/>
-              <a:t>css</a:t>
-            </a:r>
-            <a:r>
-              <a:rPr lang="en-US" sz="2400" b="1" dirty="0"/>
-              <a:t>-</a:t>
-            </a:r>
-            <a:r>
-              <a:rPr lang="ru-RU" sz="2400" b="1" dirty="0"/>
-              <a:t>селектору </a:t>
-            </a:r>
-            <a:r>
-              <a:rPr lang="ru-RU" sz="2400" dirty="0" smtClean="0"/>
-              <a:t>переданному в </a:t>
-            </a:r>
-            <a:r>
-              <a:rPr lang="ru-RU" sz="2400" dirty="0"/>
-              <a:t>качестве </a:t>
-            </a:r>
-            <a:r>
-              <a:rPr lang="ru-RU" sz="2400" b="1" dirty="0" smtClean="0"/>
-              <a:t>параметра</a:t>
-            </a:r>
-            <a:r>
-              <a:rPr lang="ru-RU" sz="2400" dirty="0" smtClean="0"/>
-              <a:t> функции;</a:t>
-            </a:r>
-            <a:endParaRPr lang="ru-RU" sz="2400" dirty="0"/>
-          </a:p>
-        </p:txBody>
-      </p:sp>
-      <p:sp>
-        <p:nvSpPr>
-          <p:cNvPr id="9" name="TextBox 8"/>
+            <a:pPr algn="ctr"/>
+            <a:r>
+              <a:rPr lang="en-US" sz="4000" b="1" dirty="0"/>
+              <a:t>DOM – Document Object Model</a:t>
+            </a:r>
+            <a:endParaRPr lang="ru-RU" sz="4000" b="1" dirty="0"/>
+          </a:p>
+        </p:txBody>
+      </p:sp>
+      <p:sp>
+        <p:nvSpPr>
+          <p:cNvPr id="16" name="TextBox 15"/>
           <p:cNvSpPr txBox="1"/>
           <p:nvPr/>
         </p:nvSpPr>
         <p:spPr>
           <a:xfrm>
-            <a:off x="1055440" y="3041665"/>
-            <a:ext cx="10513168" cy="1323439"/>
+            <a:off x="0" y="1412776"/>
+            <a:ext cx="12191999" cy="523220"/>
           </a:xfrm>
           <a:prstGeom prst="rect">
             <a:avLst/>
@@ -6687,137 +6706,24 @@
           </a:bodyPr>
           <a:lstStyle/>
           <a:p>
-            <a:r>
-              <a:rPr lang="en-US" sz="3200" b="1" dirty="0" err="1">
-                <a:solidFill>
-                  <a:schemeClr val="accent6">
-                    <a:lumMod val="75000"/>
-                  </a:schemeClr>
-                </a:solidFill>
-                <a:latin typeface="Courier New" panose="02070309020205020404" pitchFamily="49" charset="0"/>
-                <a:cs typeface="Courier New" panose="02070309020205020404" pitchFamily="49" charset="0"/>
-              </a:rPr>
-              <a:t>document.querySelector</a:t>
-            </a:r>
-            <a:r>
-              <a:rPr lang="en-US" sz="3200" b="1" dirty="0">
-                <a:solidFill>
-                  <a:schemeClr val="accent6">
-                    <a:lumMod val="75000"/>
-                  </a:schemeClr>
-                </a:solidFill>
-                <a:latin typeface="Courier New" panose="02070309020205020404" pitchFamily="49" charset="0"/>
-                <a:cs typeface="Courier New" panose="02070309020205020404" pitchFamily="49" charset="0"/>
-              </a:rPr>
-              <a:t>(</a:t>
-            </a:r>
-            <a:r>
-              <a:rPr lang="en-US" sz="3200" dirty="0">
-                <a:solidFill>
-                  <a:srgbClr val="7030A0"/>
-                </a:solidFill>
-                <a:latin typeface="Courier New" panose="02070309020205020404" pitchFamily="49" charset="0"/>
-                <a:cs typeface="Courier New" panose="02070309020205020404" pitchFamily="49" charset="0"/>
-              </a:rPr>
-              <a:t>“</a:t>
-            </a:r>
-            <a:r>
-              <a:rPr lang="en-US" sz="3200" b="1" dirty="0" err="1">
-                <a:solidFill>
-                  <a:srgbClr val="7030A0"/>
-                </a:solidFill>
-                <a:latin typeface="Courier New" panose="02070309020205020404" pitchFamily="49" charset="0"/>
-                <a:cs typeface="Courier New" panose="02070309020205020404" pitchFamily="49" charset="0"/>
-              </a:rPr>
-              <a:t>css_selector</a:t>
-            </a:r>
-            <a:r>
-              <a:rPr lang="en-US" sz="3200" dirty="0" smtClean="0">
-                <a:solidFill>
-                  <a:srgbClr val="7030A0"/>
-                </a:solidFill>
-                <a:latin typeface="Courier New" panose="02070309020205020404" pitchFamily="49" charset="0"/>
-                <a:cs typeface="Courier New" panose="02070309020205020404" pitchFamily="49" charset="0"/>
-              </a:rPr>
-              <a:t>”</a:t>
-            </a:r>
-            <a:r>
-              <a:rPr lang="en-US" sz="3200" b="1" dirty="0" smtClean="0">
-                <a:solidFill>
-                  <a:schemeClr val="accent6">
-                    <a:lumMod val="75000"/>
-                  </a:schemeClr>
-                </a:solidFill>
-                <a:latin typeface="Courier New" panose="02070309020205020404" pitchFamily="49" charset="0"/>
-                <a:cs typeface="Courier New" panose="02070309020205020404" pitchFamily="49" charset="0"/>
-              </a:rPr>
-              <a:t>)</a:t>
-            </a:r>
-            <a:r>
-              <a:rPr lang="en-US" sz="2400" dirty="0" smtClean="0"/>
-              <a:t> </a:t>
-            </a:r>
-            <a:r>
-              <a:rPr lang="ru-RU" sz="2400" dirty="0" smtClean="0"/>
-              <a:t>возвращает первый найденный, в документе, </a:t>
-            </a:r>
-            <a:r>
-              <a:rPr lang="ru-RU" sz="2400" b="1" dirty="0" smtClean="0"/>
-              <a:t>объект</a:t>
-            </a:r>
-            <a:r>
-              <a:rPr lang="ru-RU" sz="2400" dirty="0" smtClean="0"/>
-              <a:t> </a:t>
-            </a:r>
-            <a:r>
-              <a:rPr lang="ru-RU" sz="2400" dirty="0"/>
-              <a:t>(</a:t>
-            </a:r>
-            <a:r>
-              <a:rPr lang="ru-RU" sz="2400" i="1" dirty="0" smtClean="0"/>
-              <a:t>тег</a:t>
-            </a:r>
-            <a:r>
-              <a:rPr lang="ru-RU" sz="2400" dirty="0" smtClean="0"/>
-              <a:t>) соответствующий </a:t>
-            </a:r>
-            <a:r>
-              <a:rPr lang="en-US" sz="2400" b="1" dirty="0" err="1"/>
-              <a:t>css</a:t>
-            </a:r>
-            <a:r>
-              <a:rPr lang="en-US" sz="2400" b="1" dirty="0"/>
-              <a:t>-</a:t>
-            </a:r>
-            <a:r>
-              <a:rPr lang="ru-RU" sz="2400" b="1" dirty="0"/>
-              <a:t>селектору </a:t>
-            </a:r>
-            <a:r>
-              <a:rPr lang="ru-RU" sz="2400" dirty="0"/>
-              <a:t>переданному в качестве </a:t>
-            </a:r>
-            <a:r>
-              <a:rPr lang="ru-RU" sz="2400" b="1" dirty="0"/>
-              <a:t>параметра</a:t>
-            </a:r>
-            <a:r>
-              <a:rPr lang="ru-RU" sz="2400" dirty="0"/>
-              <a:t> функции;</a:t>
-            </a:r>
-          </a:p>
-        </p:txBody>
-      </p:sp>
-      <p:sp>
-        <p:nvSpPr>
-          <p:cNvPr id="11" name="TextBox 10"/>
+            <a:pPr algn="ctr"/>
+            <a:r>
+              <a:rPr lang="ru-RU" sz="2800" i="1" dirty="0"/>
+              <a:t>(объектная модель документа)</a:t>
+            </a:r>
+          </a:p>
+        </p:txBody>
+      </p:sp>
+      <p:sp>
+        <p:nvSpPr>
+          <p:cNvPr id="17" name="TextBox 16"/>
           <p:cNvSpPr txBox="1"/>
           <p:nvPr/>
         </p:nvSpPr>
         <p:spPr>
           <a:xfrm>
-            <a:off x="1055440" y="4653136"/>
-            <a:ext cx="10513168" cy="1384995"/>
+            <a:off x="1595500" y="2420888"/>
+            <a:ext cx="9001000" cy="2554545"/>
           </a:xfrm>
           <a:prstGeom prst="rect">
             <a:avLst/>
@@ -6831,85 +6737,151 @@
           <a:lstStyle/>
           <a:p>
             <a:r>
-              <a:rPr lang="en-US" sz="3200" b="1" dirty="0">
-                <a:solidFill>
-                  <a:schemeClr val="accent6">
-                    <a:lumMod val="75000"/>
-                  </a:schemeClr>
-                </a:solidFill>
-                <a:latin typeface="Courier New" panose="02070309020205020404" pitchFamily="49" charset="0"/>
-                <a:cs typeface="Courier New" panose="02070309020205020404" pitchFamily="49" charset="0"/>
+              <a:rPr lang="ru-RU" sz="3200" dirty="0"/>
+              <a:t>Стандарт который определяет из каких </a:t>
+            </a:r>
+            <a:r>
+              <a:rPr lang="ru-RU" sz="3200" b="1" dirty="0"/>
+              <a:t>объектов</a:t>
+            </a:r>
+            <a:r>
+              <a:rPr lang="ru-RU" sz="3200" dirty="0"/>
+              <a:t> браузер собирает </a:t>
+            </a:r>
+            <a:r>
+              <a:rPr lang="ru-RU" sz="3200" b="1" dirty="0"/>
+              <a:t>дерево документа</a:t>
+            </a:r>
+            <a:r>
+              <a:rPr lang="ru-RU" sz="3200" dirty="0"/>
+              <a:t>, и какие </a:t>
+            </a:r>
+            <a:r>
+              <a:rPr lang="ru-RU" sz="3200" b="1" dirty="0"/>
+              <a:t>свойства</a:t>
+            </a:r>
+            <a:r>
+              <a:rPr lang="ru-RU" sz="3200" dirty="0"/>
+              <a:t> есть у этих </a:t>
+            </a:r>
+            <a:r>
+              <a:rPr lang="ru-RU" sz="3200" b="1" dirty="0" smtClean="0"/>
+              <a:t>объектов</a:t>
+            </a:r>
+            <a:r>
+              <a:rPr lang="ru-RU" sz="3200" dirty="0" smtClean="0"/>
+              <a:t>.</a:t>
+            </a:r>
+            <a:r>
+              <a:rPr lang="en-US" sz="3200" dirty="0" smtClean="0"/>
+              <a:t> </a:t>
+            </a:r>
+            <a:r>
+              <a:rPr lang="ru-RU" sz="3200" dirty="0" smtClean="0"/>
+              <a:t>В соответствии со стандартом </a:t>
+            </a:r>
+            <a:r>
+              <a:rPr lang="en-US" sz="3200" b="1" dirty="0" smtClean="0"/>
+              <a:t>DOM</a:t>
+            </a:r>
+            <a:r>
+              <a:rPr lang="en-US" sz="3200" dirty="0" smtClean="0"/>
+              <a:t> </a:t>
+            </a:r>
+            <a:r>
+              <a:rPr lang="ru-RU" sz="3200" dirty="0" smtClean="0"/>
+              <a:t>каждый </a:t>
+            </a:r>
+            <a:r>
+              <a:rPr lang="ru-RU" sz="3200" b="1" dirty="0" smtClean="0"/>
+              <a:t>тег</a:t>
+            </a:r>
+            <a:r>
+              <a:rPr lang="ru-RU" sz="3200" dirty="0" smtClean="0"/>
+              <a:t> </a:t>
+            </a:r>
+            <a:r>
+              <a:rPr lang="en-US" sz="3200" b="1" dirty="0" smtClean="0"/>
+              <a:t>HTML</a:t>
+            </a:r>
+            <a:r>
+              <a:rPr lang="ru-RU" sz="3200" b="1" dirty="0" smtClean="0"/>
+              <a:t>-документа</a:t>
+            </a:r>
+            <a:r>
+              <a:rPr lang="ru-RU" sz="3200" dirty="0" smtClean="0"/>
+              <a:t>, в </a:t>
+            </a:r>
+            <a:r>
+              <a:rPr lang="en-US" sz="3200" b="1" dirty="0" smtClean="0"/>
+              <a:t>JavaScript</a:t>
+            </a:r>
+            <a:r>
+              <a:rPr lang="ru-RU" sz="3200" dirty="0"/>
+              <a:t> </a:t>
+            </a:r>
+            <a:r>
+              <a:rPr lang="ru-RU" sz="3200" dirty="0" smtClean="0"/>
+              <a:t>представлен </a:t>
+            </a:r>
+            <a:r>
+              <a:rPr lang="ru-RU" sz="3200" b="1" dirty="0" smtClean="0"/>
+              <a:t>объектом</a:t>
+            </a:r>
+            <a:r>
+              <a:rPr lang="ru-RU" sz="3200" dirty="0" smtClean="0"/>
+              <a:t>.</a:t>
+            </a:r>
+            <a:endParaRPr lang="ru-RU" sz="3200" dirty="0"/>
+          </a:p>
+        </p:txBody>
+      </p:sp>
+      <p:sp>
+        <p:nvSpPr>
+          <p:cNvPr id="18" name="Прямоугольник 17"/>
+          <p:cNvSpPr/>
+          <p:nvPr/>
+        </p:nvSpPr>
+        <p:spPr>
+          <a:xfrm>
+            <a:off x="0" y="5786100"/>
+            <a:ext cx="12192000" cy="523220"/>
+          </a:xfrm>
+          <a:prstGeom prst="rect">
+            <a:avLst/>
+          </a:prstGeom>
+        </p:spPr>
+        <p:txBody>
+          <a:bodyPr wrap="square">
+            <a:spAutoFit/>
+          </a:bodyPr>
+          <a:lstStyle/>
+          <a:p>
+            <a:pPr algn="ctr"/>
+            <a:r>
+              <a:rPr lang="ru-RU" sz="2800" b="1" dirty="0"/>
+              <a:t>Подробнее: </a:t>
+            </a:r>
+            <a:r>
+              <a:rPr lang="en-US" sz="2800" b="1" dirty="0">
+                <a:hlinkClick r:id="rId2"/>
               </a:rPr>
-              <a:t>id</a:t>
-            </a:r>
-            <a:r>
-              <a:rPr lang="en-US" sz="3600" b="1" dirty="0"/>
-              <a:t> </a:t>
-            </a:r>
-            <a:r>
-              <a:rPr lang="en-US" sz="2400" dirty="0"/>
-              <a:t>– </a:t>
-            </a:r>
-            <a:r>
-              <a:rPr lang="ru-RU" sz="2400" dirty="0"/>
-              <a:t>элементы у которых есть</a:t>
-            </a:r>
-            <a:r>
-              <a:rPr lang="en-US" sz="2400" dirty="0"/>
-              <a:t> </a:t>
-            </a:r>
-            <a:r>
-              <a:rPr lang="ru-RU" sz="2400" dirty="0"/>
-              <a:t>атрибут </a:t>
-            </a:r>
-            <a:r>
-              <a:rPr lang="en-US" sz="2400" b="1" dirty="0"/>
-              <a:t>id</a:t>
-            </a:r>
-            <a:r>
-              <a:rPr lang="ru-RU" sz="2400" dirty="0"/>
-              <a:t> можно использовать без поиска, такие элементы доступны как </a:t>
-            </a:r>
-            <a:r>
-              <a:rPr lang="ru-RU" sz="2400" b="1" dirty="0"/>
-              <a:t>глобальные</a:t>
-            </a:r>
-            <a:r>
-              <a:rPr lang="ru-RU" sz="2400" dirty="0"/>
-              <a:t> </a:t>
-            </a:r>
-            <a:r>
-              <a:rPr lang="ru-RU" sz="2400" b="1" dirty="0"/>
-              <a:t>переменные</a:t>
-            </a:r>
-            <a:r>
-              <a:rPr lang="ru-RU" sz="2400" dirty="0"/>
-              <a:t> (с именем </a:t>
-            </a:r>
-            <a:r>
-              <a:rPr lang="ru-RU" sz="2400" dirty="0" smtClean="0"/>
-              <a:t>совпадающим с </a:t>
-            </a:r>
-            <a:r>
-              <a:rPr lang="en-US" sz="2400" b="1" dirty="0"/>
-              <a:t>id</a:t>
-            </a:r>
-            <a:r>
-              <a:rPr lang="ru-RU" sz="2400" dirty="0"/>
-              <a:t>)</a:t>
-            </a:r>
-            <a:r>
-              <a:rPr lang="en-US" sz="2400" dirty="0"/>
-              <a:t>.</a:t>
-            </a:r>
-            <a:endParaRPr lang="ru-RU" sz="2400" dirty="0"/>
+              <a:t>https://</a:t>
+            </a:r>
+            <a:r>
+              <a:rPr lang="en-US" sz="2800" b="1" dirty="0" smtClean="0">
+                <a:hlinkClick r:id="rId2"/>
+              </a:rPr>
+              <a:t>learn.javascript.ru/dom-nodes</a:t>
+            </a:r>
+            <a:endParaRPr lang="ru-RU" sz="2800" b="1" dirty="0"/>
           </a:p>
         </p:txBody>
       </p:sp>
     </p:spTree>
     <p:extLst>
       <p:ext uri="{BB962C8B-B14F-4D97-AF65-F5344CB8AC3E}">
-        <p14:creationId xmlns:p14="http://schemas.microsoft.com/office/powerpoint/2010/main" val="453253383"/>
+        <p14:creationId xmlns:p14="http://schemas.microsoft.com/office/powerpoint/2010/main" val="2545373379"/>
       </p:ext>
     </p:extLst>
   </p:cSld>
@@ -6953,7 +6925,7 @@
         </p:nvSpPr>
         <p:spPr>
           <a:xfrm>
-            <a:off x="10920536" y="6165304"/>
+            <a:off x="11217481" y="6165304"/>
             <a:ext cx="648072" cy="432048"/>
           </a:xfrm>
           <a:prstGeom prst="roundRect">
@@ -7015,56 +6987,43 @@
       </p:sp>
       <p:sp>
         <p:nvSpPr>
-          <p:cNvPr id="6" name="Левая фигурная скобка 5"/>
+          <p:cNvPr id="3" name="Прямоугольник 2"/>
           <p:cNvSpPr/>
           <p:nvPr/>
         </p:nvSpPr>
         <p:spPr>
           <a:xfrm>
-            <a:off x="4131829" y="1484784"/>
-            <a:ext cx="792088" cy="3053546"/>
-          </a:xfrm>
-          <a:prstGeom prst="leftBrace">
-            <a:avLst>
-              <a:gd name="adj1" fmla="val 30527"/>
-              <a:gd name="adj2" fmla="val 50000"/>
-            </a:avLst>
+            <a:off x="0" y="334397"/>
+            <a:ext cx="12192000" cy="646331"/>
+          </a:xfrm>
+          <a:prstGeom prst="rect">
+            <a:avLst/>
           </a:prstGeom>
-          <a:ln w="38100"/>
-        </p:spPr>
-        <p:style>
-          <a:lnRef idx="1">
-            <a:schemeClr val="accent1"/>
-          </a:lnRef>
-          <a:fillRef idx="0">
-            <a:schemeClr val="accent1"/>
-          </a:fillRef>
-          <a:effectRef idx="0">
-            <a:schemeClr val="accent1"/>
-          </a:effectRef>
-          <a:fontRef idx="minor">
-            <a:schemeClr val="tx1"/>
-          </a:fontRef>
-        </p:style>
-        <p:txBody>
-          <a:bodyPr rtlCol="0" anchor="ctr"/>
+        </p:spPr>
+        <p:txBody>
+          <a:bodyPr wrap="square">
+            <a:spAutoFit/>
+          </a:bodyPr>
           <a:lstStyle/>
           <a:p>
             <a:pPr algn="ctr"/>
-            <a:endParaRPr lang="ru-RU"/>
-          </a:p>
-        </p:txBody>
-      </p:sp>
-      <p:sp>
-        <p:nvSpPr>
-          <p:cNvPr id="21" name="TextBox 20"/>
+            <a:r>
+              <a:rPr lang="ru-RU" sz="3600" b="1" dirty="0"/>
+              <a:t>Чтобы управлять тегом его сначала нужно найти…</a:t>
+            </a:r>
+          </a:p>
+        </p:txBody>
+      </p:sp>
+      <p:sp>
+        <p:nvSpPr>
+          <p:cNvPr id="8" name="TextBox 7"/>
           <p:cNvSpPr txBox="1"/>
           <p:nvPr/>
         </p:nvSpPr>
         <p:spPr>
           <a:xfrm>
-            <a:off x="5087888" y="1988840"/>
-            <a:ext cx="1670650" cy="2308324"/>
+            <a:off x="1055440" y="1339461"/>
+            <a:ext cx="10453238" cy="1323439"/>
           </a:xfrm>
           <a:prstGeom prst="rect">
             <a:avLst/>
@@ -7072,74 +7031,161 @@
           <a:noFill/>
         </p:spPr>
         <p:txBody>
-          <a:bodyPr wrap="none" rtlCol="0">
+          <a:bodyPr wrap="square" rtlCol="0">
             <a:spAutoFit/>
           </a:bodyPr>
           <a:lstStyle/>
           <a:p>
             <a:r>
-              <a:rPr lang="ru-RU" sz="2400" b="1" i="1" dirty="0"/>
-              <a:t>…</a:t>
-            </a:r>
-          </a:p>
-          <a:p>
-            <a:r>
-              <a:rPr lang="ru-RU" sz="2400" b="1" i="1" dirty="0"/>
-              <a:t>…</a:t>
-            </a:r>
-          </a:p>
-          <a:p>
-            <a:r>
-              <a:rPr lang="en-US" sz="2400" b="1" i="1" dirty="0"/>
-              <a:t>.</a:t>
-            </a:r>
-            <a:r>
-              <a:rPr lang="en-US" sz="2400" b="1" i="1" dirty="0" err="1"/>
-              <a:t>innerHTML</a:t>
-            </a:r>
-            <a:endParaRPr lang="en-US" sz="2400" b="1" i="1" dirty="0"/>
-          </a:p>
-          <a:p>
-            <a:r>
-              <a:rPr lang="en-US" sz="2400" b="1" i="1" dirty="0" smtClean="0"/>
-              <a:t>.</a:t>
-            </a:r>
-            <a:r>
-              <a:rPr lang="en-US" sz="2400" b="1" i="1" dirty="0"/>
-              <a:t>style { … }</a:t>
-            </a:r>
-            <a:endParaRPr lang="ru-RU" sz="2400" b="1" i="1" dirty="0"/>
-          </a:p>
-          <a:p>
-            <a:r>
-              <a:rPr lang="en-US" sz="2400" b="1" i="1" dirty="0"/>
-              <a:t>.</a:t>
-            </a:r>
-            <a:r>
-              <a:rPr lang="en-US" sz="2400" b="1" i="1" dirty="0" err="1"/>
-              <a:t>classList</a:t>
-            </a:r>
-            <a:endParaRPr lang="ru-RU" sz="2400" b="1" i="1" dirty="0"/>
-          </a:p>
-          <a:p>
-            <a:r>
-              <a:rPr lang="ru-RU" sz="2400" b="1" i="1" dirty="0"/>
-              <a:t>…</a:t>
-            </a:r>
-            <a:endParaRPr lang="en-US" sz="2400" b="1" i="1" dirty="0"/>
-          </a:p>
-        </p:txBody>
-      </p:sp>
-      <p:sp>
-        <p:nvSpPr>
-          <p:cNvPr id="23" name="TextBox 22"/>
+              <a:rPr lang="en-US" sz="3200" b="1" dirty="0" err="1" smtClean="0">
+                <a:solidFill>
+                  <a:schemeClr val="accent6">
+                    <a:lumMod val="75000"/>
+                  </a:schemeClr>
+                </a:solidFill>
+                <a:latin typeface="Courier New" panose="02070309020205020404" pitchFamily="49" charset="0"/>
+                <a:cs typeface="Courier New" panose="02070309020205020404" pitchFamily="49" charset="0"/>
+              </a:rPr>
+              <a:t>document.querySelectorAll</a:t>
+            </a:r>
+            <a:r>
+              <a:rPr lang="en-US" sz="3200" b="1" dirty="0" smtClean="0">
+                <a:solidFill>
+                  <a:schemeClr val="accent6">
+                    <a:lumMod val="75000"/>
+                  </a:schemeClr>
+                </a:solidFill>
+                <a:latin typeface="Courier New" panose="02070309020205020404" pitchFamily="49" charset="0"/>
+                <a:cs typeface="Courier New" panose="02070309020205020404" pitchFamily="49" charset="0"/>
+              </a:rPr>
+              <a:t>(</a:t>
+            </a:r>
+            <a:r>
+              <a:rPr lang="en-US" sz="3200" dirty="0" smtClean="0">
+                <a:solidFill>
+                  <a:srgbClr val="7030A0"/>
+                </a:solidFill>
+                <a:latin typeface="Courier New" panose="02070309020205020404" pitchFamily="49" charset="0"/>
+                <a:cs typeface="Courier New" panose="02070309020205020404" pitchFamily="49" charset="0"/>
+              </a:rPr>
+              <a:t>“</a:t>
+            </a:r>
+            <a:r>
+              <a:rPr lang="en-US" sz="3200" b="1" dirty="0" err="1">
+                <a:solidFill>
+                  <a:srgbClr val="7030A0"/>
+                </a:solidFill>
+                <a:latin typeface="Courier New" panose="02070309020205020404" pitchFamily="49" charset="0"/>
+                <a:cs typeface="Courier New" panose="02070309020205020404" pitchFamily="49" charset="0"/>
+              </a:rPr>
+              <a:t>css_selector</a:t>
+            </a:r>
+            <a:r>
+              <a:rPr lang="en-US" sz="3200" dirty="0" smtClean="0">
+                <a:solidFill>
+                  <a:srgbClr val="7030A0"/>
+                </a:solidFill>
+                <a:latin typeface="Courier New" panose="02070309020205020404" pitchFamily="49" charset="0"/>
+                <a:cs typeface="Courier New" panose="02070309020205020404" pitchFamily="49" charset="0"/>
+              </a:rPr>
+              <a:t>”</a:t>
+            </a:r>
+            <a:r>
+              <a:rPr lang="en-US" sz="3200" b="1" dirty="0" smtClean="0">
+                <a:solidFill>
+                  <a:schemeClr val="accent6">
+                    <a:lumMod val="75000"/>
+                  </a:schemeClr>
+                </a:solidFill>
+                <a:latin typeface="Courier New" panose="02070309020205020404" pitchFamily="49" charset="0"/>
+                <a:cs typeface="Courier New" panose="02070309020205020404" pitchFamily="49" charset="0"/>
+              </a:rPr>
+              <a:t>)</a:t>
+            </a:r>
+            <a:r>
+              <a:rPr lang="en-US" sz="2400" dirty="0" smtClean="0">
+                <a:solidFill>
+                  <a:schemeClr val="accent6">
+                    <a:lumMod val="75000"/>
+                  </a:schemeClr>
+                </a:solidFill>
+              </a:rPr>
+              <a:t>  </a:t>
+            </a:r>
+            <a:r>
+              <a:rPr lang="ru-RU" sz="2400" dirty="0"/>
+              <a:t>возвращает </a:t>
+            </a:r>
+            <a:r>
+              <a:rPr lang="ru-RU" sz="2400" b="1" dirty="0" err="1" smtClean="0"/>
+              <a:t>псевдомассив</a:t>
+            </a:r>
+            <a:r>
+              <a:rPr lang="ru-RU" sz="2400" dirty="0" smtClean="0"/>
+              <a:t> </a:t>
+            </a:r>
+            <a:r>
+              <a:rPr lang="ru-RU" sz="2400" b="1" dirty="0"/>
+              <a:t>объектов</a:t>
+            </a:r>
+            <a:r>
+              <a:rPr lang="ru-RU" sz="2400" dirty="0"/>
+              <a:t> </a:t>
+            </a:r>
+            <a:r>
+              <a:rPr lang="ru-RU" sz="2400" dirty="0" smtClean="0"/>
+              <a:t>(</a:t>
+            </a:r>
+            <a:r>
+              <a:rPr lang="ru-RU" sz="2400" i="1" dirty="0" smtClean="0"/>
+              <a:t>тегов</a:t>
+            </a:r>
+            <a:r>
+              <a:rPr lang="ru-RU" sz="2400" dirty="0"/>
+              <a:t>)  которые соответствуют </a:t>
+            </a:r>
+            <a:r>
+              <a:rPr lang="en-US" sz="2400" b="1" dirty="0" err="1"/>
+              <a:t>css</a:t>
+            </a:r>
+            <a:r>
+              <a:rPr lang="en-US" sz="2400" b="1" dirty="0"/>
+              <a:t>-</a:t>
+            </a:r>
+            <a:r>
+              <a:rPr lang="ru-RU" sz="2400" b="1" dirty="0"/>
+              <a:t>селектору </a:t>
+            </a:r>
+            <a:r>
+              <a:rPr lang="ru-RU" sz="2400" dirty="0" smtClean="0"/>
+              <a:t>переданному в </a:t>
+            </a:r>
+            <a:r>
+              <a:rPr lang="ru-RU" sz="2400" dirty="0"/>
+              <a:t>качестве </a:t>
+            </a:r>
+            <a:r>
+              <a:rPr lang="ru-RU" sz="2400" b="1" dirty="0" smtClean="0"/>
+              <a:t>параметра</a:t>
+            </a:r>
+            <a:r>
+              <a:rPr lang="ru-RU" sz="2400" dirty="0" smtClean="0"/>
+              <a:t> функции;</a:t>
+            </a:r>
+            <a:endParaRPr lang="ru-RU" sz="2400" dirty="0"/>
+          </a:p>
+        </p:txBody>
+      </p:sp>
+      <p:sp>
+        <p:nvSpPr>
+          <p:cNvPr id="9" name="TextBox 8"/>
           <p:cNvSpPr txBox="1"/>
           <p:nvPr/>
         </p:nvSpPr>
         <p:spPr>
           <a:xfrm>
-            <a:off x="4176744" y="235691"/>
-            <a:ext cx="4070153" cy="584775"/>
+            <a:off x="1055440" y="3041665"/>
+            <a:ext cx="10513168" cy="1323439"/>
           </a:xfrm>
           <a:prstGeom prst="rect">
             <a:avLst/>
@@ -7147,36 +7193,147 @@
           <a:noFill/>
         </p:spPr>
         <p:txBody>
-          <a:bodyPr wrap="none" rtlCol="0">
+          <a:bodyPr wrap="square" rtlCol="0">
             <a:spAutoFit/>
           </a:bodyPr>
           <a:lstStyle/>
           <a:p>
             <a:r>
-              <a:rPr lang="ru-RU" sz="3200" b="1" dirty="0"/>
-              <a:t>Из чего «сделан» тег?</a:t>
-            </a:r>
-          </a:p>
-        </p:txBody>
-      </p:sp>
-      <p:sp>
-        <p:nvSpPr>
-          <p:cNvPr id="25" name="TextBox 24"/>
+              <a:rPr lang="en-US" sz="3200" b="1" dirty="0" err="1">
+                <a:solidFill>
+                  <a:schemeClr val="accent6">
+                    <a:lumMod val="75000"/>
+                  </a:schemeClr>
+                </a:solidFill>
+                <a:latin typeface="Courier New" panose="02070309020205020404" pitchFamily="49" charset="0"/>
+                <a:cs typeface="Courier New" panose="02070309020205020404" pitchFamily="49" charset="0"/>
+              </a:rPr>
+              <a:t>document.querySelector</a:t>
+            </a:r>
+            <a:r>
+              <a:rPr lang="en-US" sz="3200" b="1" dirty="0">
+                <a:solidFill>
+                  <a:schemeClr val="accent6">
+                    <a:lumMod val="75000"/>
+                  </a:schemeClr>
+                </a:solidFill>
+                <a:latin typeface="Courier New" panose="02070309020205020404" pitchFamily="49" charset="0"/>
+                <a:cs typeface="Courier New" panose="02070309020205020404" pitchFamily="49" charset="0"/>
+              </a:rPr>
+              <a:t>(</a:t>
+            </a:r>
+            <a:r>
+              <a:rPr lang="en-US" sz="3200" dirty="0">
+                <a:solidFill>
+                  <a:srgbClr val="7030A0"/>
+                </a:solidFill>
+                <a:latin typeface="Courier New" panose="02070309020205020404" pitchFamily="49" charset="0"/>
+                <a:cs typeface="Courier New" panose="02070309020205020404" pitchFamily="49" charset="0"/>
+              </a:rPr>
+              <a:t>“</a:t>
+            </a:r>
+            <a:r>
+              <a:rPr lang="en-US" sz="3200" b="1" dirty="0" err="1">
+                <a:solidFill>
+                  <a:srgbClr val="7030A0"/>
+                </a:solidFill>
+                <a:latin typeface="Courier New" panose="02070309020205020404" pitchFamily="49" charset="0"/>
+                <a:cs typeface="Courier New" panose="02070309020205020404" pitchFamily="49" charset="0"/>
+              </a:rPr>
+              <a:t>css_selector</a:t>
+            </a:r>
+            <a:r>
+              <a:rPr lang="en-US" sz="3200" dirty="0" smtClean="0">
+                <a:solidFill>
+                  <a:srgbClr val="7030A0"/>
+                </a:solidFill>
+                <a:latin typeface="Courier New" panose="02070309020205020404" pitchFamily="49" charset="0"/>
+                <a:cs typeface="Courier New" panose="02070309020205020404" pitchFamily="49" charset="0"/>
+              </a:rPr>
+              <a:t>”</a:t>
+            </a:r>
+            <a:r>
+              <a:rPr lang="en-US" sz="3200" b="1" dirty="0" smtClean="0">
+                <a:solidFill>
+                  <a:schemeClr val="accent6">
+                    <a:lumMod val="75000"/>
+                  </a:schemeClr>
+                </a:solidFill>
+                <a:latin typeface="Courier New" panose="02070309020205020404" pitchFamily="49" charset="0"/>
+                <a:cs typeface="Courier New" panose="02070309020205020404" pitchFamily="49" charset="0"/>
+              </a:rPr>
+              <a:t>)</a:t>
+            </a:r>
+            <a:r>
+              <a:rPr lang="en-US" sz="2400" dirty="0" smtClean="0"/>
+              <a:t> </a:t>
+            </a:r>
+            <a:r>
+              <a:rPr lang="ru-RU" sz="2400" dirty="0" smtClean="0"/>
+              <a:t>возвращает первый найденный, в документе, </a:t>
+            </a:r>
+            <a:r>
+              <a:rPr lang="ru-RU" sz="2400" b="1" dirty="0" smtClean="0"/>
+              <a:t>объект</a:t>
+            </a:r>
+            <a:r>
+              <a:rPr lang="ru-RU" sz="2400" dirty="0" smtClean="0"/>
+              <a:t> </a:t>
+            </a:r>
+            <a:r>
+              <a:rPr lang="ru-RU" sz="2400" dirty="0"/>
+              <a:t>(</a:t>
+            </a:r>
+            <a:r>
+              <a:rPr lang="ru-RU" sz="2400" i="1" dirty="0" smtClean="0"/>
+              <a:t>тег</a:t>
+            </a:r>
+            <a:r>
+              <a:rPr lang="ru-RU" sz="2400" dirty="0" smtClean="0"/>
+              <a:t>) соответствующий </a:t>
+            </a:r>
+            <a:r>
+              <a:rPr lang="en-US" sz="2400" b="1" dirty="0" err="1"/>
+              <a:t>css</a:t>
+            </a:r>
+            <a:r>
+              <a:rPr lang="en-US" sz="2400" b="1" dirty="0"/>
+              <a:t>-</a:t>
+            </a:r>
+            <a:r>
+              <a:rPr lang="ru-RU" sz="2400" b="1" dirty="0"/>
+              <a:t>селектору </a:t>
+            </a:r>
+            <a:r>
+              <a:rPr lang="ru-RU" sz="2400" dirty="0"/>
+              <a:t>переданному в качестве </a:t>
+            </a:r>
+            <a:r>
+              <a:rPr lang="ru-RU" sz="2400" b="1" dirty="0"/>
+              <a:t>параметра</a:t>
+            </a:r>
+            <a:r>
+              <a:rPr lang="ru-RU" sz="2400" dirty="0"/>
+              <a:t> функции;</a:t>
+            </a:r>
+          </a:p>
+        </p:txBody>
+      </p:sp>
+      <p:sp>
+        <p:nvSpPr>
+          <p:cNvPr id="11" name="TextBox 10"/>
           <p:cNvSpPr txBox="1"/>
           <p:nvPr/>
         </p:nvSpPr>
         <p:spPr>
           <a:xfrm>
-            <a:off x="2927648" y="5216952"/>
-            <a:ext cx="7056784" cy="1200329"/>
+            <a:off x="1055440" y="4653136"/>
+            <a:ext cx="10513168" cy="1384995"/>
           </a:xfrm>
           <a:prstGeom prst="rect">
             <a:avLst/>
           </a:prstGeom>
           <a:noFill/>
-          <a:ln w="19050">
-            <a:noFill/>
-          </a:ln>
         </p:spPr>
         <p:txBody>
           <a:bodyPr wrap="square" rtlCol="0">
@@ -7185,56 +7342,48 @@
           <a:lstStyle/>
           <a:p>
             <a:r>
+              <a:rPr lang="en-US" sz="3200" b="1" dirty="0">
+                <a:solidFill>
+                  <a:schemeClr val="accent6">
+                    <a:lumMod val="75000"/>
+                  </a:schemeClr>
+                </a:solidFill>
+                <a:latin typeface="Courier New" panose="02070309020205020404" pitchFamily="49" charset="0"/>
+                <a:cs typeface="Courier New" panose="02070309020205020404" pitchFamily="49" charset="0"/>
+              </a:rPr>
+              <a:t>id</a:t>
+            </a:r>
+            <a:r>
+              <a:rPr lang="en-US" sz="3600" b="1" dirty="0"/>
+              <a:t> </a:t>
+            </a:r>
+            <a:r>
+              <a:rPr lang="en-US" sz="2400" dirty="0"/>
+              <a:t>– </a:t>
+            </a:r>
+            <a:r>
               <a:rPr lang="ru-RU" sz="2400" dirty="0"/>
-              <a:t>Каждому </a:t>
-            </a:r>
-            <a:r>
-              <a:rPr lang="ru-RU" sz="2400" b="1" dirty="0" smtClean="0"/>
-              <a:t>тег</a:t>
-            </a:r>
-            <a:r>
-              <a:rPr lang="ru-RU" sz="2400" dirty="0" smtClean="0"/>
-              <a:t>, в </a:t>
-            </a:r>
-            <a:r>
-              <a:rPr lang="en-US" sz="2400" dirty="0" smtClean="0"/>
-              <a:t>JavaScript</a:t>
-            </a:r>
-            <a:r>
-              <a:rPr lang="ru-RU" sz="2400" dirty="0" smtClean="0"/>
-              <a:t>, </a:t>
-            </a:r>
-            <a:r>
-              <a:rPr lang="ru-RU" sz="2400" b="1" dirty="0" smtClean="0"/>
-              <a:t>представлен объектом</a:t>
-            </a:r>
-            <a:r>
-              <a:rPr lang="ru-RU" sz="2400" dirty="0" smtClean="0"/>
-              <a:t>, </a:t>
+              <a:t>элементы у которых есть</a:t>
+            </a:r>
+            <a:r>
+              <a:rPr lang="en-US" sz="2400" dirty="0"/>
+              <a:t> </a:t>
             </a:r>
             <a:r>
               <a:rPr lang="ru-RU" sz="2400" dirty="0"/>
-              <a:t>который хранит всё </a:t>
+              <a:t>атрибут </a:t>
+            </a:r>
+            <a:r>
+              <a:rPr lang="en-US" sz="2400" b="1" dirty="0"/>
+              <a:t>id</a:t>
+            </a:r>
+            <a:r>
+              <a:rPr lang="ru-RU" sz="2400" dirty="0"/>
+              <a:t> можно использовать без поиска, такие элементы доступны как </a:t>
             </a:r>
             <a:r>
               <a:rPr lang="ru-RU" sz="2400" b="1" dirty="0"/>
-              <a:t>содержимое</a:t>
-            </a:r>
-            <a:r>
-              <a:rPr lang="ru-RU" sz="2400" dirty="0"/>
-              <a:t>, все </a:t>
-            </a:r>
-            <a:r>
-              <a:rPr lang="ru-RU" sz="2400" b="1" dirty="0"/>
-              <a:t>стили</a:t>
-            </a:r>
-            <a:r>
-              <a:rPr lang="ru-RU" sz="2400" dirty="0"/>
-              <a:t> и все </a:t>
-            </a:r>
-            <a:r>
-              <a:rPr lang="ru-RU" sz="2400" b="1" dirty="0"/>
-              <a:t>атрибуты</a:t>
+              <a:t>глобальные</a:t>
             </a:r>
             <a:r>
               <a:rPr lang="ru-RU" sz="2400" dirty="0"/>
@@ -7242,163 +7391,38 @@
             </a:r>
             <a:r>
               <a:rPr lang="ru-RU" sz="2400" b="1" dirty="0"/>
-              <a:t>тега</a:t>
+              <a:t>переменные</a:t>
             </a:r>
             <a:r>
               <a:rPr lang="ru-RU" sz="2400" dirty="0"/>
-              <a:t>. Разумеется их можно </a:t>
-            </a:r>
-            <a:r>
-              <a:rPr lang="ru-RU" sz="2400" b="1" dirty="0"/>
-              <a:t>менять</a:t>
+              <a:t> (с именем </a:t>
+            </a:r>
+            <a:r>
+              <a:rPr lang="ru-RU" sz="2400" dirty="0" smtClean="0"/>
+              <a:t>совпадающим с </a:t>
+            </a:r>
+            <a:r>
+              <a:rPr lang="en-US" sz="2400" b="1" dirty="0"/>
+              <a:t>id</a:t>
             </a:r>
             <a:r>
               <a:rPr lang="ru-RU" sz="2400" dirty="0"/>
-              <a:t>. </a:t>
-            </a:r>
-          </a:p>
-        </p:txBody>
-      </p:sp>
-      <p:sp>
-        <p:nvSpPr>
-          <p:cNvPr id="3" name="TextBox 2"/>
-          <p:cNvSpPr txBox="1"/>
-          <p:nvPr/>
-        </p:nvSpPr>
-        <p:spPr>
-          <a:xfrm>
-            <a:off x="2207568" y="2657614"/>
-            <a:ext cx="1760290" cy="707886"/>
-          </a:xfrm>
-          <a:prstGeom prst="rect">
-            <a:avLst/>
-          </a:prstGeom>
-          <a:noFill/>
-        </p:spPr>
-        <p:txBody>
-          <a:bodyPr wrap="none" rtlCol="0">
-            <a:spAutoFit/>
-          </a:bodyPr>
-          <a:lstStyle/>
-          <a:p>
-            <a:r>
-              <a:rPr lang="en-US" sz="4000" b="1" dirty="0"/>
-              <a:t>&lt;TAG/&gt;</a:t>
-            </a:r>
-            <a:endParaRPr lang="uk-UA" sz="4000" b="1" dirty="0"/>
-          </a:p>
-        </p:txBody>
-      </p:sp>
-      <p:sp>
-        <p:nvSpPr>
-          <p:cNvPr id="12" name="Левая фигурная скобка 11"/>
-          <p:cNvSpPr/>
-          <p:nvPr/>
-        </p:nvSpPr>
-        <p:spPr>
-          <a:xfrm>
-            <a:off x="6672064" y="2204864"/>
-            <a:ext cx="792088" cy="2343792"/>
-          </a:xfrm>
-          <a:prstGeom prst="leftBrace">
-            <a:avLst>
-              <a:gd name="adj1" fmla="val 30527"/>
-              <a:gd name="adj2" fmla="val 50000"/>
-            </a:avLst>
-          </a:prstGeom>
-          <a:ln w="38100">
-            <a:solidFill>
-              <a:srgbClr val="92D050"/>
-            </a:solidFill>
-          </a:ln>
-        </p:spPr>
-        <p:style>
-          <a:lnRef idx="1">
-            <a:schemeClr val="accent1"/>
-          </a:lnRef>
-          <a:fillRef idx="0">
-            <a:schemeClr val="accent1"/>
-          </a:fillRef>
-          <a:effectRef idx="0">
-            <a:schemeClr val="accent1"/>
-          </a:effectRef>
-          <a:fontRef idx="minor">
-            <a:schemeClr val="tx1"/>
-          </a:fontRef>
-        </p:style>
-        <p:txBody>
-          <a:bodyPr rtlCol="0" anchor="ctr"/>
-          <a:lstStyle/>
-          <a:p>
-            <a:pPr algn="ctr"/>
-            <a:endParaRPr lang="ru-RU"/>
-          </a:p>
-        </p:txBody>
-      </p:sp>
-      <p:sp>
-        <p:nvSpPr>
-          <p:cNvPr id="4" name="TextBox 3"/>
-          <p:cNvSpPr txBox="1"/>
-          <p:nvPr/>
-        </p:nvSpPr>
-        <p:spPr>
-          <a:xfrm>
-            <a:off x="7576266" y="2287198"/>
-            <a:ext cx="1976823" cy="1938992"/>
-          </a:xfrm>
-          <a:prstGeom prst="rect">
-            <a:avLst/>
-          </a:prstGeom>
-          <a:noFill/>
-        </p:spPr>
-        <p:txBody>
-          <a:bodyPr wrap="none" rtlCol="0">
-            <a:spAutoFit/>
-          </a:bodyPr>
-          <a:lstStyle/>
-          <a:p>
-            <a:r>
-              <a:rPr lang="en-US" sz="2400" b="1" i="1" dirty="0"/>
-              <a:t>…</a:t>
-            </a:r>
-          </a:p>
-          <a:p>
-            <a:r>
-              <a:rPr lang="en-US" sz="2400" b="1" i="1" dirty="0"/>
-              <a:t>.color</a:t>
-            </a:r>
-          </a:p>
-          <a:p>
-            <a:r>
-              <a:rPr lang="en-US" sz="2400" b="1" i="1" dirty="0"/>
+              <a:t>)</a:t>
+            </a:r>
+            <a:r>
+              <a:rPr lang="en-US" sz="2400" dirty="0"/>
               <a:t>.</a:t>
             </a:r>
-            <a:r>
-              <a:rPr lang="en-US" sz="2400" b="1" i="1" dirty="0" err="1"/>
-              <a:t>fontSize</a:t>
-            </a:r>
-            <a:endParaRPr lang="en-US" sz="2400" b="1" i="1" dirty="0"/>
-          </a:p>
-          <a:p>
-            <a:r>
-              <a:rPr lang="en-US" sz="2400" b="1" i="1" dirty="0"/>
-              <a:t>.</a:t>
-            </a:r>
-            <a:r>
-              <a:rPr lang="en-US" sz="2400" b="1" i="1" dirty="0" err="1"/>
-              <a:t>borderRadius</a:t>
-            </a:r>
-            <a:endParaRPr lang="en-US" sz="2400" b="1" i="1" dirty="0"/>
-          </a:p>
-          <a:p>
-            <a:r>
-              <a:rPr lang="en-US" sz="2400" b="1" i="1" dirty="0"/>
-              <a:t>…</a:t>
-            </a:r>
+            <a:endParaRPr lang="ru-RU" sz="2400" dirty="0"/>
           </a:p>
         </p:txBody>
       </p:sp>
     </p:spTree>
+    <p:extLst>
+      <p:ext uri="{BB962C8B-B14F-4D97-AF65-F5344CB8AC3E}">
+        <p14:creationId xmlns:p14="http://schemas.microsoft.com/office/powerpoint/2010/main" val="453253383"/>
+      </p:ext>
+    </p:extLst>
   </p:cSld>
   <p:clrMapOvr>
     <a:masterClrMapping/>
@@ -7440,7 +7464,7 @@
         </p:nvSpPr>
         <p:spPr>
           <a:xfrm>
-            <a:off x="11208568" y="6237312"/>
+            <a:off x="10920536" y="6165304"/>
             <a:ext cx="648072" cy="432048"/>
           </a:xfrm>
           <a:prstGeom prst="roundRect">
@@ -7502,43 +7526,56 @@
       </p:sp>
       <p:sp>
         <p:nvSpPr>
-          <p:cNvPr id="3" name="Прямоугольник 2"/>
+          <p:cNvPr id="6" name="Левая фигурная скобка 5"/>
           <p:cNvSpPr/>
           <p:nvPr/>
         </p:nvSpPr>
         <p:spPr>
           <a:xfrm>
-            <a:off x="0" y="332656"/>
-            <a:ext cx="12192000" cy="646331"/>
-          </a:xfrm>
-          <a:prstGeom prst="rect">
-            <a:avLst/>
+            <a:off x="4131829" y="1484784"/>
+            <a:ext cx="792088" cy="3053546"/>
+          </a:xfrm>
+          <a:prstGeom prst="leftBrace">
+            <a:avLst>
+              <a:gd name="adj1" fmla="val 30527"/>
+              <a:gd name="adj2" fmla="val 50000"/>
+            </a:avLst>
           </a:prstGeom>
-        </p:spPr>
-        <p:txBody>
-          <a:bodyPr wrap="square">
-            <a:spAutoFit/>
-          </a:bodyPr>
+          <a:ln w="38100"/>
+        </p:spPr>
+        <p:style>
+          <a:lnRef idx="1">
+            <a:schemeClr val="accent1"/>
+          </a:lnRef>
+          <a:fillRef idx="0">
+            <a:schemeClr val="accent1"/>
+          </a:fillRef>
+          <a:effectRef idx="0">
+            <a:schemeClr val="accent1"/>
+          </a:effectRef>
+          <a:fontRef idx="minor">
+            <a:schemeClr val="tx1"/>
+          </a:fontRef>
+        </p:style>
+        <p:txBody>
+          <a:bodyPr rtlCol="0" anchor="ctr"/>
           <a:lstStyle/>
           <a:p>
             <a:pPr algn="ctr"/>
-            <a:r>
-              <a:rPr lang="ru-RU" sz="3600" b="1" dirty="0"/>
-              <a:t>Изменение содержимого элемента и/или его свойств</a:t>
-            </a:r>
-          </a:p>
-        </p:txBody>
-      </p:sp>
-      <p:sp>
-        <p:nvSpPr>
-          <p:cNvPr id="10" name="TextBox 9"/>
+            <a:endParaRPr lang="ru-RU"/>
+          </a:p>
+        </p:txBody>
+      </p:sp>
+      <p:sp>
+        <p:nvSpPr>
+          <p:cNvPr id="21" name="TextBox 20"/>
           <p:cNvSpPr txBox="1"/>
           <p:nvPr/>
         </p:nvSpPr>
         <p:spPr>
           <a:xfrm>
-            <a:off x="2351584" y="1244553"/>
-            <a:ext cx="8280920" cy="5201424"/>
+            <a:off x="5087888" y="1988840"/>
+            <a:ext cx="1670650" cy="2308324"/>
           </a:xfrm>
           <a:prstGeom prst="rect">
             <a:avLst/>
@@ -7546,182 +7583,344 @@
           <a:noFill/>
         </p:spPr>
         <p:txBody>
+          <a:bodyPr wrap="none" rtlCol="0">
+            <a:spAutoFit/>
+          </a:bodyPr>
+          <a:lstStyle/>
+          <a:p>
+            <a:r>
+              <a:rPr lang="ru-RU" sz="2400" b="1" i="1" dirty="0"/>
+              <a:t>…</a:t>
+            </a:r>
+          </a:p>
+          <a:p>
+            <a:r>
+              <a:rPr lang="ru-RU" sz="2400" b="1" i="1" dirty="0"/>
+              <a:t>…</a:t>
+            </a:r>
+          </a:p>
+          <a:p>
+            <a:r>
+              <a:rPr lang="en-US" sz="2400" b="1" i="1" dirty="0"/>
+              <a:t>.</a:t>
+            </a:r>
+            <a:r>
+              <a:rPr lang="en-US" sz="2400" b="1" i="1" dirty="0" err="1"/>
+              <a:t>innerHTML</a:t>
+            </a:r>
+            <a:endParaRPr lang="en-US" sz="2400" b="1" i="1" dirty="0"/>
+          </a:p>
+          <a:p>
+            <a:r>
+              <a:rPr lang="en-US" sz="2400" b="1" i="1" dirty="0" smtClean="0"/>
+              <a:t>.</a:t>
+            </a:r>
+            <a:r>
+              <a:rPr lang="en-US" sz="2400" b="1" i="1" dirty="0"/>
+              <a:t>style { … }</a:t>
+            </a:r>
+            <a:endParaRPr lang="ru-RU" sz="2400" b="1" i="1" dirty="0"/>
+          </a:p>
+          <a:p>
+            <a:r>
+              <a:rPr lang="en-US" sz="2400" b="1" i="1" dirty="0"/>
+              <a:t>.</a:t>
+            </a:r>
+            <a:r>
+              <a:rPr lang="en-US" sz="2400" b="1" i="1" dirty="0" err="1"/>
+              <a:t>classList</a:t>
+            </a:r>
+            <a:endParaRPr lang="ru-RU" sz="2400" b="1" i="1" dirty="0"/>
+          </a:p>
+          <a:p>
+            <a:r>
+              <a:rPr lang="ru-RU" sz="2400" b="1" i="1" dirty="0"/>
+              <a:t>…</a:t>
+            </a:r>
+            <a:endParaRPr lang="en-US" sz="2400" b="1" i="1" dirty="0"/>
+          </a:p>
+        </p:txBody>
+      </p:sp>
+      <p:sp>
+        <p:nvSpPr>
+          <p:cNvPr id="23" name="TextBox 22"/>
+          <p:cNvSpPr txBox="1"/>
+          <p:nvPr/>
+        </p:nvSpPr>
+        <p:spPr>
+          <a:xfrm>
+            <a:off x="4176744" y="235691"/>
+            <a:ext cx="4070153" cy="584775"/>
+          </a:xfrm>
+          <a:prstGeom prst="rect">
+            <a:avLst/>
+          </a:prstGeom>
+          <a:noFill/>
+        </p:spPr>
+        <p:txBody>
+          <a:bodyPr wrap="none" rtlCol="0">
+            <a:spAutoFit/>
+          </a:bodyPr>
+          <a:lstStyle/>
+          <a:p>
+            <a:r>
+              <a:rPr lang="ru-RU" sz="3200" b="1" dirty="0"/>
+              <a:t>Из чего «сделан» тег?</a:t>
+            </a:r>
+          </a:p>
+        </p:txBody>
+      </p:sp>
+      <p:sp>
+        <p:nvSpPr>
+          <p:cNvPr id="25" name="TextBox 24"/>
+          <p:cNvSpPr txBox="1"/>
+          <p:nvPr/>
+        </p:nvSpPr>
+        <p:spPr>
+          <a:xfrm>
+            <a:off x="2927648" y="5216952"/>
+            <a:ext cx="7056784" cy="1200329"/>
+          </a:xfrm>
+          <a:prstGeom prst="rect">
+            <a:avLst/>
+          </a:prstGeom>
+          <a:noFill/>
+          <a:ln w="19050">
+            <a:noFill/>
+          </a:ln>
+        </p:spPr>
+        <p:txBody>
           <a:bodyPr wrap="square" rtlCol="0">
             <a:spAutoFit/>
           </a:bodyPr>
           <a:lstStyle/>
           <a:p>
             <a:r>
-              <a:rPr lang="ru-RU" sz="2200" dirty="0"/>
-              <a:t>У тегов</a:t>
-            </a:r>
-            <a:r>
-              <a:rPr lang="en-US" sz="2200" dirty="0"/>
+              <a:rPr lang="ru-RU" sz="2400" dirty="0"/>
+              <a:t>Каждому </a:t>
+            </a:r>
+            <a:r>
+              <a:rPr lang="ru-RU" sz="2400" b="1" dirty="0" smtClean="0"/>
+              <a:t>тег</a:t>
+            </a:r>
+            <a:r>
+              <a:rPr lang="ru-RU" sz="2400" dirty="0" smtClean="0"/>
+              <a:t>, в </a:t>
+            </a:r>
+            <a:r>
+              <a:rPr lang="en-US" sz="2400" dirty="0" smtClean="0"/>
+              <a:t>JavaScript</a:t>
+            </a:r>
+            <a:r>
+              <a:rPr lang="ru-RU" sz="2400" dirty="0" smtClean="0"/>
+              <a:t>, </a:t>
+            </a:r>
+            <a:r>
+              <a:rPr lang="ru-RU" sz="2400" b="1" dirty="0" smtClean="0"/>
+              <a:t>представлен объектом</a:t>
+            </a:r>
+            <a:r>
+              <a:rPr lang="ru-RU" sz="2400" dirty="0" smtClean="0"/>
+              <a:t>, </a:t>
+            </a:r>
+            <a:r>
+              <a:rPr lang="ru-RU" sz="2400" dirty="0"/>
+              <a:t>который хранит всё </a:t>
+            </a:r>
+            <a:r>
+              <a:rPr lang="ru-RU" sz="2400" b="1" dirty="0"/>
+              <a:t>содержимое</a:t>
+            </a:r>
+            <a:r>
+              <a:rPr lang="ru-RU" sz="2400" dirty="0"/>
+              <a:t>, все </a:t>
+            </a:r>
+            <a:r>
+              <a:rPr lang="ru-RU" sz="2400" b="1" dirty="0"/>
+              <a:t>стили</a:t>
+            </a:r>
+            <a:r>
+              <a:rPr lang="ru-RU" sz="2400" dirty="0"/>
+              <a:t> и все </a:t>
+            </a:r>
+            <a:r>
+              <a:rPr lang="ru-RU" sz="2400" b="1" dirty="0"/>
+              <a:t>атрибуты</a:t>
+            </a:r>
+            <a:r>
+              <a:rPr lang="ru-RU" sz="2400" dirty="0"/>
               <a:t> </a:t>
             </a:r>
             <a:r>
-              <a:rPr lang="ru-RU" sz="2200" dirty="0"/>
-              <a:t>(</a:t>
-            </a:r>
-            <a:r>
-              <a:rPr lang="ru-RU" sz="2200" b="1" dirty="0"/>
-              <a:t>элементов</a:t>
-            </a:r>
-            <a:r>
-              <a:rPr lang="ru-RU" sz="2200" dirty="0"/>
-              <a:t> </a:t>
-            </a:r>
-            <a:r>
-              <a:rPr lang="en-US" sz="2200" b="1" dirty="0"/>
-              <a:t>HTML-</a:t>
-            </a:r>
-            <a:r>
-              <a:rPr lang="ru-RU" sz="2200" b="1" dirty="0"/>
-              <a:t>документа</a:t>
-            </a:r>
-            <a:r>
-              <a:rPr lang="ru-RU" sz="2200" dirty="0"/>
-              <a:t>) есть ряд свойства определяющие его содержимое и внешний вид:</a:t>
-            </a:r>
-          </a:p>
+              <a:rPr lang="ru-RU" sz="2400" b="1" dirty="0"/>
+              <a:t>тега</a:t>
+            </a:r>
+            <a:r>
+              <a:rPr lang="ru-RU" sz="2400" dirty="0"/>
+              <a:t>. Разумеется их можно </a:t>
+            </a:r>
+            <a:r>
+              <a:rPr lang="ru-RU" sz="2400" b="1" dirty="0"/>
+              <a:t>менять</a:t>
+            </a:r>
+            <a:r>
+              <a:rPr lang="ru-RU" sz="2400" dirty="0"/>
+              <a:t>. </a:t>
+            </a:r>
+          </a:p>
+        </p:txBody>
+      </p:sp>
+      <p:sp>
+        <p:nvSpPr>
+          <p:cNvPr id="3" name="TextBox 2"/>
+          <p:cNvSpPr txBox="1"/>
+          <p:nvPr/>
+        </p:nvSpPr>
+        <p:spPr>
+          <a:xfrm>
+            <a:off x="2207568" y="2657614"/>
+            <a:ext cx="1760290" cy="707886"/>
+          </a:xfrm>
+          <a:prstGeom prst="rect">
+            <a:avLst/>
+          </a:prstGeom>
+          <a:noFill/>
+        </p:spPr>
+        <p:txBody>
+          <a:bodyPr wrap="none" rtlCol="0">
+            <a:spAutoFit/>
+          </a:bodyPr>
+          <a:lstStyle/>
+          <a:p>
+            <a:r>
+              <a:rPr lang="en-US" sz="4000" b="1" dirty="0"/>
+              <a:t>&lt;TAG/&gt;</a:t>
+            </a:r>
+            <a:endParaRPr lang="uk-UA" sz="4000" b="1" dirty="0"/>
+          </a:p>
+        </p:txBody>
+      </p:sp>
+      <p:sp>
+        <p:nvSpPr>
+          <p:cNvPr id="12" name="Левая фигурная скобка 11"/>
+          <p:cNvSpPr/>
+          <p:nvPr/>
+        </p:nvSpPr>
+        <p:spPr>
+          <a:xfrm>
+            <a:off x="6672064" y="2204864"/>
+            <a:ext cx="792088" cy="2343792"/>
+          </a:xfrm>
+          <a:prstGeom prst="leftBrace">
+            <a:avLst>
+              <a:gd name="adj1" fmla="val 30527"/>
+              <a:gd name="adj2" fmla="val 50000"/>
+            </a:avLst>
+          </a:prstGeom>
+          <a:ln w="38100">
+            <a:solidFill>
+              <a:srgbClr val="92D050"/>
+            </a:solidFill>
+          </a:ln>
+        </p:spPr>
+        <p:style>
+          <a:lnRef idx="1">
+            <a:schemeClr val="accent1"/>
+          </a:lnRef>
+          <a:fillRef idx="0">
+            <a:schemeClr val="accent1"/>
+          </a:fillRef>
+          <a:effectRef idx="0">
+            <a:schemeClr val="accent1"/>
+          </a:effectRef>
+          <a:fontRef idx="minor">
+            <a:schemeClr val="tx1"/>
+          </a:fontRef>
+        </p:style>
+        <p:txBody>
+          <a:bodyPr rtlCol="0" anchor="ctr"/>
+          <a:lstStyle/>
           <a:p>
             <a:pPr algn="ctr"/>
-            <a:r>
-              <a:rPr lang="ru-RU" sz="2400" b="1" dirty="0"/>
+            <a:endParaRPr lang="ru-RU"/>
+          </a:p>
+        </p:txBody>
+      </p:sp>
+      <p:sp>
+        <p:nvSpPr>
+          <p:cNvPr id="4" name="TextBox 3"/>
+          <p:cNvSpPr txBox="1"/>
+          <p:nvPr/>
+        </p:nvSpPr>
+        <p:spPr>
+          <a:xfrm>
+            <a:off x="7576266" y="2287198"/>
+            <a:ext cx="1976823" cy="1938992"/>
+          </a:xfrm>
+          <a:prstGeom prst="rect">
+            <a:avLst/>
+          </a:prstGeom>
+          <a:noFill/>
+        </p:spPr>
+        <p:txBody>
+          <a:bodyPr wrap="none" rtlCol="0">
+            <a:spAutoFit/>
+          </a:bodyPr>
+          <a:lstStyle/>
+          <a:p>
+            <a:r>
+              <a:rPr lang="en-US" sz="2400" b="1" i="1" dirty="0"/>
               <a:t>…</a:t>
             </a:r>
-            <a:endParaRPr lang="ru-RU" sz="2200" b="1" dirty="0"/>
-          </a:p>
-          <a:p>
-            <a:r>
-              <a:rPr lang="en-US" sz="2200" b="1" dirty="0"/>
+          </a:p>
+          <a:p>
+            <a:r>
+              <a:rPr lang="en-US" sz="2400" b="1" i="1" dirty="0"/>
+              <a:t>.color</a:t>
+            </a:r>
+          </a:p>
+          <a:p>
+            <a:r>
+              <a:rPr lang="en-US" sz="2400" b="1" i="1" dirty="0"/>
               <a:t>.</a:t>
             </a:r>
             <a:r>
-              <a:rPr lang="en-US" sz="2200" b="1" dirty="0" err="1"/>
-              <a:t>innerHTML</a:t>
-            </a:r>
-            <a:r>
-              <a:rPr lang="en-US" sz="2200" dirty="0"/>
-              <a:t> – </a:t>
-            </a:r>
-            <a:r>
-              <a:rPr lang="ru-RU" sz="2200" dirty="0"/>
-              <a:t>свойство определяющее (или задающее) содержимое тега (его контент), т.е. всё то что находиться между открывающимся и закрывающимся тегом;</a:t>
-            </a:r>
-            <a:r>
-              <a:rPr lang="en-US" sz="2200" b="1" dirty="0"/>
-              <a:t> </a:t>
-            </a:r>
-            <a:endParaRPr lang="ru-RU" sz="2200" b="1" dirty="0"/>
-          </a:p>
-          <a:p>
-            <a:endParaRPr lang="ru-RU" sz="2200" b="1" dirty="0"/>
-          </a:p>
-          <a:p>
-            <a:r>
-              <a:rPr lang="en-US" sz="2200" b="1" dirty="0"/>
-              <a:t>.style</a:t>
-            </a:r>
-            <a:r>
-              <a:rPr lang="en-US" sz="2200" dirty="0"/>
-              <a:t> – </a:t>
-            </a:r>
-            <a:r>
-              <a:rPr lang="ru-RU" sz="2200" dirty="0"/>
-              <a:t>свойство определяющее объект со всеми поддерживаемыми браузером стилевые свойства;</a:t>
-            </a:r>
-            <a:endParaRPr lang="en-US" sz="2200" dirty="0"/>
-          </a:p>
-          <a:p>
-            <a:endParaRPr lang="en-US" sz="2200" dirty="0"/>
-          </a:p>
-          <a:p>
-            <a:r>
-              <a:rPr lang="en-US" sz="2200" b="1" dirty="0" smtClean="0"/>
+              <a:rPr lang="en-US" sz="2400" b="1" i="1" dirty="0" err="1"/>
+              <a:t>fontSize</a:t>
+            </a:r>
+            <a:endParaRPr lang="en-US" sz="2400" b="1" i="1" dirty="0"/>
+          </a:p>
+          <a:p>
+            <a:r>
+              <a:rPr lang="en-US" sz="2400" b="1" i="1" dirty="0"/>
               <a:t>.</a:t>
             </a:r>
             <a:r>
-              <a:rPr lang="en-US" sz="2200" b="1" dirty="0" err="1"/>
-              <a:t>classList</a:t>
-            </a:r>
-            <a:r>
-              <a:rPr lang="en-US" sz="2200" b="1" dirty="0"/>
-              <a:t> </a:t>
-            </a:r>
-            <a:r>
-              <a:rPr lang="en-US" sz="2200" dirty="0"/>
-              <a:t>– </a:t>
-            </a:r>
-            <a:r>
-              <a:rPr lang="ru-RU" sz="2200" dirty="0"/>
-              <a:t>свойство определяющее список классов тега (в виде массива, методы </a:t>
-            </a:r>
-            <a:r>
-              <a:rPr lang="en-US" sz="2200" b="1" dirty="0"/>
-              <a:t>.</a:t>
-            </a:r>
-            <a:r>
-              <a:rPr lang="en-US" sz="2200" b="1" dirty="0" err="1"/>
-              <a:t>classList.add</a:t>
-            </a:r>
-            <a:r>
-              <a:rPr lang="en-US" sz="2200" b="1" dirty="0"/>
-              <a:t>() </a:t>
-            </a:r>
-            <a:r>
-              <a:rPr lang="ru-RU" sz="2200" dirty="0"/>
-              <a:t>и </a:t>
-            </a:r>
-            <a:r>
-              <a:rPr lang="en-US" sz="2200" b="1" dirty="0" err="1"/>
-              <a:t>classList.remove</a:t>
-            </a:r>
-            <a:r>
-              <a:rPr lang="en-US" sz="2200" b="1" dirty="0"/>
-              <a:t>() </a:t>
-            </a:r>
-            <a:r>
-              <a:rPr lang="ru-RU" sz="2200" dirty="0"/>
-              <a:t>позволяют добавлять и удалять классы тега). А метод </a:t>
-            </a:r>
-            <a:r>
-              <a:rPr lang="en-US" sz="2200" b="1" dirty="0"/>
-              <a:t>.</a:t>
-            </a:r>
-            <a:r>
-              <a:rPr lang="en-US" sz="2200" b="1" dirty="0" err="1"/>
-              <a:t>classList.contains</a:t>
-            </a:r>
-            <a:r>
-              <a:rPr lang="en-US" sz="2200" b="1" dirty="0"/>
-              <a:t>() </a:t>
-            </a:r>
-            <a:r>
-              <a:rPr lang="ru-RU" sz="2200" dirty="0"/>
-              <a:t>позволяет узнать есть ли класс в списке.</a:t>
-            </a:r>
-            <a:endParaRPr lang="ru-RU" sz="2200" b="1" dirty="0"/>
-          </a:p>
-          <a:p>
-            <a:pPr algn="ctr"/>
-            <a:r>
-              <a:rPr lang="ru-RU" sz="2400" b="1" dirty="0"/>
+              <a:rPr lang="en-US" sz="2400" b="1" i="1" dirty="0" err="1"/>
+              <a:t>borderRadius</a:t>
+            </a:r>
+            <a:endParaRPr lang="en-US" sz="2400" b="1" i="1" dirty="0"/>
+          </a:p>
+          <a:p>
+            <a:r>
+              <a:rPr lang="en-US" sz="2400" b="1" i="1" dirty="0"/>
               <a:t>…</a:t>
             </a:r>
           </a:p>
         </p:txBody>
       </p:sp>
     </p:spTree>
-    <p:extLst>
-      <p:ext uri="{BB962C8B-B14F-4D97-AF65-F5344CB8AC3E}">
-        <p14:creationId xmlns:p14="http://schemas.microsoft.com/office/powerpoint/2010/main" val="3492604126"/>
-      </p:ext>
-    </p:extLst>
   </p:cSld>
   <p:clrMapOvr>
     <a:masterClrMapping/>
   </p:clrMapOvr>
+  <p:timing>
+    <p:tnLst>
+      <p:par>
+        <p:cTn id="1" dur="indefinite" restart="never" nodeType="tmRoot"/>
+      </p:par>
+    </p:tnLst>
+  </p:timing>
 </p:sld>
 </file>
 

--- a/lesson22.pptx
+++ b/lesson22.pptx
@@ -5,7 +5,7 @@
     <p:sldMasterId id="2147483648" r:id="rId1"/>
   </p:sldMasterIdLst>
   <p:notesMasterIdLst>
-    <p:notesMasterId r:id="rId20"/>
+    <p:notesMasterId r:id="rId21"/>
   </p:notesMasterIdLst>
   <p:sldIdLst>
     <p:sldId id="409" r:id="rId2"/>
@@ -14,18 +14,19 @@
     <p:sldId id="419" r:id="rId5"/>
     <p:sldId id="412" r:id="rId6"/>
     <p:sldId id="385" r:id="rId7"/>
-    <p:sldId id="414" r:id="rId8"/>
-    <p:sldId id="366" r:id="rId9"/>
-    <p:sldId id="314" r:id="rId10"/>
-    <p:sldId id="369" r:id="rId11"/>
-    <p:sldId id="378" r:id="rId12"/>
-    <p:sldId id="379" r:id="rId13"/>
-    <p:sldId id="415" r:id="rId14"/>
-    <p:sldId id="393" r:id="rId15"/>
-    <p:sldId id="417" r:id="rId16"/>
-    <p:sldId id="418" r:id="rId17"/>
-    <p:sldId id="413" r:id="rId18"/>
-    <p:sldId id="416" r:id="rId19"/>
+    <p:sldId id="420" r:id="rId8"/>
+    <p:sldId id="414" r:id="rId9"/>
+    <p:sldId id="366" r:id="rId10"/>
+    <p:sldId id="314" r:id="rId11"/>
+    <p:sldId id="369" r:id="rId12"/>
+    <p:sldId id="378" r:id="rId13"/>
+    <p:sldId id="379" r:id="rId14"/>
+    <p:sldId id="415" r:id="rId15"/>
+    <p:sldId id="393" r:id="rId16"/>
+    <p:sldId id="417" r:id="rId17"/>
+    <p:sldId id="418" r:id="rId18"/>
+    <p:sldId id="413" r:id="rId19"/>
+    <p:sldId id="416" r:id="rId20"/>
   </p:sldIdLst>
   <p:sldSz cx="12192000" cy="6858000"/>
   <p:notesSz cx="6858000" cy="9144000"/>
@@ -135,6 +136,7 @@
             <p14:sldId id="419"/>
             <p14:sldId id="412"/>
             <p14:sldId id="385"/>
+            <p14:sldId id="420"/>
             <p14:sldId id="414"/>
             <p14:sldId id="366"/>
             <p14:sldId id="314"/>
@@ -3867,7 +3869,7 @@
         </p:nvSpPr>
         <p:spPr>
           <a:xfrm>
-            <a:off x="11208568" y="6237312"/>
+            <a:off x="10920536" y="6165304"/>
             <a:ext cx="648072" cy="432048"/>
           </a:xfrm>
           <a:prstGeom prst="roundRect">
@@ -3929,43 +3931,56 @@
       </p:sp>
       <p:sp>
         <p:nvSpPr>
-          <p:cNvPr id="3" name="Прямоугольник 2"/>
+          <p:cNvPr id="6" name="Левая фигурная скобка 5"/>
           <p:cNvSpPr/>
           <p:nvPr/>
         </p:nvSpPr>
         <p:spPr>
           <a:xfrm>
-            <a:off x="0" y="332656"/>
-            <a:ext cx="12192000" cy="646331"/>
-          </a:xfrm>
-          <a:prstGeom prst="rect">
-            <a:avLst/>
+            <a:off x="4131829" y="1484784"/>
+            <a:ext cx="792088" cy="3053546"/>
+          </a:xfrm>
+          <a:prstGeom prst="leftBrace">
+            <a:avLst>
+              <a:gd name="adj1" fmla="val 30527"/>
+              <a:gd name="adj2" fmla="val 50000"/>
+            </a:avLst>
           </a:prstGeom>
-        </p:spPr>
-        <p:txBody>
-          <a:bodyPr wrap="square">
-            <a:spAutoFit/>
-          </a:bodyPr>
+          <a:ln w="38100"/>
+        </p:spPr>
+        <p:style>
+          <a:lnRef idx="1">
+            <a:schemeClr val="accent1"/>
+          </a:lnRef>
+          <a:fillRef idx="0">
+            <a:schemeClr val="accent1"/>
+          </a:fillRef>
+          <a:effectRef idx="0">
+            <a:schemeClr val="accent1"/>
+          </a:effectRef>
+          <a:fontRef idx="minor">
+            <a:schemeClr val="tx1"/>
+          </a:fontRef>
+        </p:style>
+        <p:txBody>
+          <a:bodyPr rtlCol="0" anchor="ctr"/>
           <a:lstStyle/>
           <a:p>
             <a:pPr algn="ctr"/>
-            <a:r>
-              <a:rPr lang="ru-RU" sz="3600" b="1" dirty="0"/>
-              <a:t>Изменение содержимого элемента и/или его свойств</a:t>
-            </a:r>
-          </a:p>
-        </p:txBody>
-      </p:sp>
-      <p:sp>
-        <p:nvSpPr>
-          <p:cNvPr id="10" name="TextBox 9"/>
+            <a:endParaRPr lang="ru-RU"/>
+          </a:p>
+        </p:txBody>
+      </p:sp>
+      <p:sp>
+        <p:nvSpPr>
+          <p:cNvPr id="21" name="TextBox 20"/>
           <p:cNvSpPr txBox="1"/>
           <p:nvPr/>
         </p:nvSpPr>
         <p:spPr>
           <a:xfrm>
-            <a:off x="2351584" y="1244553"/>
-            <a:ext cx="8280920" cy="5201424"/>
+            <a:off x="5087888" y="1988840"/>
+            <a:ext cx="1670650" cy="2308324"/>
           </a:xfrm>
           <a:prstGeom prst="rect">
             <a:avLst/>
@@ -3973,182 +3988,344 @@
           <a:noFill/>
         </p:spPr>
         <p:txBody>
+          <a:bodyPr wrap="none" rtlCol="0">
+            <a:spAutoFit/>
+          </a:bodyPr>
+          <a:lstStyle/>
+          <a:p>
+            <a:r>
+              <a:rPr lang="ru-RU" sz="2400" b="1" i="1" dirty="0"/>
+              <a:t>…</a:t>
+            </a:r>
+          </a:p>
+          <a:p>
+            <a:r>
+              <a:rPr lang="ru-RU" sz="2400" b="1" i="1" dirty="0"/>
+              <a:t>…</a:t>
+            </a:r>
+          </a:p>
+          <a:p>
+            <a:r>
+              <a:rPr lang="en-US" sz="2400" b="1" i="1" dirty="0"/>
+              <a:t>.</a:t>
+            </a:r>
+            <a:r>
+              <a:rPr lang="en-US" sz="2400" b="1" i="1" dirty="0" err="1"/>
+              <a:t>innerHTML</a:t>
+            </a:r>
+            <a:endParaRPr lang="en-US" sz="2400" b="1" i="1" dirty="0"/>
+          </a:p>
+          <a:p>
+            <a:r>
+              <a:rPr lang="en-US" sz="2400" b="1" i="1" dirty="0" smtClean="0"/>
+              <a:t>.</a:t>
+            </a:r>
+            <a:r>
+              <a:rPr lang="en-US" sz="2400" b="1" i="1" dirty="0"/>
+              <a:t>style { … }</a:t>
+            </a:r>
+            <a:endParaRPr lang="ru-RU" sz="2400" b="1" i="1" dirty="0"/>
+          </a:p>
+          <a:p>
+            <a:r>
+              <a:rPr lang="en-US" sz="2400" b="1" i="1" dirty="0"/>
+              <a:t>.</a:t>
+            </a:r>
+            <a:r>
+              <a:rPr lang="en-US" sz="2400" b="1" i="1" dirty="0" err="1"/>
+              <a:t>classList</a:t>
+            </a:r>
+            <a:endParaRPr lang="ru-RU" sz="2400" b="1" i="1" dirty="0"/>
+          </a:p>
+          <a:p>
+            <a:r>
+              <a:rPr lang="ru-RU" sz="2400" b="1" i="1" dirty="0"/>
+              <a:t>…</a:t>
+            </a:r>
+            <a:endParaRPr lang="en-US" sz="2400" b="1" i="1" dirty="0"/>
+          </a:p>
+        </p:txBody>
+      </p:sp>
+      <p:sp>
+        <p:nvSpPr>
+          <p:cNvPr id="23" name="TextBox 22"/>
+          <p:cNvSpPr txBox="1"/>
+          <p:nvPr/>
+        </p:nvSpPr>
+        <p:spPr>
+          <a:xfrm>
+            <a:off x="4176744" y="235691"/>
+            <a:ext cx="4070153" cy="584775"/>
+          </a:xfrm>
+          <a:prstGeom prst="rect">
+            <a:avLst/>
+          </a:prstGeom>
+          <a:noFill/>
+        </p:spPr>
+        <p:txBody>
+          <a:bodyPr wrap="none" rtlCol="0">
+            <a:spAutoFit/>
+          </a:bodyPr>
+          <a:lstStyle/>
+          <a:p>
+            <a:r>
+              <a:rPr lang="ru-RU" sz="3200" b="1" dirty="0"/>
+              <a:t>Из чего «сделан» тег?</a:t>
+            </a:r>
+          </a:p>
+        </p:txBody>
+      </p:sp>
+      <p:sp>
+        <p:nvSpPr>
+          <p:cNvPr id="25" name="TextBox 24"/>
+          <p:cNvSpPr txBox="1"/>
+          <p:nvPr/>
+        </p:nvSpPr>
+        <p:spPr>
+          <a:xfrm>
+            <a:off x="2927648" y="5216952"/>
+            <a:ext cx="7056784" cy="1200329"/>
+          </a:xfrm>
+          <a:prstGeom prst="rect">
+            <a:avLst/>
+          </a:prstGeom>
+          <a:noFill/>
+          <a:ln w="19050">
+            <a:noFill/>
+          </a:ln>
+        </p:spPr>
+        <p:txBody>
           <a:bodyPr wrap="square" rtlCol="0">
             <a:spAutoFit/>
           </a:bodyPr>
           <a:lstStyle/>
           <a:p>
             <a:r>
-              <a:rPr lang="ru-RU" sz="2200" dirty="0"/>
-              <a:t>У тегов</a:t>
-            </a:r>
-            <a:r>
-              <a:rPr lang="en-US" sz="2200" dirty="0"/>
+              <a:rPr lang="ru-RU" sz="2400" dirty="0"/>
+              <a:t>Каждому </a:t>
+            </a:r>
+            <a:r>
+              <a:rPr lang="ru-RU" sz="2400" b="1" dirty="0" smtClean="0"/>
+              <a:t>тег</a:t>
+            </a:r>
+            <a:r>
+              <a:rPr lang="ru-RU" sz="2400" dirty="0" smtClean="0"/>
+              <a:t>, в </a:t>
+            </a:r>
+            <a:r>
+              <a:rPr lang="en-US" sz="2400" dirty="0" smtClean="0"/>
+              <a:t>JavaScript</a:t>
+            </a:r>
+            <a:r>
+              <a:rPr lang="ru-RU" sz="2400" dirty="0" smtClean="0"/>
+              <a:t>, </a:t>
+            </a:r>
+            <a:r>
+              <a:rPr lang="ru-RU" sz="2400" b="1" dirty="0" smtClean="0"/>
+              <a:t>представлен объектом</a:t>
+            </a:r>
+            <a:r>
+              <a:rPr lang="ru-RU" sz="2400" dirty="0" smtClean="0"/>
+              <a:t>, </a:t>
+            </a:r>
+            <a:r>
+              <a:rPr lang="ru-RU" sz="2400" dirty="0"/>
+              <a:t>который хранит всё </a:t>
+            </a:r>
+            <a:r>
+              <a:rPr lang="ru-RU" sz="2400" b="1" dirty="0"/>
+              <a:t>содержимое</a:t>
+            </a:r>
+            <a:r>
+              <a:rPr lang="ru-RU" sz="2400" dirty="0"/>
+              <a:t>, все </a:t>
+            </a:r>
+            <a:r>
+              <a:rPr lang="ru-RU" sz="2400" b="1" dirty="0"/>
+              <a:t>стили</a:t>
+            </a:r>
+            <a:r>
+              <a:rPr lang="ru-RU" sz="2400" dirty="0"/>
+              <a:t> и все </a:t>
+            </a:r>
+            <a:r>
+              <a:rPr lang="ru-RU" sz="2400" b="1" dirty="0"/>
+              <a:t>атрибуты</a:t>
+            </a:r>
+            <a:r>
+              <a:rPr lang="ru-RU" sz="2400" dirty="0"/>
               <a:t> </a:t>
             </a:r>
             <a:r>
-              <a:rPr lang="ru-RU" sz="2200" dirty="0"/>
-              <a:t>(</a:t>
-            </a:r>
-            <a:r>
-              <a:rPr lang="ru-RU" sz="2200" b="1" dirty="0"/>
-              <a:t>элементов</a:t>
-            </a:r>
-            <a:r>
-              <a:rPr lang="ru-RU" sz="2200" dirty="0"/>
-              <a:t> </a:t>
-            </a:r>
-            <a:r>
-              <a:rPr lang="en-US" sz="2200" b="1" dirty="0"/>
-              <a:t>HTML-</a:t>
-            </a:r>
-            <a:r>
-              <a:rPr lang="ru-RU" sz="2200" b="1" dirty="0"/>
-              <a:t>документа</a:t>
-            </a:r>
-            <a:r>
-              <a:rPr lang="ru-RU" sz="2200" dirty="0"/>
-              <a:t>) есть ряд свойства определяющие его содержимое и внешний вид:</a:t>
-            </a:r>
-          </a:p>
+              <a:rPr lang="ru-RU" sz="2400" b="1" dirty="0"/>
+              <a:t>тега</a:t>
+            </a:r>
+            <a:r>
+              <a:rPr lang="ru-RU" sz="2400" dirty="0"/>
+              <a:t>. Разумеется их можно </a:t>
+            </a:r>
+            <a:r>
+              <a:rPr lang="ru-RU" sz="2400" b="1" dirty="0"/>
+              <a:t>менять</a:t>
+            </a:r>
+            <a:r>
+              <a:rPr lang="ru-RU" sz="2400" dirty="0"/>
+              <a:t>. </a:t>
+            </a:r>
+          </a:p>
+        </p:txBody>
+      </p:sp>
+      <p:sp>
+        <p:nvSpPr>
+          <p:cNvPr id="3" name="TextBox 2"/>
+          <p:cNvSpPr txBox="1"/>
+          <p:nvPr/>
+        </p:nvSpPr>
+        <p:spPr>
+          <a:xfrm>
+            <a:off x="2207568" y="2657614"/>
+            <a:ext cx="1760290" cy="707886"/>
+          </a:xfrm>
+          <a:prstGeom prst="rect">
+            <a:avLst/>
+          </a:prstGeom>
+          <a:noFill/>
+        </p:spPr>
+        <p:txBody>
+          <a:bodyPr wrap="none" rtlCol="0">
+            <a:spAutoFit/>
+          </a:bodyPr>
+          <a:lstStyle/>
+          <a:p>
+            <a:r>
+              <a:rPr lang="en-US" sz="4000" b="1" dirty="0"/>
+              <a:t>&lt;TAG/&gt;</a:t>
+            </a:r>
+            <a:endParaRPr lang="uk-UA" sz="4000" b="1" dirty="0"/>
+          </a:p>
+        </p:txBody>
+      </p:sp>
+      <p:sp>
+        <p:nvSpPr>
+          <p:cNvPr id="12" name="Левая фигурная скобка 11"/>
+          <p:cNvSpPr/>
+          <p:nvPr/>
+        </p:nvSpPr>
+        <p:spPr>
+          <a:xfrm>
+            <a:off x="6672064" y="2204864"/>
+            <a:ext cx="792088" cy="2343792"/>
+          </a:xfrm>
+          <a:prstGeom prst="leftBrace">
+            <a:avLst>
+              <a:gd name="adj1" fmla="val 30527"/>
+              <a:gd name="adj2" fmla="val 50000"/>
+            </a:avLst>
+          </a:prstGeom>
+          <a:ln w="38100">
+            <a:solidFill>
+              <a:srgbClr val="92D050"/>
+            </a:solidFill>
+          </a:ln>
+        </p:spPr>
+        <p:style>
+          <a:lnRef idx="1">
+            <a:schemeClr val="accent1"/>
+          </a:lnRef>
+          <a:fillRef idx="0">
+            <a:schemeClr val="accent1"/>
+          </a:fillRef>
+          <a:effectRef idx="0">
+            <a:schemeClr val="accent1"/>
+          </a:effectRef>
+          <a:fontRef idx="minor">
+            <a:schemeClr val="tx1"/>
+          </a:fontRef>
+        </p:style>
+        <p:txBody>
+          <a:bodyPr rtlCol="0" anchor="ctr"/>
+          <a:lstStyle/>
           <a:p>
             <a:pPr algn="ctr"/>
-            <a:r>
-              <a:rPr lang="ru-RU" sz="2400" b="1" dirty="0"/>
+            <a:endParaRPr lang="ru-RU"/>
+          </a:p>
+        </p:txBody>
+      </p:sp>
+      <p:sp>
+        <p:nvSpPr>
+          <p:cNvPr id="4" name="TextBox 3"/>
+          <p:cNvSpPr txBox="1"/>
+          <p:nvPr/>
+        </p:nvSpPr>
+        <p:spPr>
+          <a:xfrm>
+            <a:off x="7576266" y="2287198"/>
+            <a:ext cx="1976823" cy="1938992"/>
+          </a:xfrm>
+          <a:prstGeom prst="rect">
+            <a:avLst/>
+          </a:prstGeom>
+          <a:noFill/>
+        </p:spPr>
+        <p:txBody>
+          <a:bodyPr wrap="none" rtlCol="0">
+            <a:spAutoFit/>
+          </a:bodyPr>
+          <a:lstStyle/>
+          <a:p>
+            <a:r>
+              <a:rPr lang="en-US" sz="2400" b="1" i="1" dirty="0"/>
               <a:t>…</a:t>
             </a:r>
-            <a:endParaRPr lang="ru-RU" sz="2200" b="1" dirty="0"/>
-          </a:p>
-          <a:p>
-            <a:r>
-              <a:rPr lang="en-US" sz="2200" b="1" dirty="0"/>
+          </a:p>
+          <a:p>
+            <a:r>
+              <a:rPr lang="en-US" sz="2400" b="1" i="1" dirty="0"/>
+              <a:t>.color</a:t>
+            </a:r>
+          </a:p>
+          <a:p>
+            <a:r>
+              <a:rPr lang="en-US" sz="2400" b="1" i="1" dirty="0"/>
               <a:t>.</a:t>
             </a:r>
             <a:r>
-              <a:rPr lang="en-US" sz="2200" b="1" dirty="0" err="1"/>
-              <a:t>innerHTML</a:t>
-            </a:r>
-            <a:r>
-              <a:rPr lang="en-US" sz="2200" dirty="0"/>
-              <a:t> – </a:t>
-            </a:r>
-            <a:r>
-              <a:rPr lang="ru-RU" sz="2200" dirty="0"/>
-              <a:t>свойство определяющее (или задающее) содержимое тега (его контент), т.е. всё то что находиться между открывающимся и закрывающимся тегом;</a:t>
-            </a:r>
-            <a:r>
-              <a:rPr lang="en-US" sz="2200" b="1" dirty="0"/>
-              <a:t> </a:t>
-            </a:r>
-            <a:endParaRPr lang="ru-RU" sz="2200" b="1" dirty="0"/>
-          </a:p>
-          <a:p>
-            <a:endParaRPr lang="ru-RU" sz="2200" b="1" dirty="0"/>
-          </a:p>
-          <a:p>
-            <a:r>
-              <a:rPr lang="en-US" sz="2200" b="1" dirty="0"/>
-              <a:t>.style</a:t>
-            </a:r>
-            <a:r>
-              <a:rPr lang="en-US" sz="2200" dirty="0"/>
-              <a:t> – </a:t>
-            </a:r>
-            <a:r>
-              <a:rPr lang="ru-RU" sz="2200" dirty="0"/>
-              <a:t>свойство определяющее объект со всеми поддерживаемыми браузером стилевые свойства;</a:t>
-            </a:r>
-            <a:endParaRPr lang="en-US" sz="2200" dirty="0"/>
-          </a:p>
-          <a:p>
-            <a:endParaRPr lang="en-US" sz="2200" dirty="0"/>
-          </a:p>
-          <a:p>
-            <a:r>
-              <a:rPr lang="en-US" sz="2200" b="1" dirty="0" smtClean="0"/>
+              <a:rPr lang="en-US" sz="2400" b="1" i="1" dirty="0" err="1"/>
+              <a:t>fontSize</a:t>
+            </a:r>
+            <a:endParaRPr lang="en-US" sz="2400" b="1" i="1" dirty="0"/>
+          </a:p>
+          <a:p>
+            <a:r>
+              <a:rPr lang="en-US" sz="2400" b="1" i="1" dirty="0"/>
               <a:t>.</a:t>
             </a:r>
             <a:r>
-              <a:rPr lang="en-US" sz="2200" b="1" dirty="0" err="1"/>
-              <a:t>classList</a:t>
-            </a:r>
-            <a:r>
-              <a:rPr lang="en-US" sz="2200" b="1" dirty="0"/>
-              <a:t> </a:t>
-            </a:r>
-            <a:r>
-              <a:rPr lang="en-US" sz="2200" dirty="0"/>
-              <a:t>– </a:t>
-            </a:r>
-            <a:r>
-              <a:rPr lang="ru-RU" sz="2200" dirty="0"/>
-              <a:t>свойство определяющее список классов тега (в виде массива, методы </a:t>
-            </a:r>
-            <a:r>
-              <a:rPr lang="en-US" sz="2200" b="1" dirty="0"/>
-              <a:t>.</a:t>
-            </a:r>
-            <a:r>
-              <a:rPr lang="en-US" sz="2200" b="1" dirty="0" err="1"/>
-              <a:t>classList.add</a:t>
-            </a:r>
-            <a:r>
-              <a:rPr lang="en-US" sz="2200" b="1" dirty="0"/>
-              <a:t>() </a:t>
-            </a:r>
-            <a:r>
-              <a:rPr lang="ru-RU" sz="2200" dirty="0"/>
-              <a:t>и </a:t>
-            </a:r>
-            <a:r>
-              <a:rPr lang="en-US" sz="2200" b="1" dirty="0" err="1"/>
-              <a:t>classList.remove</a:t>
-            </a:r>
-            <a:r>
-              <a:rPr lang="en-US" sz="2200" b="1" dirty="0"/>
-              <a:t>() </a:t>
-            </a:r>
-            <a:r>
-              <a:rPr lang="ru-RU" sz="2200" dirty="0"/>
-              <a:t>позволяют добавлять и удалять классы тега). А метод </a:t>
-            </a:r>
-            <a:r>
-              <a:rPr lang="en-US" sz="2200" b="1" dirty="0"/>
-              <a:t>.</a:t>
-            </a:r>
-            <a:r>
-              <a:rPr lang="en-US" sz="2200" b="1" dirty="0" err="1"/>
-              <a:t>classList.contains</a:t>
-            </a:r>
-            <a:r>
-              <a:rPr lang="en-US" sz="2200" b="1" dirty="0"/>
-              <a:t>() </a:t>
-            </a:r>
-            <a:r>
-              <a:rPr lang="ru-RU" sz="2200" dirty="0"/>
-              <a:t>позволяет узнать есть ли класс в списке.</a:t>
-            </a:r>
-            <a:endParaRPr lang="ru-RU" sz="2200" b="1" dirty="0"/>
-          </a:p>
-          <a:p>
-            <a:pPr algn="ctr"/>
-            <a:r>
-              <a:rPr lang="ru-RU" sz="2400" b="1" dirty="0"/>
+              <a:rPr lang="en-US" sz="2400" b="1" i="1" dirty="0" err="1"/>
+              <a:t>borderRadius</a:t>
+            </a:r>
+            <a:endParaRPr lang="en-US" sz="2400" b="1" i="1" dirty="0"/>
+          </a:p>
+          <a:p>
+            <a:r>
+              <a:rPr lang="en-US" sz="2400" b="1" i="1" dirty="0"/>
               <a:t>…</a:t>
             </a:r>
           </a:p>
         </p:txBody>
       </p:sp>
     </p:spTree>
-    <p:extLst>
-      <p:ext uri="{BB962C8B-B14F-4D97-AF65-F5344CB8AC3E}">
-        <p14:creationId xmlns:p14="http://schemas.microsoft.com/office/powerpoint/2010/main" val="3492604126"/>
-      </p:ext>
-    </p:extLst>
   </p:cSld>
   <p:clrMapOvr>
     <a:masterClrMapping/>
   </p:clrMapOvr>
+  <p:timing>
+    <p:tnLst>
+      <p:par>
+        <p:cTn id="1" dur="indefinite" restart="never" nodeType="tmRoot"/>
+      </p:par>
+    </p:tnLst>
+  </p:timing>
 </p:sld>
 </file>
 
@@ -4171,69 +4348,290 @@
       </p:grpSpPr>
       <p:sp>
         <p:nvSpPr>
-          <p:cNvPr id="5" name="Прямоугольник 4"/>
-          <p:cNvSpPr/>
+          <p:cNvPr id="7" name="Номер слайда 36"/>
+          <p:cNvSpPr txBox="1">
+            <a:spLocks/>
+          </p:cNvSpPr>
           <p:nvPr/>
         </p:nvSpPr>
         <p:spPr>
           <a:xfrm>
-            <a:off x="0" y="0"/>
-            <a:ext cx="12192000" cy="6858000"/>
-          </a:xfrm>
-          <a:prstGeom prst="rect">
+            <a:off x="11208568" y="6237312"/>
+            <a:ext cx="648072" cy="432048"/>
+          </a:xfrm>
+          <a:prstGeom prst="roundRect">
             <a:avLst/>
           </a:prstGeom>
-          <a:solidFill>
-            <a:schemeClr val="tx2">
-              <a:lumMod val="75000"/>
-            </a:schemeClr>
-          </a:solidFill>
+          <a:ln w="25400" cap="flat" cmpd="sng" algn="ctr">
+            <a:solidFill>
+              <a:schemeClr val="tx2">
+                <a:lumMod val="60000"/>
+                <a:lumOff val="40000"/>
+              </a:schemeClr>
+            </a:solidFill>
+            <a:prstDash val="solid"/>
+          </a:ln>
         </p:spPr>
         <p:style>
           <a:lnRef idx="2">
-            <a:schemeClr val="accent1">
-              <a:shade val="50000"/>
-            </a:schemeClr>
+            <a:schemeClr val="accent1"/>
           </a:lnRef>
           <a:fillRef idx="1">
-            <a:schemeClr val="accent1"/>
+            <a:schemeClr val="lt1"/>
           </a:fillRef>
           <a:effectRef idx="0">
             <a:schemeClr val="accent1"/>
           </a:effectRef>
           <a:fontRef idx="minor">
-            <a:schemeClr val="lt1"/>
+            <a:schemeClr val="dk1"/>
           </a:fontRef>
         </p:style>
         <p:txBody>
-          <a:bodyPr rtlCol="0" anchor="ctr"/>
+          <a:bodyPr vert="horz" lIns="91440" tIns="45720" rIns="91440" bIns="45720" rtlCol="0" anchor="ctr"/>
+          <a:lstStyle/>
+          <a:p>
+            <a:pPr algn="ctr">
+              <a:defRPr/>
+            </a:pPr>
+            <a:fld id="{6389AA22-90B4-448C-8B6B-C699140D38B9}" type="slidenum">
+              <a:rPr lang="uk-UA" sz="2400" b="1">
+                <a:solidFill>
+                  <a:schemeClr val="bg1">
+                    <a:lumMod val="50000"/>
+                  </a:schemeClr>
+                </a:solidFill>
+              </a:rPr>
+              <a:pPr algn="ctr">
+                <a:defRPr/>
+              </a:pPr>
+              <a:t>11</a:t>
+            </a:fld>
+            <a:endParaRPr lang="uk-UA" sz="2400" b="1" dirty="0">
+              <a:solidFill>
+                <a:schemeClr val="bg1">
+                  <a:lumMod val="50000"/>
+                </a:schemeClr>
+              </a:solidFill>
+            </a:endParaRPr>
+          </a:p>
+        </p:txBody>
+      </p:sp>
+      <p:sp>
+        <p:nvSpPr>
+          <p:cNvPr id="3" name="Прямоугольник 2"/>
+          <p:cNvSpPr/>
+          <p:nvPr/>
+        </p:nvSpPr>
+        <p:spPr>
+          <a:xfrm>
+            <a:off x="0" y="332656"/>
+            <a:ext cx="12192000" cy="646331"/>
+          </a:xfrm>
+          <a:prstGeom prst="rect">
+            <a:avLst/>
+          </a:prstGeom>
+        </p:spPr>
+        <p:txBody>
+          <a:bodyPr wrap="square">
+            <a:spAutoFit/>
+          </a:bodyPr>
           <a:lstStyle/>
           <a:p>
             <a:pPr algn="ctr"/>
             <a:r>
-              <a:rPr lang="ru-RU" sz="6000" b="1" dirty="0" smtClean="0"/>
-              <a:t>3. </a:t>
-            </a:r>
-            <a:r>
-              <a:rPr lang="en-US" sz="6000" b="1" dirty="0" smtClean="0"/>
-              <a:t>JavaScript </a:t>
-            </a:r>
-            <a:r>
-              <a:rPr lang="ru-RU" sz="6000" b="1" dirty="0" smtClean="0"/>
+              <a:rPr lang="ru-RU" sz="3600" b="1" dirty="0"/>
+              <a:t>Изменение содержимого элемента и/или его свойств</a:t>
+            </a:r>
+          </a:p>
+        </p:txBody>
+      </p:sp>
+      <p:sp>
+        <p:nvSpPr>
+          <p:cNvPr id="10" name="TextBox 9"/>
+          <p:cNvSpPr txBox="1"/>
+          <p:nvPr/>
+        </p:nvSpPr>
+        <p:spPr>
+          <a:xfrm>
+            <a:off x="2351584" y="1244553"/>
+            <a:ext cx="8280920" cy="5201424"/>
+          </a:xfrm>
+          <a:prstGeom prst="rect">
+            <a:avLst/>
+          </a:prstGeom>
+          <a:noFill/>
+        </p:spPr>
+        <p:txBody>
+          <a:bodyPr wrap="square" rtlCol="0">
+            <a:spAutoFit/>
+          </a:bodyPr>
+          <a:lstStyle/>
+          <a:p>
+            <a:r>
+              <a:rPr lang="ru-RU" sz="2200" dirty="0"/>
+              <a:t>У тегов</a:t>
+            </a:r>
+            <a:r>
+              <a:rPr lang="en-US" sz="2200" dirty="0"/>
+              <a:t> </a:t>
+            </a:r>
+            <a:r>
+              <a:rPr lang="ru-RU" sz="2200" dirty="0"/>
+              <a:t>(</a:t>
+            </a:r>
+            <a:r>
+              <a:rPr lang="ru-RU" sz="2200" b="1" dirty="0"/>
+              <a:t>элементов</a:t>
+            </a:r>
+            <a:r>
+              <a:rPr lang="ru-RU" sz="2200" dirty="0"/>
+              <a:t> </a:t>
+            </a:r>
+            <a:r>
+              <a:rPr lang="en-US" sz="2200" b="1" dirty="0"/>
+              <a:t>HTML-</a:t>
+            </a:r>
+            <a:r>
+              <a:rPr lang="ru-RU" sz="2200" b="1" dirty="0"/>
+              <a:t>документа</a:t>
+            </a:r>
+            <a:r>
+              <a:rPr lang="ru-RU" sz="2200" dirty="0"/>
+              <a:t>) есть ряд свойства определяющие его содержимое и внешний вид:</a:t>
+            </a:r>
+          </a:p>
+          <a:p>
+            <a:pPr algn="ctr"/>
+            <a:r>
+              <a:rPr lang="ru-RU" sz="2400" b="1" dirty="0"/>
+              <a:t>…</a:t>
+            </a:r>
+            <a:endParaRPr lang="ru-RU" sz="2200" b="1" dirty="0"/>
+          </a:p>
+          <a:p>
+            <a:r>
+              <a:rPr lang="en-US" sz="2200" b="1" dirty="0"/>
+              <a:t>.</a:t>
+            </a:r>
+            <a:r>
+              <a:rPr lang="en-US" sz="2200" b="1" dirty="0" err="1"/>
+              <a:t>innerHTML</a:t>
+            </a:r>
+            <a:r>
+              <a:rPr lang="en-US" sz="2200" dirty="0"/>
+              <a:t> – </a:t>
+            </a:r>
+            <a:r>
+              <a:rPr lang="ru-RU" sz="2200" dirty="0"/>
+              <a:t>свойство определяющее (или задающее) содержимое тега (его контент), т.е. всё то что находиться между открывающимся и закрывающимся тегом;</a:t>
+            </a:r>
+            <a:r>
+              <a:rPr lang="en-US" sz="2200" b="1" dirty="0"/>
+              <a:t> </a:t>
+            </a:r>
+            <a:endParaRPr lang="ru-RU" sz="2200" b="1" dirty="0"/>
+          </a:p>
+          <a:p>
+            <a:endParaRPr lang="ru-RU" sz="2200" b="1" dirty="0"/>
+          </a:p>
+          <a:p>
+            <a:r>
+              <a:rPr lang="en-US" sz="2200" b="1" dirty="0"/>
+              <a:t>.style</a:t>
+            </a:r>
+            <a:r>
+              <a:rPr lang="en-US" sz="2200" dirty="0"/>
+              <a:t> – </a:t>
+            </a:r>
+            <a:r>
+              <a:rPr lang="ru-RU" sz="2200" dirty="0"/>
+              <a:t>свойство определяющее объект со всеми поддерживаемыми браузером стилевые свойства;</a:t>
+            </a:r>
+            <a:endParaRPr lang="en-US" sz="2200" dirty="0"/>
+          </a:p>
+          <a:p>
+            <a:endParaRPr lang="en-US" sz="2200" dirty="0"/>
+          </a:p>
+          <a:p>
+            <a:r>
+              <a:rPr lang="en-US" sz="2200" b="1" dirty="0" smtClean="0"/>
+              <a:t>.</a:t>
+            </a:r>
+            <a:r>
+              <a:rPr lang="en-US" sz="2200" b="1" dirty="0" err="1"/>
+              <a:t>classList</a:t>
+            </a:r>
+            <a:r>
+              <a:rPr lang="en-US" sz="2200" b="1" dirty="0"/>
+              <a:t> </a:t>
+            </a:r>
+            <a:r>
+              <a:rPr lang="en-US" sz="2200" dirty="0"/>
+              <a:t>– </a:t>
+            </a:r>
+            <a:r>
+              <a:rPr lang="ru-RU" sz="2200" dirty="0"/>
+              <a:t>свойство определяющее список классов тега (в виде массива, методы </a:t>
+            </a:r>
+            <a:r>
+              <a:rPr lang="en-US" sz="2200" b="1" dirty="0"/>
+              <a:t>.</a:t>
+            </a:r>
+            <a:r>
+              <a:rPr lang="en-US" sz="2200" b="1" dirty="0" err="1"/>
+              <a:t>classList.add</a:t>
+            </a:r>
+            <a:r>
+              <a:rPr lang="en-US" sz="2200" b="1" dirty="0"/>
+              <a:t>() </a:t>
+            </a:r>
+            <a:r>
+              <a:rPr lang="ru-RU" sz="2200" dirty="0"/>
               <a:t>и </a:t>
             </a:r>
             <a:r>
-              <a:rPr lang="ru-RU" sz="6000" b="1" dirty="0"/>
-              <a:t>интерактивность</a:t>
-            </a:r>
-            <a:endParaRPr lang="uk-UA" sz="6000" b="1" dirty="0"/>
+              <a:rPr lang="en-US" sz="2200" b="1" dirty="0" err="1"/>
+              <a:t>classList.remove</a:t>
+            </a:r>
+            <a:r>
+              <a:rPr lang="en-US" sz="2200" b="1" dirty="0"/>
+              <a:t>() </a:t>
+            </a:r>
+            <a:r>
+              <a:rPr lang="ru-RU" sz="2200" dirty="0"/>
+              <a:t>позволяют добавлять и удалять классы тега). А метод </a:t>
+            </a:r>
+            <a:r>
+              <a:rPr lang="en-US" sz="2200" b="1" dirty="0"/>
+              <a:t>.</a:t>
+            </a:r>
+            <a:r>
+              <a:rPr lang="en-US" sz="2200" b="1" dirty="0" err="1"/>
+              <a:t>classList.contains</a:t>
+            </a:r>
+            <a:r>
+              <a:rPr lang="en-US" sz="2200" b="1" dirty="0"/>
+              <a:t>() </a:t>
+            </a:r>
+            <a:r>
+              <a:rPr lang="ru-RU" sz="2200" dirty="0"/>
+              <a:t>позволяет узнать есть ли класс в списке.</a:t>
+            </a:r>
+            <a:endParaRPr lang="ru-RU" sz="2200" b="1" dirty="0"/>
+          </a:p>
+          <a:p>
+            <a:pPr algn="ctr"/>
+            <a:r>
+              <a:rPr lang="ru-RU" sz="2400" b="1" dirty="0"/>
+              <a:t>…</a:t>
+            </a:r>
           </a:p>
         </p:txBody>
       </p:sp>
     </p:spTree>
     <p:extLst>
       <p:ext uri="{BB962C8B-B14F-4D97-AF65-F5344CB8AC3E}">
-        <p14:creationId xmlns:p14="http://schemas.microsoft.com/office/powerpoint/2010/main" val="118080832"/>
+        <p14:creationId xmlns:p14="http://schemas.microsoft.com/office/powerpoint/2010/main" val="3492604126"/>
       </p:ext>
     </p:extLst>
   </p:cSld>
@@ -4262,268 +4660,69 @@
       </p:grpSpPr>
       <p:sp>
         <p:nvSpPr>
-          <p:cNvPr id="7" name="Номер слайда 36"/>
-          <p:cNvSpPr txBox="1">
-            <a:spLocks/>
-          </p:cNvSpPr>
+          <p:cNvPr id="5" name="Прямоугольник 4"/>
+          <p:cNvSpPr/>
           <p:nvPr/>
         </p:nvSpPr>
         <p:spPr>
           <a:xfrm>
-            <a:off x="11280576" y="6165304"/>
-            <a:ext cx="648072" cy="432048"/>
-          </a:xfrm>
-          <a:prstGeom prst="roundRect">
+            <a:off x="0" y="0"/>
+            <a:ext cx="12192000" cy="6858000"/>
+          </a:xfrm>
+          <a:prstGeom prst="rect">
             <a:avLst/>
           </a:prstGeom>
-          <a:ln w="25400" cap="flat" cmpd="sng" algn="ctr">
-            <a:solidFill>
-              <a:schemeClr val="tx2">
-                <a:lumMod val="60000"/>
-                <a:lumOff val="40000"/>
-              </a:schemeClr>
-            </a:solidFill>
-            <a:prstDash val="solid"/>
-          </a:ln>
+          <a:solidFill>
+            <a:schemeClr val="tx2">
+              <a:lumMod val="75000"/>
+            </a:schemeClr>
+          </a:solidFill>
         </p:spPr>
         <p:style>
           <a:lnRef idx="2">
-            <a:schemeClr val="accent1"/>
+            <a:schemeClr val="accent1">
+              <a:shade val="50000"/>
+            </a:schemeClr>
           </a:lnRef>
           <a:fillRef idx="1">
-            <a:schemeClr val="lt1"/>
+            <a:schemeClr val="accent1"/>
           </a:fillRef>
           <a:effectRef idx="0">
             <a:schemeClr val="accent1"/>
           </a:effectRef>
           <a:fontRef idx="minor">
-            <a:schemeClr val="dk1"/>
+            <a:schemeClr val="lt1"/>
           </a:fontRef>
         </p:style>
         <p:txBody>
-          <a:bodyPr vert="horz" lIns="91440" tIns="45720" rIns="91440" bIns="45720" rtlCol="0" anchor="ctr"/>
-          <a:lstStyle/>
-          <a:p>
-            <a:pPr algn="ctr">
-              <a:defRPr/>
-            </a:pPr>
-            <a:fld id="{6389AA22-90B4-448C-8B6B-C699140D38B9}" type="slidenum">
-              <a:rPr lang="uk-UA" sz="2400" b="1">
-                <a:solidFill>
-                  <a:schemeClr val="bg1">
-                    <a:lumMod val="50000"/>
-                  </a:schemeClr>
-                </a:solidFill>
-              </a:rPr>
-              <a:pPr algn="ctr">
-                <a:defRPr/>
-              </a:pPr>
-              <a:t>12</a:t>
-            </a:fld>
-            <a:endParaRPr lang="uk-UA" sz="2400" b="1" dirty="0">
-              <a:solidFill>
-                <a:schemeClr val="bg1">
-                  <a:lumMod val="50000"/>
-                </a:schemeClr>
-              </a:solidFill>
-            </a:endParaRPr>
-          </a:p>
-        </p:txBody>
-      </p:sp>
-      <p:sp>
-        <p:nvSpPr>
-          <p:cNvPr id="3" name="TextBox 2"/>
-          <p:cNvSpPr txBox="1"/>
-          <p:nvPr/>
-        </p:nvSpPr>
-        <p:spPr>
-          <a:xfrm>
-            <a:off x="0" y="332657"/>
-            <a:ext cx="12191999" cy="707886"/>
-          </a:xfrm>
-          <a:prstGeom prst="rect">
-            <a:avLst/>
-          </a:prstGeom>
-          <a:noFill/>
-        </p:spPr>
-        <p:txBody>
-          <a:bodyPr wrap="square" rtlCol="0">
-            <a:spAutoFit/>
-          </a:bodyPr>
+          <a:bodyPr rtlCol="0" anchor="ctr"/>
           <a:lstStyle/>
           <a:p>
             <a:pPr algn="ctr"/>
             <a:r>
-              <a:rPr lang="ru-RU" sz="4000" b="1" dirty="0" smtClean="0"/>
-              <a:t>События и интерактивность</a:t>
-            </a:r>
-            <a:endParaRPr lang="ru-RU" sz="4000" b="1" dirty="0"/>
-          </a:p>
-        </p:txBody>
-      </p:sp>
-      <p:sp>
-        <p:nvSpPr>
-          <p:cNvPr id="12" name="TextBox 11"/>
-          <p:cNvSpPr txBox="1"/>
-          <p:nvPr/>
-        </p:nvSpPr>
-        <p:spPr>
-          <a:xfrm>
-            <a:off x="983432" y="3717032"/>
-            <a:ext cx="10513168" cy="2246769"/>
-          </a:xfrm>
-          <a:prstGeom prst="rect">
-            <a:avLst/>
-          </a:prstGeom>
-          <a:noFill/>
-        </p:spPr>
-        <p:txBody>
-          <a:bodyPr wrap="square" rtlCol="0">
-            <a:spAutoFit/>
-          </a:bodyPr>
-          <a:lstStyle/>
-          <a:p>
-            <a:r>
-              <a:rPr lang="ru-RU" sz="2800" dirty="0"/>
-              <a:t>События </a:t>
-            </a:r>
-            <a:r>
-              <a:rPr lang="en-US" sz="2800" b="1" dirty="0" err="1" smtClean="0"/>
-              <a:t>oninput</a:t>
-            </a:r>
-            <a:r>
-              <a:rPr lang="en-US" sz="2800" dirty="0" smtClean="0"/>
-              <a:t> </a:t>
-            </a:r>
-            <a:r>
-              <a:rPr lang="ru-RU" sz="2800" dirty="0"/>
-              <a:t>у элемента ввода отвечает за моменты когда </a:t>
-            </a:r>
-            <a:r>
-              <a:rPr lang="ru-RU" sz="2800" b="1" dirty="0"/>
-              <a:t>осуществляется ввод данных </a:t>
-            </a:r>
-            <a:r>
-              <a:rPr lang="ru-RU" sz="2800" dirty="0"/>
-              <a:t>в </a:t>
-            </a:r>
-            <a:r>
-              <a:rPr lang="ru-RU" sz="2800" dirty="0" smtClean="0"/>
-              <a:t>элемент</a:t>
-            </a:r>
-            <a:r>
-              <a:rPr lang="en-US" sz="2800" dirty="0" smtClean="0"/>
-              <a:t> </a:t>
-            </a:r>
-            <a:r>
-              <a:rPr lang="ru-RU" sz="2800" dirty="0" smtClean="0"/>
-              <a:t>ввода, </a:t>
-            </a:r>
-            <a:r>
-              <a:rPr lang="ru-RU" sz="2800" dirty="0"/>
-              <a:t>т.е. в процессе ввода</a:t>
-            </a:r>
-            <a:r>
-              <a:rPr lang="ru-RU" sz="2800" dirty="0" smtClean="0"/>
-              <a:t>, например </a:t>
-            </a:r>
-            <a:r>
-              <a:rPr lang="ru-RU" sz="2800" dirty="0"/>
-              <a:t>когда пользователь вводит новые </a:t>
-            </a:r>
-            <a:r>
-              <a:rPr lang="ru-RU" sz="2800" dirty="0" smtClean="0"/>
-              <a:t>символы. </a:t>
-            </a:r>
-            <a:r>
-              <a:rPr lang="ru-RU" sz="2800" b="1" dirty="0" smtClean="0"/>
-              <a:t>Отслеживание</a:t>
-            </a:r>
-            <a:r>
-              <a:rPr lang="ru-RU" sz="2800" dirty="0" smtClean="0"/>
-              <a:t> этого </a:t>
-            </a:r>
-            <a:r>
-              <a:rPr lang="ru-RU" sz="2800" b="1" dirty="0" smtClean="0"/>
-              <a:t>события</a:t>
-            </a:r>
-            <a:r>
-              <a:rPr lang="ru-RU" sz="2800" dirty="0" smtClean="0"/>
-              <a:t> позволяет в </a:t>
-            </a:r>
-            <a:r>
-              <a:rPr lang="ru-RU" sz="2800" b="1" dirty="0" smtClean="0"/>
-              <a:t>динамике</a:t>
-            </a:r>
-            <a:r>
-              <a:rPr lang="ru-RU" sz="2800" dirty="0" smtClean="0"/>
-              <a:t> </a:t>
-            </a:r>
-            <a:r>
-              <a:rPr lang="ru-RU" sz="2800" b="1" dirty="0" smtClean="0"/>
-              <a:t>реагировать</a:t>
-            </a:r>
-            <a:r>
-              <a:rPr lang="ru-RU" sz="2800" dirty="0" smtClean="0"/>
-              <a:t> на действия пользователя. </a:t>
-            </a:r>
-            <a:endParaRPr lang="ru-RU" sz="2800" dirty="0"/>
-          </a:p>
-        </p:txBody>
-      </p:sp>
-      <p:sp>
-        <p:nvSpPr>
-          <p:cNvPr id="5" name="TextBox 4"/>
-          <p:cNvSpPr txBox="1"/>
-          <p:nvPr/>
-        </p:nvSpPr>
-        <p:spPr>
-          <a:xfrm>
-            <a:off x="983432" y="1397094"/>
-            <a:ext cx="10513168" cy="1815882"/>
-          </a:xfrm>
-          <a:prstGeom prst="rect">
-            <a:avLst/>
-          </a:prstGeom>
-          <a:noFill/>
-        </p:spPr>
-        <p:txBody>
-          <a:bodyPr wrap="square" rtlCol="0">
-            <a:spAutoFit/>
-          </a:bodyPr>
-          <a:lstStyle/>
-          <a:p>
-            <a:r>
-              <a:rPr lang="ru-RU" sz="2800" b="1" dirty="0"/>
-              <a:t>Функции</a:t>
-            </a:r>
-            <a:r>
-              <a:rPr lang="ru-RU" sz="2800" dirty="0"/>
-              <a:t> тесно </a:t>
-            </a:r>
-            <a:r>
-              <a:rPr lang="ru-RU" sz="2800" b="1" dirty="0"/>
-              <a:t>связаны с обработкой событий</a:t>
-            </a:r>
-            <a:r>
-              <a:rPr lang="ru-RU" sz="2800" dirty="0"/>
-              <a:t>, мы можем указать браузеру </a:t>
-            </a:r>
-            <a:r>
-              <a:rPr lang="ru-RU" sz="2800" b="1" dirty="0"/>
-              <a:t>какую функцию необходимо вызывать, в случае наступления какого-либо события</a:t>
-            </a:r>
-            <a:r>
-              <a:rPr lang="ru-RU" sz="2800" dirty="0"/>
-              <a:t>. События это не только клик мышкой, но и, например изменение данных в элементе ввода.</a:t>
-            </a:r>
+              <a:rPr lang="ru-RU" sz="6000" b="1" dirty="0" smtClean="0"/>
+              <a:t>3. </a:t>
+            </a:r>
+            <a:r>
+              <a:rPr lang="en-US" sz="6000" b="1" dirty="0" smtClean="0"/>
+              <a:t>JavaScript </a:t>
+            </a:r>
+            <a:r>
+              <a:rPr lang="ru-RU" sz="6000" b="1" dirty="0" smtClean="0"/>
+              <a:t>и </a:t>
+            </a:r>
+            <a:r>
+              <a:rPr lang="ru-RU" sz="6000" b="1" dirty="0"/>
+              <a:t>интерактивность</a:t>
+            </a:r>
+            <a:endParaRPr lang="uk-UA" sz="6000" b="1" dirty="0"/>
           </a:p>
         </p:txBody>
       </p:sp>
     </p:spTree>
     <p:extLst>
       <p:ext uri="{BB962C8B-B14F-4D97-AF65-F5344CB8AC3E}">
-        <p14:creationId xmlns:p14="http://schemas.microsoft.com/office/powerpoint/2010/main" val="1173245084"/>
+        <p14:creationId xmlns:p14="http://schemas.microsoft.com/office/powerpoint/2010/main" val="118080832"/>
       </p:ext>
     </p:extLst>
   </p:cSld>
@@ -4552,61 +4751,268 @@
       </p:grpSpPr>
       <p:sp>
         <p:nvSpPr>
-          <p:cNvPr id="5" name="Прямоугольник 4"/>
-          <p:cNvSpPr/>
+          <p:cNvPr id="7" name="Номер слайда 36"/>
+          <p:cNvSpPr txBox="1">
+            <a:spLocks/>
+          </p:cNvSpPr>
           <p:nvPr/>
         </p:nvSpPr>
         <p:spPr>
           <a:xfrm>
-            <a:off x="0" y="0"/>
-            <a:ext cx="12192000" cy="6858000"/>
-          </a:xfrm>
-          <a:prstGeom prst="rect">
+            <a:off x="11280576" y="6165304"/>
+            <a:ext cx="648072" cy="432048"/>
+          </a:xfrm>
+          <a:prstGeom prst="roundRect">
             <a:avLst/>
           </a:prstGeom>
-          <a:solidFill>
-            <a:schemeClr val="tx2">
-              <a:lumMod val="75000"/>
-            </a:schemeClr>
-          </a:solidFill>
+          <a:ln w="25400" cap="flat" cmpd="sng" algn="ctr">
+            <a:solidFill>
+              <a:schemeClr val="tx2">
+                <a:lumMod val="60000"/>
+                <a:lumOff val="40000"/>
+              </a:schemeClr>
+            </a:solidFill>
+            <a:prstDash val="solid"/>
+          </a:ln>
         </p:spPr>
         <p:style>
           <a:lnRef idx="2">
-            <a:schemeClr val="accent1">
-              <a:shade val="50000"/>
-            </a:schemeClr>
+            <a:schemeClr val="accent1"/>
           </a:lnRef>
           <a:fillRef idx="1">
-            <a:schemeClr val="accent1"/>
+            <a:schemeClr val="lt1"/>
           </a:fillRef>
           <a:effectRef idx="0">
             <a:schemeClr val="accent1"/>
           </a:effectRef>
           <a:fontRef idx="minor">
-            <a:schemeClr val="lt1"/>
+            <a:schemeClr val="dk1"/>
           </a:fontRef>
         </p:style>
         <p:txBody>
-          <a:bodyPr rtlCol="0" anchor="ctr"/>
+          <a:bodyPr vert="horz" lIns="91440" tIns="45720" rIns="91440" bIns="45720" rtlCol="0" anchor="ctr"/>
+          <a:lstStyle/>
+          <a:p>
+            <a:pPr algn="ctr">
+              <a:defRPr/>
+            </a:pPr>
+            <a:fld id="{6389AA22-90B4-448C-8B6B-C699140D38B9}" type="slidenum">
+              <a:rPr lang="uk-UA" sz="2400" b="1">
+                <a:solidFill>
+                  <a:schemeClr val="bg1">
+                    <a:lumMod val="50000"/>
+                  </a:schemeClr>
+                </a:solidFill>
+              </a:rPr>
+              <a:pPr algn="ctr">
+                <a:defRPr/>
+              </a:pPr>
+              <a:t>13</a:t>
+            </a:fld>
+            <a:endParaRPr lang="uk-UA" sz="2400" b="1" dirty="0">
+              <a:solidFill>
+                <a:schemeClr val="bg1">
+                  <a:lumMod val="50000"/>
+                </a:schemeClr>
+              </a:solidFill>
+            </a:endParaRPr>
+          </a:p>
+        </p:txBody>
+      </p:sp>
+      <p:sp>
+        <p:nvSpPr>
+          <p:cNvPr id="3" name="TextBox 2"/>
+          <p:cNvSpPr txBox="1"/>
+          <p:nvPr/>
+        </p:nvSpPr>
+        <p:spPr>
+          <a:xfrm>
+            <a:off x="0" y="332657"/>
+            <a:ext cx="12191999" cy="707886"/>
+          </a:xfrm>
+          <a:prstGeom prst="rect">
+            <a:avLst/>
+          </a:prstGeom>
+          <a:noFill/>
+        </p:spPr>
+        <p:txBody>
+          <a:bodyPr wrap="square" rtlCol="0">
+            <a:spAutoFit/>
+          </a:bodyPr>
           <a:lstStyle/>
           <a:p>
             <a:pPr algn="ctr"/>
             <a:r>
-              <a:rPr lang="ru-RU" sz="6000" b="1" dirty="0" smtClean="0"/>
-              <a:t>4. Немного практики </a:t>
-            </a:r>
-            <a:r>
-              <a:rPr lang="en-US" sz="6000" b="1" dirty="0" smtClean="0"/>
-              <a:t>#1</a:t>
-            </a:r>
-            <a:endParaRPr lang="uk-UA" sz="6000" b="1" dirty="0"/>
+              <a:rPr lang="ru-RU" sz="4000" b="1" dirty="0" smtClean="0"/>
+              <a:t>События и интерактивность</a:t>
+            </a:r>
+            <a:endParaRPr lang="ru-RU" sz="4000" b="1" dirty="0"/>
+          </a:p>
+        </p:txBody>
+      </p:sp>
+      <p:sp>
+        <p:nvSpPr>
+          <p:cNvPr id="12" name="TextBox 11"/>
+          <p:cNvSpPr txBox="1"/>
+          <p:nvPr/>
+        </p:nvSpPr>
+        <p:spPr>
+          <a:xfrm>
+            <a:off x="983432" y="3717032"/>
+            <a:ext cx="10513168" cy="2246769"/>
+          </a:xfrm>
+          <a:prstGeom prst="rect">
+            <a:avLst/>
+          </a:prstGeom>
+          <a:noFill/>
+        </p:spPr>
+        <p:txBody>
+          <a:bodyPr wrap="square" rtlCol="0">
+            <a:spAutoFit/>
+          </a:bodyPr>
+          <a:lstStyle/>
+          <a:p>
+            <a:r>
+              <a:rPr lang="ru-RU" sz="2800" dirty="0"/>
+              <a:t>События </a:t>
+            </a:r>
+            <a:r>
+              <a:rPr lang="en-US" sz="2800" b="1" dirty="0" err="1" smtClean="0"/>
+              <a:t>oninput</a:t>
+            </a:r>
+            <a:r>
+              <a:rPr lang="en-US" sz="2800" dirty="0" smtClean="0"/>
+              <a:t> </a:t>
+            </a:r>
+            <a:r>
+              <a:rPr lang="ru-RU" sz="2800" dirty="0"/>
+              <a:t>у элемента ввода отвечает за моменты когда </a:t>
+            </a:r>
+            <a:r>
+              <a:rPr lang="ru-RU" sz="2800" b="1" dirty="0"/>
+              <a:t>осуществляется ввод данных </a:t>
+            </a:r>
+            <a:r>
+              <a:rPr lang="ru-RU" sz="2800" dirty="0"/>
+              <a:t>в </a:t>
+            </a:r>
+            <a:r>
+              <a:rPr lang="ru-RU" sz="2800" dirty="0" smtClean="0"/>
+              <a:t>элемент</a:t>
+            </a:r>
+            <a:r>
+              <a:rPr lang="en-US" sz="2800" dirty="0" smtClean="0"/>
+              <a:t> </a:t>
+            </a:r>
+            <a:r>
+              <a:rPr lang="ru-RU" sz="2800" dirty="0" smtClean="0"/>
+              <a:t>ввода, </a:t>
+            </a:r>
+            <a:r>
+              <a:rPr lang="ru-RU" sz="2800" dirty="0"/>
+              <a:t>т.е. в процессе ввода</a:t>
+            </a:r>
+            <a:r>
+              <a:rPr lang="ru-RU" sz="2800" dirty="0" smtClean="0"/>
+              <a:t>, например </a:t>
+            </a:r>
+            <a:r>
+              <a:rPr lang="ru-RU" sz="2800" dirty="0"/>
+              <a:t>когда пользователь вводит новые </a:t>
+            </a:r>
+            <a:r>
+              <a:rPr lang="ru-RU" sz="2800" dirty="0" smtClean="0"/>
+              <a:t>символы. </a:t>
+            </a:r>
+            <a:r>
+              <a:rPr lang="ru-RU" sz="2800" b="1" dirty="0" smtClean="0"/>
+              <a:t>Отслеживание</a:t>
+            </a:r>
+            <a:r>
+              <a:rPr lang="ru-RU" sz="2800" dirty="0" smtClean="0"/>
+              <a:t> этого </a:t>
+            </a:r>
+            <a:r>
+              <a:rPr lang="ru-RU" sz="2800" b="1" dirty="0" smtClean="0"/>
+              <a:t>события</a:t>
+            </a:r>
+            <a:r>
+              <a:rPr lang="ru-RU" sz="2800" dirty="0" smtClean="0"/>
+              <a:t> позволяет в </a:t>
+            </a:r>
+            <a:r>
+              <a:rPr lang="ru-RU" sz="2800" b="1" dirty="0" smtClean="0"/>
+              <a:t>динамике</a:t>
+            </a:r>
+            <a:r>
+              <a:rPr lang="ru-RU" sz="2800" dirty="0" smtClean="0"/>
+              <a:t> </a:t>
+            </a:r>
+            <a:r>
+              <a:rPr lang="ru-RU" sz="2800" b="1" dirty="0" smtClean="0"/>
+              <a:t>реагировать</a:t>
+            </a:r>
+            <a:r>
+              <a:rPr lang="ru-RU" sz="2800" dirty="0" smtClean="0"/>
+              <a:t> на действия пользователя. </a:t>
+            </a:r>
+            <a:endParaRPr lang="ru-RU" sz="2800" dirty="0"/>
+          </a:p>
+        </p:txBody>
+      </p:sp>
+      <p:sp>
+        <p:nvSpPr>
+          <p:cNvPr id="5" name="TextBox 4"/>
+          <p:cNvSpPr txBox="1"/>
+          <p:nvPr/>
+        </p:nvSpPr>
+        <p:spPr>
+          <a:xfrm>
+            <a:off x="983432" y="1397094"/>
+            <a:ext cx="10513168" cy="1815882"/>
+          </a:xfrm>
+          <a:prstGeom prst="rect">
+            <a:avLst/>
+          </a:prstGeom>
+          <a:noFill/>
+        </p:spPr>
+        <p:txBody>
+          <a:bodyPr wrap="square" rtlCol="0">
+            <a:spAutoFit/>
+          </a:bodyPr>
+          <a:lstStyle/>
+          <a:p>
+            <a:r>
+              <a:rPr lang="ru-RU" sz="2800" b="1" dirty="0"/>
+              <a:t>Функции</a:t>
+            </a:r>
+            <a:r>
+              <a:rPr lang="ru-RU" sz="2800" dirty="0"/>
+              <a:t> тесно </a:t>
+            </a:r>
+            <a:r>
+              <a:rPr lang="ru-RU" sz="2800" b="1" dirty="0"/>
+              <a:t>связаны с обработкой событий</a:t>
+            </a:r>
+            <a:r>
+              <a:rPr lang="ru-RU" sz="2800" dirty="0"/>
+              <a:t>, мы можем указать браузеру </a:t>
+            </a:r>
+            <a:r>
+              <a:rPr lang="ru-RU" sz="2800" b="1" dirty="0"/>
+              <a:t>какую функцию необходимо вызывать, в случае наступления какого-либо события</a:t>
+            </a:r>
+            <a:r>
+              <a:rPr lang="ru-RU" sz="2800" dirty="0"/>
+              <a:t>. События это не только клик мышкой, но и, например изменение данных в элементе ввода.</a:t>
+            </a:r>
           </a:p>
         </p:txBody>
       </p:sp>
     </p:spTree>
     <p:extLst>
       <p:ext uri="{BB962C8B-B14F-4D97-AF65-F5344CB8AC3E}">
-        <p14:creationId xmlns:p14="http://schemas.microsoft.com/office/powerpoint/2010/main" val="1825803590"/>
+        <p14:creationId xmlns:p14="http://schemas.microsoft.com/office/powerpoint/2010/main" val="1173245084"/>
       </p:ext>
     </p:extLst>
   </p:cSld>
@@ -4635,216 +5041,61 @@
       </p:grpSpPr>
       <p:sp>
         <p:nvSpPr>
-          <p:cNvPr id="7" name="Номер слайда 36"/>
-          <p:cNvSpPr txBox="1">
-            <a:spLocks/>
-          </p:cNvSpPr>
+          <p:cNvPr id="5" name="Прямоугольник 4"/>
+          <p:cNvSpPr/>
           <p:nvPr/>
         </p:nvSpPr>
         <p:spPr>
           <a:xfrm>
-            <a:off x="11280576" y="6165304"/>
-            <a:ext cx="648072" cy="432048"/>
-          </a:xfrm>
-          <a:prstGeom prst="roundRect">
+            <a:off x="0" y="0"/>
+            <a:ext cx="12192000" cy="6858000"/>
+          </a:xfrm>
+          <a:prstGeom prst="rect">
             <a:avLst/>
           </a:prstGeom>
-          <a:ln w="25400" cap="flat" cmpd="sng" algn="ctr">
-            <a:solidFill>
-              <a:schemeClr val="tx2">
-                <a:lumMod val="60000"/>
-                <a:lumOff val="40000"/>
-              </a:schemeClr>
-            </a:solidFill>
-            <a:prstDash val="solid"/>
-          </a:ln>
+          <a:solidFill>
+            <a:schemeClr val="tx2">
+              <a:lumMod val="75000"/>
+            </a:schemeClr>
+          </a:solidFill>
         </p:spPr>
         <p:style>
           <a:lnRef idx="2">
-            <a:schemeClr val="accent1"/>
+            <a:schemeClr val="accent1">
+              <a:shade val="50000"/>
+            </a:schemeClr>
           </a:lnRef>
           <a:fillRef idx="1">
-            <a:schemeClr val="lt1"/>
+            <a:schemeClr val="accent1"/>
           </a:fillRef>
           <a:effectRef idx="0">
             <a:schemeClr val="accent1"/>
           </a:effectRef>
           <a:fontRef idx="minor">
-            <a:schemeClr val="dk1"/>
+            <a:schemeClr val="lt1"/>
           </a:fontRef>
         </p:style>
         <p:txBody>
-          <a:bodyPr vert="horz" lIns="91440" tIns="45720" rIns="91440" bIns="45720" rtlCol="0" anchor="ctr"/>
-          <a:lstStyle/>
-          <a:p>
-            <a:pPr algn="ctr">
-              <a:defRPr/>
-            </a:pPr>
-            <a:fld id="{6389AA22-90B4-448C-8B6B-C699140D38B9}" type="slidenum">
-              <a:rPr lang="uk-UA" sz="2400" b="1">
-                <a:solidFill>
-                  <a:schemeClr val="bg1">
-                    <a:lumMod val="50000"/>
-                  </a:schemeClr>
-                </a:solidFill>
-              </a:rPr>
-              <a:pPr algn="ctr">
-                <a:defRPr/>
-              </a:pPr>
-              <a:t>14</a:t>
-            </a:fld>
-            <a:endParaRPr lang="uk-UA" sz="2400" b="1" dirty="0">
-              <a:solidFill>
-                <a:schemeClr val="bg1">
-                  <a:lumMod val="50000"/>
-                </a:schemeClr>
-              </a:solidFill>
-            </a:endParaRPr>
-          </a:p>
-        </p:txBody>
-      </p:sp>
-      <p:sp>
-        <p:nvSpPr>
-          <p:cNvPr id="3" name="TextBox 2"/>
-          <p:cNvSpPr txBox="1"/>
-          <p:nvPr/>
-        </p:nvSpPr>
-        <p:spPr>
-          <a:xfrm>
-            <a:off x="0" y="332656"/>
-            <a:ext cx="12192000" cy="646331"/>
-          </a:xfrm>
-          <a:prstGeom prst="rect">
-            <a:avLst/>
-          </a:prstGeom>
-          <a:noFill/>
-        </p:spPr>
-        <p:txBody>
-          <a:bodyPr wrap="square" rtlCol="0">
-            <a:spAutoFit/>
-          </a:bodyPr>
+          <a:bodyPr rtlCol="0" anchor="ctr"/>
           <a:lstStyle/>
           <a:p>
             <a:pPr algn="ctr"/>
             <a:r>
-              <a:rPr lang="ru-RU" sz="3600" b="1" dirty="0" smtClean="0"/>
-              <a:t>Элементы, события и интерактивность в </a:t>
-            </a:r>
-            <a:r>
-              <a:rPr lang="en-US" sz="3600" b="1" dirty="0"/>
-              <a:t>JavaScript</a:t>
-            </a:r>
-            <a:endParaRPr lang="ru-RU" sz="3600" b="1" dirty="0"/>
-          </a:p>
-        </p:txBody>
-      </p:sp>
-      <p:sp>
-        <p:nvSpPr>
-          <p:cNvPr id="4" name="TextBox 3"/>
-          <p:cNvSpPr txBox="1"/>
-          <p:nvPr/>
-        </p:nvSpPr>
-        <p:spPr>
-          <a:xfrm>
-            <a:off x="6486093" y="3092767"/>
-            <a:ext cx="5010507" cy="1200329"/>
-          </a:xfrm>
-          <a:prstGeom prst="rect">
-            <a:avLst/>
-          </a:prstGeom>
-          <a:noFill/>
-        </p:spPr>
-        <p:txBody>
-          <a:bodyPr wrap="square" rtlCol="0">
-            <a:spAutoFit/>
-          </a:bodyPr>
-          <a:lstStyle/>
-          <a:p>
-            <a:r>
-              <a:rPr lang="ru-RU" sz="2400" dirty="0" smtClean="0"/>
-              <a:t>Воспользуйтесь шаблоном в </a:t>
-            </a:r>
-            <a:r>
-              <a:rPr lang="ru-RU" sz="2400" dirty="0" err="1" smtClean="0"/>
-              <a:t>репозитории</a:t>
-            </a:r>
-            <a:r>
-              <a:rPr lang="ru-RU" sz="2400" dirty="0" smtClean="0"/>
-              <a:t> занятия:</a:t>
-            </a:r>
-            <a:br>
-              <a:rPr lang="ru-RU" sz="2400" dirty="0" smtClean="0"/>
-            </a:br>
-            <a:r>
-              <a:rPr lang="en-US" sz="2400" b="1" dirty="0">
-                <a:solidFill>
-                  <a:srgbClr val="0070C0"/>
-                </a:solidFill>
-              </a:rPr>
-              <a:t>./</a:t>
-            </a:r>
-            <a:r>
-              <a:rPr lang="en-US" sz="2400" b="1" dirty="0" err="1">
-                <a:solidFill>
-                  <a:srgbClr val="0070C0"/>
-                </a:solidFill>
-              </a:rPr>
-              <a:t>src</a:t>
-            </a:r>
-            <a:r>
-              <a:rPr lang="en-US" sz="2400" b="1" dirty="0">
-                <a:solidFill>
-                  <a:srgbClr val="0070C0"/>
-                </a:solidFill>
-              </a:rPr>
-              <a:t>/accessibility-demo-template</a:t>
-            </a:r>
-            <a:endParaRPr lang="ru-RU" sz="2400" b="1" dirty="0">
-              <a:solidFill>
-                <a:srgbClr val="0070C0"/>
-              </a:solidFill>
-            </a:endParaRPr>
-          </a:p>
-        </p:txBody>
-      </p:sp>
-      <p:pic>
-        <p:nvPicPr>
-          <p:cNvPr id="2" name="Рисунок 1"/>
-          <p:cNvPicPr>
-            <a:picLocks noChangeAspect="1"/>
-          </p:cNvPicPr>
-          <p:nvPr/>
-        </p:nvPicPr>
-        <p:blipFill>
-          <a:blip r:embed="rId2"/>
-          <a:stretch>
-            <a:fillRect/>
-          </a:stretch>
-        </p:blipFill>
-        <p:spPr>
-          <a:xfrm>
-            <a:off x="407368" y="1484784"/>
-            <a:ext cx="5704484" cy="4536504"/>
-          </a:xfrm>
-          <a:prstGeom prst="rect">
-            <a:avLst/>
-          </a:prstGeom>
-          <a:ln>
-            <a:noFill/>
-          </a:ln>
-          <a:effectLst>
-            <a:outerShdw blurRad="190500" algn="tl" rotWithShape="0">
-              <a:srgbClr val="000000">
-                <a:alpha val="70000"/>
-              </a:srgbClr>
-            </a:outerShdw>
-          </a:effectLst>
-        </p:spPr>
-      </p:pic>
+              <a:rPr lang="ru-RU" sz="6000" b="1" dirty="0" smtClean="0"/>
+              <a:t>4. Немного практики </a:t>
+            </a:r>
+            <a:r>
+              <a:rPr lang="en-US" sz="6000" b="1" dirty="0" smtClean="0"/>
+              <a:t>#1</a:t>
+            </a:r>
+            <a:endParaRPr lang="uk-UA" sz="6000" b="1" dirty="0"/>
+          </a:p>
+        </p:txBody>
+      </p:sp>
     </p:spTree>
     <p:extLst>
       <p:ext uri="{BB962C8B-B14F-4D97-AF65-F5344CB8AC3E}">
-        <p14:creationId xmlns:p14="http://schemas.microsoft.com/office/powerpoint/2010/main" val="2204195996"/>
+        <p14:creationId xmlns:p14="http://schemas.microsoft.com/office/powerpoint/2010/main" val="1825803590"/>
       </p:ext>
     </p:extLst>
   </p:cSld>
@@ -4873,65 +5124,216 @@
       </p:grpSpPr>
       <p:sp>
         <p:nvSpPr>
-          <p:cNvPr id="5" name="Прямоугольник 4"/>
-          <p:cNvSpPr/>
+          <p:cNvPr id="7" name="Номер слайда 36"/>
+          <p:cNvSpPr txBox="1">
+            <a:spLocks/>
+          </p:cNvSpPr>
           <p:nvPr/>
         </p:nvSpPr>
         <p:spPr>
           <a:xfrm>
-            <a:off x="0" y="0"/>
-            <a:ext cx="12192000" cy="6858000"/>
-          </a:xfrm>
-          <a:prstGeom prst="rect">
+            <a:off x="11280576" y="6165304"/>
+            <a:ext cx="648072" cy="432048"/>
+          </a:xfrm>
+          <a:prstGeom prst="roundRect">
             <a:avLst/>
           </a:prstGeom>
-          <a:solidFill>
-            <a:schemeClr val="tx2">
-              <a:lumMod val="75000"/>
-            </a:schemeClr>
-          </a:solidFill>
+          <a:ln w="25400" cap="flat" cmpd="sng" algn="ctr">
+            <a:solidFill>
+              <a:schemeClr val="tx2">
+                <a:lumMod val="60000"/>
+                <a:lumOff val="40000"/>
+              </a:schemeClr>
+            </a:solidFill>
+            <a:prstDash val="solid"/>
+          </a:ln>
         </p:spPr>
         <p:style>
           <a:lnRef idx="2">
-            <a:schemeClr val="accent1">
-              <a:shade val="50000"/>
-            </a:schemeClr>
+            <a:schemeClr val="accent1"/>
           </a:lnRef>
           <a:fillRef idx="1">
-            <a:schemeClr val="accent1"/>
+            <a:schemeClr val="lt1"/>
           </a:fillRef>
           <a:effectRef idx="0">
             <a:schemeClr val="accent1"/>
           </a:effectRef>
           <a:fontRef idx="minor">
-            <a:schemeClr val="lt1"/>
+            <a:schemeClr val="dk1"/>
           </a:fontRef>
         </p:style>
         <p:txBody>
-          <a:bodyPr rtlCol="0" anchor="ctr"/>
+          <a:bodyPr vert="horz" lIns="91440" tIns="45720" rIns="91440" bIns="45720" rtlCol="0" anchor="ctr"/>
+          <a:lstStyle/>
+          <a:p>
+            <a:pPr algn="ctr">
+              <a:defRPr/>
+            </a:pPr>
+            <a:fld id="{6389AA22-90B4-448C-8B6B-C699140D38B9}" type="slidenum">
+              <a:rPr lang="uk-UA" sz="2400" b="1">
+                <a:solidFill>
+                  <a:schemeClr val="bg1">
+                    <a:lumMod val="50000"/>
+                  </a:schemeClr>
+                </a:solidFill>
+              </a:rPr>
+              <a:pPr algn="ctr">
+                <a:defRPr/>
+              </a:pPr>
+              <a:t>15</a:t>
+            </a:fld>
+            <a:endParaRPr lang="uk-UA" sz="2400" b="1" dirty="0">
+              <a:solidFill>
+                <a:schemeClr val="bg1">
+                  <a:lumMod val="50000"/>
+                </a:schemeClr>
+              </a:solidFill>
+            </a:endParaRPr>
+          </a:p>
+        </p:txBody>
+      </p:sp>
+      <p:sp>
+        <p:nvSpPr>
+          <p:cNvPr id="3" name="TextBox 2"/>
+          <p:cNvSpPr txBox="1"/>
+          <p:nvPr/>
+        </p:nvSpPr>
+        <p:spPr>
+          <a:xfrm>
+            <a:off x="0" y="332656"/>
+            <a:ext cx="12192000" cy="646331"/>
+          </a:xfrm>
+          <a:prstGeom prst="rect">
+            <a:avLst/>
+          </a:prstGeom>
+          <a:noFill/>
+        </p:spPr>
+        <p:txBody>
+          <a:bodyPr wrap="square" rtlCol="0">
+            <a:spAutoFit/>
+          </a:bodyPr>
           <a:lstStyle/>
           <a:p>
             <a:pPr algn="ctr"/>
             <a:r>
-              <a:rPr lang="en-US" sz="6000" b="1" dirty="0" smtClean="0"/>
-              <a:t>5</a:t>
-            </a:r>
-            <a:r>
-              <a:rPr lang="ru-RU" sz="6000" b="1" dirty="0" smtClean="0"/>
-              <a:t>. Немного практики </a:t>
-            </a:r>
-            <a:r>
-              <a:rPr lang="en-US" sz="6000" b="1" dirty="0" smtClean="0"/>
-              <a:t>#2</a:t>
-            </a:r>
-            <a:endParaRPr lang="uk-UA" sz="6000" b="1" dirty="0"/>
-          </a:p>
-        </p:txBody>
-      </p:sp>
+              <a:rPr lang="ru-RU" sz="3600" b="1" dirty="0" smtClean="0"/>
+              <a:t>Элементы, события и интерактивность в </a:t>
+            </a:r>
+            <a:r>
+              <a:rPr lang="en-US" sz="3600" b="1" dirty="0"/>
+              <a:t>JavaScript</a:t>
+            </a:r>
+            <a:endParaRPr lang="ru-RU" sz="3600" b="1" dirty="0"/>
+          </a:p>
+        </p:txBody>
+      </p:sp>
+      <p:sp>
+        <p:nvSpPr>
+          <p:cNvPr id="4" name="TextBox 3"/>
+          <p:cNvSpPr txBox="1"/>
+          <p:nvPr/>
+        </p:nvSpPr>
+        <p:spPr>
+          <a:xfrm>
+            <a:off x="6486093" y="3092767"/>
+            <a:ext cx="5010507" cy="1200329"/>
+          </a:xfrm>
+          <a:prstGeom prst="rect">
+            <a:avLst/>
+          </a:prstGeom>
+          <a:noFill/>
+        </p:spPr>
+        <p:txBody>
+          <a:bodyPr wrap="square" rtlCol="0">
+            <a:spAutoFit/>
+          </a:bodyPr>
+          <a:lstStyle/>
+          <a:p>
+            <a:r>
+              <a:rPr lang="ru-RU" sz="2400" dirty="0" smtClean="0"/>
+              <a:t>Воспользуйтесь шаблоном в </a:t>
+            </a:r>
+            <a:r>
+              <a:rPr lang="ru-RU" sz="2400" dirty="0" err="1" smtClean="0"/>
+              <a:t>репозитории</a:t>
+            </a:r>
+            <a:r>
+              <a:rPr lang="ru-RU" sz="2400" dirty="0" smtClean="0"/>
+              <a:t> занятия:</a:t>
+            </a:r>
+            <a:br>
+              <a:rPr lang="ru-RU" sz="2400" dirty="0" smtClean="0"/>
+            </a:br>
+            <a:r>
+              <a:rPr lang="en-US" sz="2400" b="1" dirty="0">
+                <a:solidFill>
+                  <a:srgbClr val="0070C0"/>
+                </a:solidFill>
+              </a:rPr>
+              <a:t>./</a:t>
+            </a:r>
+            <a:r>
+              <a:rPr lang="en-US" sz="2400" b="1" dirty="0" err="1">
+                <a:solidFill>
+                  <a:srgbClr val="0070C0"/>
+                </a:solidFill>
+              </a:rPr>
+              <a:t>src</a:t>
+            </a:r>
+            <a:r>
+              <a:rPr lang="en-US" sz="2400" b="1" dirty="0">
+                <a:solidFill>
+                  <a:srgbClr val="0070C0"/>
+                </a:solidFill>
+              </a:rPr>
+              <a:t>/accessibility-demo-template</a:t>
+            </a:r>
+            <a:endParaRPr lang="ru-RU" sz="2400" b="1" dirty="0">
+              <a:solidFill>
+                <a:srgbClr val="0070C0"/>
+              </a:solidFill>
+            </a:endParaRPr>
+          </a:p>
+        </p:txBody>
+      </p:sp>
+      <p:pic>
+        <p:nvPicPr>
+          <p:cNvPr id="2" name="Рисунок 1"/>
+          <p:cNvPicPr>
+            <a:picLocks noChangeAspect="1"/>
+          </p:cNvPicPr>
+          <p:nvPr/>
+        </p:nvPicPr>
+        <p:blipFill>
+          <a:blip r:embed="rId2"/>
+          <a:stretch>
+            <a:fillRect/>
+          </a:stretch>
+        </p:blipFill>
+        <p:spPr>
+          <a:xfrm>
+            <a:off x="407368" y="1484784"/>
+            <a:ext cx="5704484" cy="4536504"/>
+          </a:xfrm>
+          <a:prstGeom prst="rect">
+            <a:avLst/>
+          </a:prstGeom>
+          <a:ln>
+            <a:noFill/>
+          </a:ln>
+          <a:effectLst>
+            <a:outerShdw blurRad="190500" algn="tl" rotWithShape="0">
+              <a:srgbClr val="000000">
+                <a:alpha val="70000"/>
+              </a:srgbClr>
+            </a:outerShdw>
+          </a:effectLst>
+        </p:spPr>
+      </p:pic>
     </p:spTree>
     <p:extLst>
       <p:ext uri="{BB962C8B-B14F-4D97-AF65-F5344CB8AC3E}">
-        <p14:creationId xmlns:p14="http://schemas.microsoft.com/office/powerpoint/2010/main" val="2292967714"/>
+        <p14:creationId xmlns:p14="http://schemas.microsoft.com/office/powerpoint/2010/main" val="2204195996"/>
       </p:ext>
     </p:extLst>
   </p:cSld>
@@ -4960,215 +5362,65 @@
       </p:grpSpPr>
       <p:sp>
         <p:nvSpPr>
-          <p:cNvPr id="7" name="Номер слайда 36"/>
-          <p:cNvSpPr txBox="1">
-            <a:spLocks/>
-          </p:cNvSpPr>
+          <p:cNvPr id="5" name="Прямоугольник 4"/>
+          <p:cNvSpPr/>
           <p:nvPr/>
         </p:nvSpPr>
         <p:spPr>
           <a:xfrm>
-            <a:off x="11280576" y="6165304"/>
-            <a:ext cx="648072" cy="432048"/>
-          </a:xfrm>
-          <a:prstGeom prst="roundRect">
+            <a:off x="0" y="0"/>
+            <a:ext cx="12192000" cy="6858000"/>
+          </a:xfrm>
+          <a:prstGeom prst="rect">
             <a:avLst/>
           </a:prstGeom>
-          <a:ln w="25400" cap="flat" cmpd="sng" algn="ctr">
-            <a:solidFill>
-              <a:schemeClr val="tx2">
-                <a:lumMod val="60000"/>
-                <a:lumOff val="40000"/>
-              </a:schemeClr>
-            </a:solidFill>
-            <a:prstDash val="solid"/>
-          </a:ln>
+          <a:solidFill>
+            <a:schemeClr val="tx2">
+              <a:lumMod val="75000"/>
+            </a:schemeClr>
+          </a:solidFill>
         </p:spPr>
         <p:style>
           <a:lnRef idx="2">
-            <a:schemeClr val="accent1"/>
+            <a:schemeClr val="accent1">
+              <a:shade val="50000"/>
+            </a:schemeClr>
           </a:lnRef>
           <a:fillRef idx="1">
-            <a:schemeClr val="lt1"/>
+            <a:schemeClr val="accent1"/>
           </a:fillRef>
           <a:effectRef idx="0">
             <a:schemeClr val="accent1"/>
           </a:effectRef>
           <a:fontRef idx="minor">
-            <a:schemeClr val="dk1"/>
+            <a:schemeClr val="lt1"/>
           </a:fontRef>
         </p:style>
         <p:txBody>
-          <a:bodyPr vert="horz" lIns="91440" tIns="45720" rIns="91440" bIns="45720" rtlCol="0" anchor="ctr"/>
-          <a:lstStyle/>
-          <a:p>
-            <a:pPr algn="ctr">
-              <a:defRPr/>
-            </a:pPr>
-            <a:fld id="{6389AA22-90B4-448C-8B6B-C699140D38B9}" type="slidenum">
-              <a:rPr lang="uk-UA" sz="2400" b="1">
-                <a:solidFill>
-                  <a:schemeClr val="bg1">
-                    <a:lumMod val="50000"/>
-                  </a:schemeClr>
-                </a:solidFill>
-              </a:rPr>
-              <a:pPr algn="ctr">
-                <a:defRPr/>
-              </a:pPr>
-              <a:t>16</a:t>
-            </a:fld>
-            <a:endParaRPr lang="uk-UA" sz="2400" b="1" dirty="0">
-              <a:solidFill>
-                <a:schemeClr val="bg1">
-                  <a:lumMod val="50000"/>
-                </a:schemeClr>
-              </a:solidFill>
-            </a:endParaRPr>
-          </a:p>
-        </p:txBody>
-      </p:sp>
-      <p:sp>
-        <p:nvSpPr>
-          <p:cNvPr id="3" name="TextBox 2"/>
-          <p:cNvSpPr txBox="1"/>
-          <p:nvPr/>
-        </p:nvSpPr>
-        <p:spPr>
-          <a:xfrm>
-            <a:off x="0" y="427311"/>
-            <a:ext cx="12192000" cy="769441"/>
-          </a:xfrm>
-          <a:prstGeom prst="rect">
-            <a:avLst/>
-          </a:prstGeom>
-          <a:noFill/>
-        </p:spPr>
-        <p:txBody>
-          <a:bodyPr wrap="square" rtlCol="0">
-            <a:spAutoFit/>
-          </a:bodyPr>
+          <a:bodyPr rtlCol="0" anchor="ctr"/>
           <a:lstStyle/>
           <a:p>
             <a:pPr algn="ctr"/>
             <a:r>
-              <a:rPr lang="ru-RU" sz="4400" b="1" dirty="0" smtClean="0"/>
-              <a:t>Модальные окна / Тег </a:t>
-            </a:r>
-            <a:r>
-              <a:rPr lang="en-US" sz="4400" b="1" dirty="0" smtClean="0"/>
-              <a:t>&lt;dialog&gt;</a:t>
-            </a:r>
-            <a:endParaRPr lang="ru-RU" sz="4400" b="1" dirty="0"/>
-          </a:p>
-        </p:txBody>
-      </p:sp>
-      <p:sp>
-        <p:nvSpPr>
-          <p:cNvPr id="4" name="TextBox 3"/>
-          <p:cNvSpPr txBox="1"/>
-          <p:nvPr/>
-        </p:nvSpPr>
-        <p:spPr>
-          <a:xfrm>
-            <a:off x="6672064" y="3080863"/>
-            <a:ext cx="5010507" cy="1200329"/>
-          </a:xfrm>
-          <a:prstGeom prst="rect">
-            <a:avLst/>
-          </a:prstGeom>
-          <a:noFill/>
-        </p:spPr>
-        <p:txBody>
-          <a:bodyPr wrap="square" rtlCol="0">
-            <a:spAutoFit/>
-          </a:bodyPr>
-          <a:lstStyle/>
-          <a:p>
-            <a:r>
-              <a:rPr lang="ru-RU" sz="2400" dirty="0" smtClean="0"/>
-              <a:t>Воспользуйтесь шаблоном в </a:t>
-            </a:r>
-            <a:r>
-              <a:rPr lang="ru-RU" sz="2400" dirty="0" err="1" smtClean="0"/>
-              <a:t>репозитории</a:t>
-            </a:r>
-            <a:r>
-              <a:rPr lang="ru-RU" sz="2400" dirty="0" smtClean="0"/>
-              <a:t> занятия:</a:t>
-            </a:r>
-            <a:br>
-              <a:rPr lang="ru-RU" sz="2400" dirty="0" smtClean="0"/>
-            </a:br>
-            <a:r>
-              <a:rPr lang="en-US" sz="2400" b="1" dirty="0">
-                <a:solidFill>
-                  <a:srgbClr val="0070C0"/>
-                </a:solidFill>
-              </a:rPr>
-              <a:t>./</a:t>
-            </a:r>
-            <a:r>
-              <a:rPr lang="en-US" sz="2400" b="1" dirty="0" err="1" smtClean="0">
-                <a:solidFill>
-                  <a:srgbClr val="0070C0"/>
-                </a:solidFill>
-              </a:rPr>
-              <a:t>src</a:t>
-            </a:r>
-            <a:r>
-              <a:rPr lang="en-US" sz="2400" b="1" dirty="0" smtClean="0">
-                <a:solidFill>
-                  <a:srgbClr val="0070C0"/>
-                </a:solidFill>
-              </a:rPr>
-              <a:t>/dialog-demo-template</a:t>
-            </a:r>
-            <a:endParaRPr lang="ru-RU" sz="2400" b="1" dirty="0">
-              <a:solidFill>
-                <a:srgbClr val="0070C0"/>
-              </a:solidFill>
-            </a:endParaRPr>
-          </a:p>
-        </p:txBody>
-      </p:sp>
-      <p:pic>
-        <p:nvPicPr>
-          <p:cNvPr id="5" name="Рисунок 4"/>
-          <p:cNvPicPr>
-            <a:picLocks noChangeAspect="1"/>
-          </p:cNvPicPr>
-          <p:nvPr/>
-        </p:nvPicPr>
-        <p:blipFill rotWithShape="1">
-          <a:blip r:embed="rId2"/>
-          <a:srcRect l="11959" r="11689" b="879"/>
-          <a:stretch/>
-        </p:blipFill>
-        <p:spPr>
-          <a:xfrm>
-            <a:off x="767408" y="1844824"/>
-            <a:ext cx="5389876" cy="3932739"/>
-          </a:xfrm>
-          <a:prstGeom prst="rect">
-            <a:avLst/>
-          </a:prstGeom>
-          <a:ln>
-            <a:noFill/>
-          </a:ln>
-          <a:effectLst>
-            <a:outerShdw blurRad="190500" algn="tl" rotWithShape="0">
-              <a:srgbClr val="000000">
-                <a:alpha val="70000"/>
-              </a:srgbClr>
-            </a:outerShdw>
-          </a:effectLst>
-        </p:spPr>
-      </p:pic>
+              <a:rPr lang="en-US" sz="6000" b="1" dirty="0" smtClean="0"/>
+              <a:t>5</a:t>
+            </a:r>
+            <a:r>
+              <a:rPr lang="ru-RU" sz="6000" b="1" dirty="0" smtClean="0"/>
+              <a:t>. Немного практики </a:t>
+            </a:r>
+            <a:r>
+              <a:rPr lang="en-US" sz="6000" b="1" dirty="0" smtClean="0"/>
+              <a:t>#2</a:t>
+            </a:r>
+            <a:endParaRPr lang="uk-UA" sz="6000" b="1" dirty="0"/>
+          </a:p>
+        </p:txBody>
+      </p:sp>
     </p:spTree>
     <p:extLst>
       <p:ext uri="{BB962C8B-B14F-4D97-AF65-F5344CB8AC3E}">
-        <p14:creationId xmlns:p14="http://schemas.microsoft.com/office/powerpoint/2010/main" val="453438773"/>
+        <p14:creationId xmlns:p14="http://schemas.microsoft.com/office/powerpoint/2010/main" val="2292967714"/>
       </p:ext>
     </p:extLst>
   </p:cSld>
@@ -5197,57 +5449,215 @@
       </p:grpSpPr>
       <p:sp>
         <p:nvSpPr>
-          <p:cNvPr id="5" name="Прямоугольник 4"/>
-          <p:cNvSpPr/>
+          <p:cNvPr id="7" name="Номер слайда 36"/>
+          <p:cNvSpPr txBox="1">
+            <a:spLocks/>
+          </p:cNvSpPr>
           <p:nvPr/>
         </p:nvSpPr>
         <p:spPr>
           <a:xfrm>
-            <a:off x="0" y="0"/>
-            <a:ext cx="12192000" cy="6858000"/>
-          </a:xfrm>
-          <a:prstGeom prst="rect">
+            <a:off x="11280576" y="6165304"/>
+            <a:ext cx="648072" cy="432048"/>
+          </a:xfrm>
+          <a:prstGeom prst="roundRect">
             <a:avLst/>
           </a:prstGeom>
-          <a:solidFill>
-            <a:schemeClr val="tx2">
-              <a:lumMod val="75000"/>
-            </a:schemeClr>
-          </a:solidFill>
+          <a:ln w="25400" cap="flat" cmpd="sng" algn="ctr">
+            <a:solidFill>
+              <a:schemeClr val="tx2">
+                <a:lumMod val="60000"/>
+                <a:lumOff val="40000"/>
+              </a:schemeClr>
+            </a:solidFill>
+            <a:prstDash val="solid"/>
+          </a:ln>
         </p:spPr>
         <p:style>
           <a:lnRef idx="2">
-            <a:schemeClr val="accent1">
-              <a:shade val="50000"/>
-            </a:schemeClr>
+            <a:schemeClr val="accent1"/>
           </a:lnRef>
           <a:fillRef idx="1">
-            <a:schemeClr val="accent1"/>
+            <a:schemeClr val="lt1"/>
           </a:fillRef>
           <a:effectRef idx="0">
             <a:schemeClr val="accent1"/>
           </a:effectRef>
           <a:fontRef idx="minor">
-            <a:schemeClr val="lt1"/>
+            <a:schemeClr val="dk1"/>
           </a:fontRef>
         </p:style>
         <p:txBody>
-          <a:bodyPr rtlCol="0" anchor="ctr"/>
+          <a:bodyPr vert="horz" lIns="91440" tIns="45720" rIns="91440" bIns="45720" rtlCol="0" anchor="ctr"/>
+          <a:lstStyle/>
+          <a:p>
+            <a:pPr algn="ctr">
+              <a:defRPr/>
+            </a:pPr>
+            <a:fld id="{6389AA22-90B4-448C-8B6B-C699140D38B9}" type="slidenum">
+              <a:rPr lang="uk-UA" sz="2400" b="1">
+                <a:solidFill>
+                  <a:schemeClr val="bg1">
+                    <a:lumMod val="50000"/>
+                  </a:schemeClr>
+                </a:solidFill>
+              </a:rPr>
+              <a:pPr algn="ctr">
+                <a:defRPr/>
+              </a:pPr>
+              <a:t>17</a:t>
+            </a:fld>
+            <a:endParaRPr lang="uk-UA" sz="2400" b="1" dirty="0">
+              <a:solidFill>
+                <a:schemeClr val="bg1">
+                  <a:lumMod val="50000"/>
+                </a:schemeClr>
+              </a:solidFill>
+            </a:endParaRPr>
+          </a:p>
+        </p:txBody>
+      </p:sp>
+      <p:sp>
+        <p:nvSpPr>
+          <p:cNvPr id="3" name="TextBox 2"/>
+          <p:cNvSpPr txBox="1"/>
+          <p:nvPr/>
+        </p:nvSpPr>
+        <p:spPr>
+          <a:xfrm>
+            <a:off x="0" y="427311"/>
+            <a:ext cx="12192000" cy="769441"/>
+          </a:xfrm>
+          <a:prstGeom prst="rect">
+            <a:avLst/>
+          </a:prstGeom>
+          <a:noFill/>
+        </p:spPr>
+        <p:txBody>
+          <a:bodyPr wrap="square" rtlCol="0">
+            <a:spAutoFit/>
+          </a:bodyPr>
           <a:lstStyle/>
           <a:p>
             <a:pPr algn="ctr"/>
             <a:r>
-              <a:rPr lang="ru-RU" sz="6000" b="1" dirty="0"/>
-              <a:t>Домашнее задание</a:t>
-            </a:r>
-            <a:endParaRPr lang="uk-UA" sz="6000" b="1" dirty="0"/>
-          </a:p>
-        </p:txBody>
-      </p:sp>
+              <a:rPr lang="ru-RU" sz="4400" b="1" dirty="0" smtClean="0"/>
+              <a:t>Модальные окна / Тег </a:t>
+            </a:r>
+            <a:r>
+              <a:rPr lang="en-US" sz="4400" b="1" dirty="0" smtClean="0"/>
+              <a:t>&lt;dialog&gt;</a:t>
+            </a:r>
+            <a:endParaRPr lang="ru-RU" sz="4400" b="1" dirty="0"/>
+          </a:p>
+        </p:txBody>
+      </p:sp>
+      <p:sp>
+        <p:nvSpPr>
+          <p:cNvPr id="4" name="TextBox 3"/>
+          <p:cNvSpPr txBox="1"/>
+          <p:nvPr/>
+        </p:nvSpPr>
+        <p:spPr>
+          <a:xfrm>
+            <a:off x="6672064" y="3080863"/>
+            <a:ext cx="5010507" cy="1200329"/>
+          </a:xfrm>
+          <a:prstGeom prst="rect">
+            <a:avLst/>
+          </a:prstGeom>
+          <a:noFill/>
+        </p:spPr>
+        <p:txBody>
+          <a:bodyPr wrap="square" rtlCol="0">
+            <a:spAutoFit/>
+          </a:bodyPr>
+          <a:lstStyle/>
+          <a:p>
+            <a:r>
+              <a:rPr lang="ru-RU" sz="2400" dirty="0" smtClean="0"/>
+              <a:t>Воспользуйтесь шаблоном в </a:t>
+            </a:r>
+            <a:r>
+              <a:rPr lang="ru-RU" sz="2400" dirty="0" err="1" smtClean="0"/>
+              <a:t>репозитории</a:t>
+            </a:r>
+            <a:r>
+              <a:rPr lang="ru-RU" sz="2400" dirty="0" smtClean="0"/>
+              <a:t> занятия:</a:t>
+            </a:r>
+            <a:br>
+              <a:rPr lang="ru-RU" sz="2400" dirty="0" smtClean="0"/>
+            </a:br>
+            <a:r>
+              <a:rPr lang="en-US" sz="2400" b="1" dirty="0">
+                <a:solidFill>
+                  <a:srgbClr val="0070C0"/>
+                </a:solidFill>
+              </a:rPr>
+              <a:t>./</a:t>
+            </a:r>
+            <a:r>
+              <a:rPr lang="en-US" sz="2400" b="1" dirty="0" err="1" smtClean="0">
+                <a:solidFill>
+                  <a:srgbClr val="0070C0"/>
+                </a:solidFill>
+              </a:rPr>
+              <a:t>src</a:t>
+            </a:r>
+            <a:r>
+              <a:rPr lang="en-US" sz="2400" b="1" dirty="0" smtClean="0">
+                <a:solidFill>
+                  <a:srgbClr val="0070C0"/>
+                </a:solidFill>
+              </a:rPr>
+              <a:t>/dialog-demo-template</a:t>
+            </a:r>
+            <a:endParaRPr lang="ru-RU" sz="2400" b="1" dirty="0">
+              <a:solidFill>
+                <a:srgbClr val="0070C0"/>
+              </a:solidFill>
+            </a:endParaRPr>
+          </a:p>
+        </p:txBody>
+      </p:sp>
+      <p:pic>
+        <p:nvPicPr>
+          <p:cNvPr id="5" name="Рисунок 4"/>
+          <p:cNvPicPr>
+            <a:picLocks noChangeAspect="1"/>
+          </p:cNvPicPr>
+          <p:nvPr/>
+        </p:nvPicPr>
+        <p:blipFill rotWithShape="1">
+          <a:blip r:embed="rId2"/>
+          <a:srcRect l="11959" r="11689" b="879"/>
+          <a:stretch/>
+        </p:blipFill>
+        <p:spPr>
+          <a:xfrm>
+            <a:off x="767408" y="1844824"/>
+            <a:ext cx="5389876" cy="3932739"/>
+          </a:xfrm>
+          <a:prstGeom prst="rect">
+            <a:avLst/>
+          </a:prstGeom>
+          <a:ln>
+            <a:noFill/>
+          </a:ln>
+          <a:effectLst>
+            <a:outerShdw blurRad="190500" algn="tl" rotWithShape="0">
+              <a:srgbClr val="000000">
+                <a:alpha val="70000"/>
+              </a:srgbClr>
+            </a:outerShdw>
+          </a:effectLst>
+        </p:spPr>
+      </p:pic>
     </p:spTree>
     <p:extLst>
       <p:ext uri="{BB962C8B-B14F-4D97-AF65-F5344CB8AC3E}">
-        <p14:creationId xmlns:p14="http://schemas.microsoft.com/office/powerpoint/2010/main" val="529700045"/>
+        <p14:creationId xmlns:p14="http://schemas.microsoft.com/office/powerpoint/2010/main" val="453438773"/>
       </p:ext>
     </p:extLst>
   </p:cSld>
@@ -5276,6 +5686,85 @@
       </p:grpSpPr>
       <p:sp>
         <p:nvSpPr>
+          <p:cNvPr id="5" name="Прямоугольник 4"/>
+          <p:cNvSpPr/>
+          <p:nvPr/>
+        </p:nvSpPr>
+        <p:spPr>
+          <a:xfrm>
+            <a:off x="0" y="0"/>
+            <a:ext cx="12192000" cy="6858000"/>
+          </a:xfrm>
+          <a:prstGeom prst="rect">
+            <a:avLst/>
+          </a:prstGeom>
+          <a:solidFill>
+            <a:schemeClr val="tx2">
+              <a:lumMod val="75000"/>
+            </a:schemeClr>
+          </a:solidFill>
+        </p:spPr>
+        <p:style>
+          <a:lnRef idx="2">
+            <a:schemeClr val="accent1">
+              <a:shade val="50000"/>
+            </a:schemeClr>
+          </a:lnRef>
+          <a:fillRef idx="1">
+            <a:schemeClr val="accent1"/>
+          </a:fillRef>
+          <a:effectRef idx="0">
+            <a:schemeClr val="accent1"/>
+          </a:effectRef>
+          <a:fontRef idx="minor">
+            <a:schemeClr val="lt1"/>
+          </a:fontRef>
+        </p:style>
+        <p:txBody>
+          <a:bodyPr rtlCol="0" anchor="ctr"/>
+          <a:lstStyle/>
+          <a:p>
+            <a:pPr algn="ctr"/>
+            <a:r>
+              <a:rPr lang="ru-RU" sz="6000" b="1" dirty="0"/>
+              <a:t>Домашнее задание</a:t>
+            </a:r>
+            <a:endParaRPr lang="uk-UA" sz="6000" b="1" dirty="0"/>
+          </a:p>
+        </p:txBody>
+      </p:sp>
+    </p:spTree>
+    <p:extLst>
+      <p:ext uri="{BB962C8B-B14F-4D97-AF65-F5344CB8AC3E}">
+        <p14:creationId xmlns:p14="http://schemas.microsoft.com/office/powerpoint/2010/main" val="529700045"/>
+      </p:ext>
+    </p:extLst>
+  </p:cSld>
+  <p:clrMapOvr>
+    <a:masterClrMapping/>
+  </p:clrMapOvr>
+</p:sld>
+</file>
+
+<file path=ppt/slides/slide19.xml><?xml version="1.0" encoding="utf-8"?>
+<p:sld xmlns:a="http://schemas.openxmlformats.org/drawingml/2006/main" xmlns:r="http://schemas.openxmlformats.org/officeDocument/2006/relationships" xmlns:p="http://schemas.openxmlformats.org/presentationml/2006/main">
+  <p:cSld>
+    <p:spTree>
+      <p:nvGrpSpPr>
+        <p:cNvPr id="1" name=""/>
+        <p:cNvGrpSpPr/>
+        <p:nvPr/>
+      </p:nvGrpSpPr>
+      <p:grpSpPr>
+        <a:xfrm>
+          <a:off x="0" y="0"/>
+          <a:ext cx="0" cy="0"/>
+          <a:chOff x="0" y="0"/>
+          <a:chExt cx="0" cy="0"/>
+        </a:xfrm>
+      </p:grpSpPr>
+      <p:sp>
+        <p:nvSpPr>
           <p:cNvPr id="9" name="Номер слайда 36"/>
           <p:cNvSpPr txBox="1">
             <a:spLocks/>
@@ -5332,7 +5821,7 @@
               <a:pPr algn="ctr">
                 <a:defRPr/>
               </a:pPr>
-              <a:t>18</a:t>
+              <a:t>19</a:t>
             </a:fld>
             <a:endParaRPr lang="uk-UA" sz="2400" b="1" dirty="0">
               <a:solidFill>
@@ -6653,16 +7142,50 @@
           </a:p>
         </p:txBody>
       </p:sp>
-      <p:sp>
-        <p:nvSpPr>
-          <p:cNvPr id="15" name="TextBox 14"/>
+      <p:pic>
+        <p:nvPicPr>
+          <p:cNvPr id="2" name="Рисунок 1"/>
+          <p:cNvPicPr>
+            <a:picLocks noChangeAspect="1"/>
+          </p:cNvPicPr>
+          <p:nvPr/>
+        </p:nvPicPr>
+        <p:blipFill>
+          <a:blip r:embed="rId2"/>
+          <a:stretch>
+            <a:fillRect/>
+          </a:stretch>
+        </p:blipFill>
+        <p:spPr>
+          <a:xfrm>
+            <a:off x="2423592" y="1256805"/>
+            <a:ext cx="8163880" cy="3937488"/>
+          </a:xfrm>
+          <a:prstGeom prst="rect">
+            <a:avLst/>
+          </a:prstGeom>
+          <a:ln>
+            <a:noFill/>
+          </a:ln>
+          <a:effectLst>
+            <a:outerShdw blurRad="190500" algn="tl" rotWithShape="0">
+              <a:srgbClr val="000000">
+                <a:alpha val="70000"/>
+              </a:srgbClr>
+            </a:outerShdw>
+          </a:effectLst>
+        </p:spPr>
+      </p:pic>
+      <p:sp>
+        <p:nvSpPr>
+          <p:cNvPr id="8" name="TextBox 7"/>
           <p:cNvSpPr txBox="1"/>
           <p:nvPr/>
         </p:nvSpPr>
         <p:spPr>
           <a:xfrm>
-            <a:off x="0" y="704890"/>
-            <a:ext cx="12192000" cy="707886"/>
+            <a:off x="0" y="5470371"/>
+            <a:ext cx="12192000" cy="830997"/>
           </a:xfrm>
           <a:prstGeom prst="rect">
             <a:avLst/>
@@ -6677,179 +7200,66 @@
           <a:p>
             <a:pPr algn="ctr"/>
             <a:r>
-              <a:rPr lang="en-US" sz="4000" b="1" dirty="0"/>
-              <a:t>DOM – Document Object Model</a:t>
-            </a:r>
-            <a:endParaRPr lang="ru-RU" sz="4000" b="1" dirty="0"/>
-          </a:p>
-        </p:txBody>
-      </p:sp>
-      <p:sp>
-        <p:nvSpPr>
-          <p:cNvPr id="16" name="TextBox 15"/>
-          <p:cNvSpPr txBox="1"/>
+              <a:rPr lang="ru-RU" sz="2400" dirty="0" smtClean="0"/>
+              <a:t>Воспользуйтесь шаблоном в </a:t>
+            </a:r>
+            <a:r>
+              <a:rPr lang="ru-RU" sz="2400" dirty="0" err="1" smtClean="0"/>
+              <a:t>репозитории</a:t>
+            </a:r>
+            <a:r>
+              <a:rPr lang="ru-RU" sz="2400" dirty="0" smtClean="0"/>
+              <a:t> занятия:</a:t>
+            </a:r>
+            <a:br>
+              <a:rPr lang="ru-RU" sz="2400" dirty="0" smtClean="0"/>
+            </a:br>
+            <a:r>
+              <a:rPr lang="en-US" sz="2400" b="1" dirty="0">
+                <a:solidFill>
+                  <a:srgbClr val="0070C0"/>
+                </a:solidFill>
+              </a:rPr>
+              <a:t>./</a:t>
+            </a:r>
+            <a:r>
+              <a:rPr lang="en-US" sz="2400" b="1" dirty="0" err="1" smtClean="0">
+                <a:solidFill>
+                  <a:srgbClr val="0070C0"/>
+                </a:solidFill>
+              </a:rPr>
+              <a:t>src</a:t>
+            </a:r>
+            <a:r>
+              <a:rPr lang="en-US" sz="2400" b="1" dirty="0" smtClean="0">
+                <a:solidFill>
+                  <a:srgbClr val="0070C0"/>
+                </a:solidFill>
+              </a:rPr>
+              <a:t>/demo-template</a:t>
+            </a:r>
+            <a:endParaRPr lang="ru-RU" sz="2400" b="1" dirty="0">
+              <a:solidFill>
+                <a:srgbClr val="0070C0"/>
+              </a:solidFill>
+            </a:endParaRPr>
+          </a:p>
+        </p:txBody>
+      </p:sp>
+      <p:sp>
+        <p:nvSpPr>
+          <p:cNvPr id="9" name="Прямоугольник 8"/>
+          <p:cNvSpPr/>
           <p:nvPr/>
         </p:nvSpPr>
         <p:spPr>
           <a:xfrm>
-            <a:off x="0" y="1412776"/>
-            <a:ext cx="12191999" cy="523220"/>
+            <a:off x="0" y="334397"/>
+            <a:ext cx="12192000" cy="646331"/>
           </a:xfrm>
           <a:prstGeom prst="rect">
             <a:avLst/>
           </a:prstGeom>
-          <a:noFill/>
-        </p:spPr>
-        <p:txBody>
-          <a:bodyPr wrap="square" rtlCol="0">
-            <a:spAutoFit/>
-          </a:bodyPr>
-          <a:lstStyle/>
-          <a:p>
-            <a:pPr algn="ctr"/>
-            <a:r>
-              <a:rPr lang="ru-RU" sz="2800" i="1" dirty="0"/>
-              <a:t>(объектная модель документа)</a:t>
-            </a:r>
-          </a:p>
-        </p:txBody>
-      </p:sp>
-      <p:sp>
-        <p:nvSpPr>
-          <p:cNvPr id="17" name="TextBox 16"/>
-          <p:cNvSpPr txBox="1"/>
-          <p:nvPr/>
-        </p:nvSpPr>
-        <p:spPr>
-          <a:xfrm>
-            <a:off x="1595500" y="2420888"/>
-            <a:ext cx="9001000" cy="2554545"/>
-          </a:xfrm>
-          <a:prstGeom prst="rect">
-            <a:avLst/>
-          </a:prstGeom>
-          <a:noFill/>
-        </p:spPr>
-        <p:txBody>
-          <a:bodyPr wrap="square" rtlCol="0">
-            <a:spAutoFit/>
-          </a:bodyPr>
-          <a:lstStyle/>
-          <a:p>
-            <a:r>
-              <a:rPr lang="ru-RU" sz="3200" dirty="0"/>
-              <a:t>Стандарт который определяет из каких </a:t>
-            </a:r>
-            <a:r>
-              <a:rPr lang="ru-RU" sz="3200" b="1" dirty="0"/>
-              <a:t>объектов</a:t>
-            </a:r>
-            <a:r>
-              <a:rPr lang="ru-RU" sz="3200" dirty="0"/>
-              <a:t> браузер собирает </a:t>
-            </a:r>
-            <a:r>
-              <a:rPr lang="ru-RU" sz="3200" b="1" dirty="0"/>
-              <a:t>дерево документа</a:t>
-            </a:r>
-            <a:r>
-              <a:rPr lang="ru-RU" sz="3200" dirty="0"/>
-              <a:t>, и какие </a:t>
-            </a:r>
-            <a:r>
-              <a:rPr lang="ru-RU" sz="3200" b="1" dirty="0"/>
-              <a:t>свойства</a:t>
-            </a:r>
-            <a:r>
-              <a:rPr lang="ru-RU" sz="3200" dirty="0"/>
-              <a:t> есть у этих </a:t>
-            </a:r>
-            <a:r>
-              <a:rPr lang="ru-RU" sz="3200" b="1" dirty="0" smtClean="0"/>
-              <a:t>объектов</a:t>
-            </a:r>
-            <a:r>
-              <a:rPr lang="ru-RU" sz="3200" dirty="0" smtClean="0"/>
-              <a:t>.</a:t>
-            </a:r>
-            <a:r>
-              <a:rPr lang="en-US" sz="3200" dirty="0" smtClean="0"/>
-              <a:t> </a:t>
-            </a:r>
-            <a:r>
-              <a:rPr lang="ru-RU" sz="3200" dirty="0" smtClean="0"/>
-              <a:t>В соответствии со стандартом </a:t>
-            </a:r>
-            <a:r>
-              <a:rPr lang="en-US" sz="3200" b="1" dirty="0" smtClean="0"/>
-              <a:t>DOM</a:t>
-            </a:r>
-            <a:r>
-              <a:rPr lang="en-US" sz="3200" dirty="0" smtClean="0"/>
-              <a:t> </a:t>
-            </a:r>
-            <a:r>
-              <a:rPr lang="ru-RU" sz="3200" dirty="0" smtClean="0"/>
-              <a:t>каждый </a:t>
-            </a:r>
-            <a:r>
-              <a:rPr lang="ru-RU" sz="3200" b="1" dirty="0" smtClean="0"/>
-              <a:t>тег</a:t>
-            </a:r>
-            <a:r>
-              <a:rPr lang="ru-RU" sz="3200" dirty="0" smtClean="0"/>
-              <a:t> </a:t>
-            </a:r>
-            <a:r>
-              <a:rPr lang="en-US" sz="3200" b="1" dirty="0" smtClean="0"/>
-              <a:t>HTML</a:t>
-            </a:r>
-            <a:r>
-              <a:rPr lang="ru-RU" sz="3200" b="1" dirty="0" smtClean="0"/>
-              <a:t>-документа</a:t>
-            </a:r>
-            <a:r>
-              <a:rPr lang="ru-RU" sz="3200" dirty="0" smtClean="0"/>
-              <a:t>, в </a:t>
-            </a:r>
-            <a:r>
-              <a:rPr lang="en-US" sz="3200" b="1" dirty="0" smtClean="0"/>
-              <a:t>JavaScript</a:t>
-            </a:r>
-            <a:r>
-              <a:rPr lang="ru-RU" sz="3200" dirty="0"/>
-              <a:t> </a:t>
-            </a:r>
-            <a:r>
-              <a:rPr lang="ru-RU" sz="3200" dirty="0" smtClean="0"/>
-              <a:t>представлен </a:t>
-            </a:r>
-            <a:r>
-              <a:rPr lang="ru-RU" sz="3200" b="1" dirty="0" smtClean="0"/>
-              <a:t>объектом</a:t>
-            </a:r>
-            <a:r>
-              <a:rPr lang="ru-RU" sz="3200" dirty="0" smtClean="0"/>
-              <a:t>.</a:t>
-            </a:r>
-            <a:endParaRPr lang="ru-RU" sz="3200" dirty="0"/>
-          </a:p>
-        </p:txBody>
-      </p:sp>
-      <p:sp>
-        <p:nvSpPr>
-          <p:cNvPr id="18" name="Прямоугольник 17"/>
-          <p:cNvSpPr/>
-          <p:nvPr/>
-        </p:nvSpPr>
-        <p:spPr>
-          <a:xfrm>
-            <a:off x="0" y="5786100"/>
-            <a:ext cx="12192000" cy="523220"/>
-          </a:xfrm>
-          <a:prstGeom prst="rect">
-            <a:avLst/>
-          </a:prstGeom>
         </p:spPr>
         <p:txBody>
           <a:bodyPr wrap="square">
@@ -6859,29 +7269,25 @@
           <a:p>
             <a:pPr algn="ctr"/>
             <a:r>
-              <a:rPr lang="ru-RU" sz="2800" b="1" dirty="0"/>
-              <a:t>Подробнее: </a:t>
-            </a:r>
-            <a:r>
-              <a:rPr lang="en-US" sz="2800" b="1" dirty="0">
-                <a:hlinkClick r:id="rId2"/>
-              </a:rPr>
-              <a:t>https://</a:t>
-            </a:r>
-            <a:r>
-              <a:rPr lang="en-US" sz="2800" b="1" dirty="0" smtClean="0">
-                <a:hlinkClick r:id="rId2"/>
-              </a:rPr>
-              <a:t>learn.javascript.ru/dom-nodes</a:t>
-            </a:r>
-            <a:endParaRPr lang="ru-RU" sz="2800" b="1" dirty="0"/>
+              <a:rPr lang="en-US" sz="3600" b="1" dirty="0" smtClean="0"/>
+              <a:t>DOM </a:t>
+            </a:r>
+            <a:r>
+              <a:rPr lang="ru-RU" sz="3600" b="1" dirty="0" smtClean="0"/>
+              <a:t>на</a:t>
+            </a:r>
+            <a:r>
+              <a:rPr lang="ru-RU" sz="3600" b="1" dirty="0" smtClean="0"/>
+              <a:t> практике</a:t>
+            </a:r>
+            <a:endParaRPr lang="ru-RU" sz="3600" b="1" dirty="0"/>
           </a:p>
         </p:txBody>
       </p:sp>
     </p:spTree>
     <p:extLst>
       <p:ext uri="{BB962C8B-B14F-4D97-AF65-F5344CB8AC3E}">
-        <p14:creationId xmlns:p14="http://schemas.microsoft.com/office/powerpoint/2010/main" val="2545373379"/>
+        <p14:creationId xmlns:p14="http://schemas.microsoft.com/office/powerpoint/2010/main" val="1791945872"/>
       </p:ext>
     </p:extLst>
   </p:cSld>
@@ -6917,7 +7323,7 @@
       </p:grpSpPr>
       <p:sp>
         <p:nvSpPr>
-          <p:cNvPr id="7" name="Номер слайда 36"/>
+          <p:cNvPr id="20" name="Номер слайда 36"/>
           <p:cNvSpPr txBox="1">
             <a:spLocks/>
           </p:cNvSpPr>
@@ -6925,7 +7331,7 @@
         </p:nvSpPr>
         <p:spPr>
           <a:xfrm>
-            <a:off x="11217481" y="6165304"/>
+            <a:off x="11208568" y="6165304"/>
             <a:ext cx="648072" cy="432048"/>
           </a:xfrm>
           <a:prstGeom prst="roundRect">
@@ -6987,43 +7393,14 @@
       </p:sp>
       <p:sp>
         <p:nvSpPr>
-          <p:cNvPr id="3" name="Прямоугольник 2"/>
-          <p:cNvSpPr/>
-          <p:nvPr/>
-        </p:nvSpPr>
-        <p:spPr>
-          <a:xfrm>
-            <a:off x="0" y="334397"/>
-            <a:ext cx="12192000" cy="646331"/>
-          </a:xfrm>
-          <a:prstGeom prst="rect">
-            <a:avLst/>
-          </a:prstGeom>
-        </p:spPr>
-        <p:txBody>
-          <a:bodyPr wrap="square">
-            <a:spAutoFit/>
-          </a:bodyPr>
-          <a:lstStyle/>
-          <a:p>
-            <a:pPr algn="ctr"/>
-            <a:r>
-              <a:rPr lang="ru-RU" sz="3600" b="1" dirty="0"/>
-              <a:t>Чтобы управлять тегом его сначала нужно найти…</a:t>
-            </a:r>
-          </a:p>
-        </p:txBody>
-      </p:sp>
-      <p:sp>
-        <p:nvSpPr>
-          <p:cNvPr id="8" name="TextBox 7"/>
+          <p:cNvPr id="15" name="TextBox 14"/>
           <p:cNvSpPr txBox="1"/>
           <p:nvPr/>
         </p:nvSpPr>
         <p:spPr>
           <a:xfrm>
-            <a:off x="1055440" y="1339461"/>
-            <a:ext cx="10453238" cy="1323439"/>
+            <a:off x="0" y="704890"/>
+            <a:ext cx="12192000" cy="707886"/>
           </a:xfrm>
           <a:prstGeom prst="rect">
             <a:avLst/>
@@ -7036,156 +7413,25 @@
           </a:bodyPr>
           <a:lstStyle/>
           <a:p>
-            <a:r>
-              <a:rPr lang="en-US" sz="3200" b="1" dirty="0" err="1" smtClean="0">
-                <a:solidFill>
-                  <a:schemeClr val="accent6">
-                    <a:lumMod val="75000"/>
-                  </a:schemeClr>
-                </a:solidFill>
-                <a:latin typeface="Courier New" panose="02070309020205020404" pitchFamily="49" charset="0"/>
-                <a:cs typeface="Courier New" panose="02070309020205020404" pitchFamily="49" charset="0"/>
-              </a:rPr>
-              <a:t>document.querySelectorAll</a:t>
-            </a:r>
-            <a:r>
-              <a:rPr lang="en-US" sz="3200" b="1" dirty="0" smtClean="0">
-                <a:solidFill>
-                  <a:schemeClr val="accent6">
-                    <a:lumMod val="75000"/>
-                  </a:schemeClr>
-                </a:solidFill>
-                <a:latin typeface="Courier New" panose="02070309020205020404" pitchFamily="49" charset="0"/>
-                <a:cs typeface="Courier New" panose="02070309020205020404" pitchFamily="49" charset="0"/>
-              </a:rPr>
-              <a:t>(</a:t>
-            </a:r>
-            <a:r>
-              <a:rPr lang="en-US" sz="3200" dirty="0" smtClean="0">
-                <a:solidFill>
-                  <a:srgbClr val="7030A0"/>
-                </a:solidFill>
-                <a:latin typeface="Courier New" panose="02070309020205020404" pitchFamily="49" charset="0"/>
-                <a:cs typeface="Courier New" panose="02070309020205020404" pitchFamily="49" charset="0"/>
-              </a:rPr>
-              <a:t>“</a:t>
-            </a:r>
-            <a:r>
-              <a:rPr lang="en-US" sz="3200" b="1" dirty="0" err="1">
-                <a:solidFill>
-                  <a:srgbClr val="7030A0"/>
-                </a:solidFill>
-                <a:latin typeface="Courier New" panose="02070309020205020404" pitchFamily="49" charset="0"/>
-                <a:cs typeface="Courier New" panose="02070309020205020404" pitchFamily="49" charset="0"/>
-              </a:rPr>
-              <a:t>css_selector</a:t>
-            </a:r>
-            <a:r>
-              <a:rPr lang="en-US" sz="3200" dirty="0" smtClean="0">
-                <a:solidFill>
-                  <a:srgbClr val="7030A0"/>
-                </a:solidFill>
-                <a:latin typeface="Courier New" panose="02070309020205020404" pitchFamily="49" charset="0"/>
-                <a:cs typeface="Courier New" panose="02070309020205020404" pitchFamily="49" charset="0"/>
-              </a:rPr>
-              <a:t>”</a:t>
-            </a:r>
-            <a:r>
-              <a:rPr lang="en-US" sz="3200" b="1" dirty="0" smtClean="0">
-                <a:solidFill>
-                  <a:schemeClr val="accent6">
-                    <a:lumMod val="75000"/>
-                  </a:schemeClr>
-                </a:solidFill>
-                <a:latin typeface="Courier New" panose="02070309020205020404" pitchFamily="49" charset="0"/>
-                <a:cs typeface="Courier New" panose="02070309020205020404" pitchFamily="49" charset="0"/>
-              </a:rPr>
-              <a:t>)</a:t>
-            </a:r>
-            <a:r>
-              <a:rPr lang="en-US" sz="2400" dirty="0" smtClean="0">
-                <a:solidFill>
-                  <a:schemeClr val="accent6">
-                    <a:lumMod val="75000"/>
-                  </a:schemeClr>
-                </a:solidFill>
-              </a:rPr>
-              <a:t>  </a:t>
-            </a:r>
-            <a:r>
-              <a:rPr lang="ru-RU" sz="2400" dirty="0"/>
-              <a:t>возвращает </a:t>
-            </a:r>
-            <a:r>
-              <a:rPr lang="ru-RU" sz="2400" b="1" dirty="0" err="1" smtClean="0"/>
-              <a:t>псевдомассив</a:t>
-            </a:r>
-            <a:r>
-              <a:rPr lang="ru-RU" sz="2400" dirty="0" smtClean="0"/>
-              <a:t> </a:t>
-            </a:r>
-            <a:r>
-              <a:rPr lang="ru-RU" sz="2400" b="1" dirty="0"/>
-              <a:t>объектов</a:t>
-            </a:r>
-            <a:r>
-              <a:rPr lang="ru-RU" sz="2400" dirty="0"/>
-              <a:t> </a:t>
-            </a:r>
-            <a:r>
-              <a:rPr lang="ru-RU" sz="2400" dirty="0" smtClean="0"/>
-              <a:t>(</a:t>
-            </a:r>
-            <a:r>
-              <a:rPr lang="ru-RU" sz="2400" i="1" dirty="0" smtClean="0"/>
-              <a:t>тегов</a:t>
-            </a:r>
-            <a:r>
-              <a:rPr lang="ru-RU" sz="2400" dirty="0"/>
-              <a:t>)  которые соответствуют </a:t>
-            </a:r>
-            <a:r>
-              <a:rPr lang="en-US" sz="2400" b="1" dirty="0" err="1"/>
-              <a:t>css</a:t>
-            </a:r>
-            <a:r>
-              <a:rPr lang="en-US" sz="2400" b="1" dirty="0"/>
-              <a:t>-</a:t>
-            </a:r>
-            <a:r>
-              <a:rPr lang="ru-RU" sz="2400" b="1" dirty="0"/>
-              <a:t>селектору </a:t>
-            </a:r>
-            <a:r>
-              <a:rPr lang="ru-RU" sz="2400" dirty="0" smtClean="0"/>
-              <a:t>переданному в </a:t>
-            </a:r>
-            <a:r>
-              <a:rPr lang="ru-RU" sz="2400" dirty="0"/>
-              <a:t>качестве </a:t>
-            </a:r>
-            <a:r>
-              <a:rPr lang="ru-RU" sz="2400" b="1" dirty="0" smtClean="0"/>
-              <a:t>параметра</a:t>
-            </a:r>
-            <a:r>
-              <a:rPr lang="ru-RU" sz="2400" dirty="0" smtClean="0"/>
-              <a:t> функции;</a:t>
-            </a:r>
-            <a:endParaRPr lang="ru-RU" sz="2400" dirty="0"/>
-          </a:p>
-        </p:txBody>
-      </p:sp>
-      <p:sp>
-        <p:nvSpPr>
-          <p:cNvPr id="9" name="TextBox 8"/>
+            <a:pPr algn="ctr"/>
+            <a:r>
+              <a:rPr lang="en-US" sz="4000" b="1" dirty="0"/>
+              <a:t>DOM – Document Object Model</a:t>
+            </a:r>
+            <a:endParaRPr lang="ru-RU" sz="4000" b="1" dirty="0"/>
+          </a:p>
+        </p:txBody>
+      </p:sp>
+      <p:sp>
+        <p:nvSpPr>
+          <p:cNvPr id="16" name="TextBox 15"/>
           <p:cNvSpPr txBox="1"/>
           <p:nvPr/>
         </p:nvSpPr>
         <p:spPr>
           <a:xfrm>
-            <a:off x="1055440" y="3041665"/>
-            <a:ext cx="10513168" cy="1323439"/>
+            <a:off x="0" y="1412776"/>
+            <a:ext cx="12191999" cy="523220"/>
           </a:xfrm>
           <a:prstGeom prst="rect">
             <a:avLst/>
@@ -7198,137 +7444,24 @@
           </a:bodyPr>
           <a:lstStyle/>
           <a:p>
-            <a:r>
-              <a:rPr lang="en-US" sz="3200" b="1" dirty="0" err="1">
-                <a:solidFill>
-                  <a:schemeClr val="accent6">
-                    <a:lumMod val="75000"/>
-                  </a:schemeClr>
-                </a:solidFill>
-                <a:latin typeface="Courier New" panose="02070309020205020404" pitchFamily="49" charset="0"/>
-                <a:cs typeface="Courier New" panose="02070309020205020404" pitchFamily="49" charset="0"/>
-              </a:rPr>
-              <a:t>document.querySelector</a:t>
-            </a:r>
-            <a:r>
-              <a:rPr lang="en-US" sz="3200" b="1" dirty="0">
-                <a:solidFill>
-                  <a:schemeClr val="accent6">
-                    <a:lumMod val="75000"/>
-                  </a:schemeClr>
-                </a:solidFill>
-                <a:latin typeface="Courier New" panose="02070309020205020404" pitchFamily="49" charset="0"/>
-                <a:cs typeface="Courier New" panose="02070309020205020404" pitchFamily="49" charset="0"/>
-              </a:rPr>
-              <a:t>(</a:t>
-            </a:r>
-            <a:r>
-              <a:rPr lang="en-US" sz="3200" dirty="0">
-                <a:solidFill>
-                  <a:srgbClr val="7030A0"/>
-                </a:solidFill>
-                <a:latin typeface="Courier New" panose="02070309020205020404" pitchFamily="49" charset="0"/>
-                <a:cs typeface="Courier New" panose="02070309020205020404" pitchFamily="49" charset="0"/>
-              </a:rPr>
-              <a:t>“</a:t>
-            </a:r>
-            <a:r>
-              <a:rPr lang="en-US" sz="3200" b="1" dirty="0" err="1">
-                <a:solidFill>
-                  <a:srgbClr val="7030A0"/>
-                </a:solidFill>
-                <a:latin typeface="Courier New" panose="02070309020205020404" pitchFamily="49" charset="0"/>
-                <a:cs typeface="Courier New" panose="02070309020205020404" pitchFamily="49" charset="0"/>
-              </a:rPr>
-              <a:t>css_selector</a:t>
-            </a:r>
-            <a:r>
-              <a:rPr lang="en-US" sz="3200" dirty="0" smtClean="0">
-                <a:solidFill>
-                  <a:srgbClr val="7030A0"/>
-                </a:solidFill>
-                <a:latin typeface="Courier New" panose="02070309020205020404" pitchFamily="49" charset="0"/>
-                <a:cs typeface="Courier New" panose="02070309020205020404" pitchFamily="49" charset="0"/>
-              </a:rPr>
-              <a:t>”</a:t>
-            </a:r>
-            <a:r>
-              <a:rPr lang="en-US" sz="3200" b="1" dirty="0" smtClean="0">
-                <a:solidFill>
-                  <a:schemeClr val="accent6">
-                    <a:lumMod val="75000"/>
-                  </a:schemeClr>
-                </a:solidFill>
-                <a:latin typeface="Courier New" panose="02070309020205020404" pitchFamily="49" charset="0"/>
-                <a:cs typeface="Courier New" panose="02070309020205020404" pitchFamily="49" charset="0"/>
-              </a:rPr>
-              <a:t>)</a:t>
-            </a:r>
-            <a:r>
-              <a:rPr lang="en-US" sz="2400" dirty="0" smtClean="0"/>
-              <a:t> </a:t>
-            </a:r>
-            <a:r>
-              <a:rPr lang="ru-RU" sz="2400" dirty="0" smtClean="0"/>
-              <a:t>возвращает первый найденный, в документе, </a:t>
-            </a:r>
-            <a:r>
-              <a:rPr lang="ru-RU" sz="2400" b="1" dirty="0" smtClean="0"/>
-              <a:t>объект</a:t>
-            </a:r>
-            <a:r>
-              <a:rPr lang="ru-RU" sz="2400" dirty="0" smtClean="0"/>
-              <a:t> </a:t>
-            </a:r>
-            <a:r>
-              <a:rPr lang="ru-RU" sz="2400" dirty="0"/>
-              <a:t>(</a:t>
-            </a:r>
-            <a:r>
-              <a:rPr lang="ru-RU" sz="2400" i="1" dirty="0" smtClean="0"/>
-              <a:t>тег</a:t>
-            </a:r>
-            <a:r>
-              <a:rPr lang="ru-RU" sz="2400" dirty="0" smtClean="0"/>
-              <a:t>) соответствующий </a:t>
-            </a:r>
-            <a:r>
-              <a:rPr lang="en-US" sz="2400" b="1" dirty="0" err="1"/>
-              <a:t>css</a:t>
-            </a:r>
-            <a:r>
-              <a:rPr lang="en-US" sz="2400" b="1" dirty="0"/>
-              <a:t>-</a:t>
-            </a:r>
-            <a:r>
-              <a:rPr lang="ru-RU" sz="2400" b="1" dirty="0"/>
-              <a:t>селектору </a:t>
-            </a:r>
-            <a:r>
-              <a:rPr lang="ru-RU" sz="2400" dirty="0"/>
-              <a:t>переданному в качестве </a:t>
-            </a:r>
-            <a:r>
-              <a:rPr lang="ru-RU" sz="2400" b="1" dirty="0"/>
-              <a:t>параметра</a:t>
-            </a:r>
-            <a:r>
-              <a:rPr lang="ru-RU" sz="2400" dirty="0"/>
-              <a:t> функции;</a:t>
-            </a:r>
-          </a:p>
-        </p:txBody>
-      </p:sp>
-      <p:sp>
-        <p:nvSpPr>
-          <p:cNvPr id="11" name="TextBox 10"/>
+            <a:pPr algn="ctr"/>
+            <a:r>
+              <a:rPr lang="ru-RU" sz="2800" i="1" dirty="0"/>
+              <a:t>(объектная модель документа)</a:t>
+            </a:r>
+          </a:p>
+        </p:txBody>
+      </p:sp>
+      <p:sp>
+        <p:nvSpPr>
+          <p:cNvPr id="17" name="TextBox 16"/>
           <p:cNvSpPr txBox="1"/>
           <p:nvPr/>
         </p:nvSpPr>
         <p:spPr>
           <a:xfrm>
-            <a:off x="1055440" y="4653136"/>
-            <a:ext cx="10513168" cy="1384995"/>
+            <a:off x="1595500" y="2420888"/>
+            <a:ext cx="9001000" cy="2554545"/>
           </a:xfrm>
           <a:prstGeom prst="rect">
             <a:avLst/>
@@ -7342,85 +7475,151 @@
           <a:lstStyle/>
           <a:p>
             <a:r>
-              <a:rPr lang="en-US" sz="3200" b="1" dirty="0">
-                <a:solidFill>
-                  <a:schemeClr val="accent6">
-                    <a:lumMod val="75000"/>
-                  </a:schemeClr>
-                </a:solidFill>
-                <a:latin typeface="Courier New" panose="02070309020205020404" pitchFamily="49" charset="0"/>
-                <a:cs typeface="Courier New" panose="02070309020205020404" pitchFamily="49" charset="0"/>
+              <a:rPr lang="ru-RU" sz="3200" dirty="0"/>
+              <a:t>Стандарт который определяет из каких </a:t>
+            </a:r>
+            <a:r>
+              <a:rPr lang="ru-RU" sz="3200" b="1" dirty="0"/>
+              <a:t>объектов</a:t>
+            </a:r>
+            <a:r>
+              <a:rPr lang="ru-RU" sz="3200" dirty="0"/>
+              <a:t> браузер собирает </a:t>
+            </a:r>
+            <a:r>
+              <a:rPr lang="ru-RU" sz="3200" b="1" dirty="0"/>
+              <a:t>дерево документа</a:t>
+            </a:r>
+            <a:r>
+              <a:rPr lang="ru-RU" sz="3200" dirty="0"/>
+              <a:t>, и какие </a:t>
+            </a:r>
+            <a:r>
+              <a:rPr lang="ru-RU" sz="3200" b="1" dirty="0"/>
+              <a:t>свойства</a:t>
+            </a:r>
+            <a:r>
+              <a:rPr lang="ru-RU" sz="3200" dirty="0"/>
+              <a:t> есть у этих </a:t>
+            </a:r>
+            <a:r>
+              <a:rPr lang="ru-RU" sz="3200" b="1" dirty="0" smtClean="0"/>
+              <a:t>объектов</a:t>
+            </a:r>
+            <a:r>
+              <a:rPr lang="ru-RU" sz="3200" dirty="0" smtClean="0"/>
+              <a:t>.</a:t>
+            </a:r>
+            <a:r>
+              <a:rPr lang="en-US" sz="3200" dirty="0" smtClean="0"/>
+              <a:t> </a:t>
+            </a:r>
+            <a:r>
+              <a:rPr lang="ru-RU" sz="3200" dirty="0" smtClean="0"/>
+              <a:t>В соответствии со стандартом </a:t>
+            </a:r>
+            <a:r>
+              <a:rPr lang="en-US" sz="3200" b="1" dirty="0" smtClean="0"/>
+              <a:t>DOM</a:t>
+            </a:r>
+            <a:r>
+              <a:rPr lang="en-US" sz="3200" dirty="0" smtClean="0"/>
+              <a:t> </a:t>
+            </a:r>
+            <a:r>
+              <a:rPr lang="ru-RU" sz="3200" dirty="0" smtClean="0"/>
+              <a:t>каждый </a:t>
+            </a:r>
+            <a:r>
+              <a:rPr lang="ru-RU" sz="3200" b="1" dirty="0" smtClean="0"/>
+              <a:t>тег</a:t>
+            </a:r>
+            <a:r>
+              <a:rPr lang="ru-RU" sz="3200" dirty="0" smtClean="0"/>
+              <a:t> </a:t>
+            </a:r>
+            <a:r>
+              <a:rPr lang="en-US" sz="3200" b="1" dirty="0" smtClean="0"/>
+              <a:t>HTML</a:t>
+            </a:r>
+            <a:r>
+              <a:rPr lang="ru-RU" sz="3200" b="1" dirty="0" smtClean="0"/>
+              <a:t>-документа</a:t>
+            </a:r>
+            <a:r>
+              <a:rPr lang="ru-RU" sz="3200" dirty="0" smtClean="0"/>
+              <a:t>, в </a:t>
+            </a:r>
+            <a:r>
+              <a:rPr lang="en-US" sz="3200" b="1" dirty="0" smtClean="0"/>
+              <a:t>JavaScript</a:t>
+            </a:r>
+            <a:r>
+              <a:rPr lang="ru-RU" sz="3200" dirty="0"/>
+              <a:t> </a:t>
+            </a:r>
+            <a:r>
+              <a:rPr lang="ru-RU" sz="3200" dirty="0" smtClean="0"/>
+              <a:t>представлен </a:t>
+            </a:r>
+            <a:r>
+              <a:rPr lang="ru-RU" sz="3200" b="1" dirty="0" smtClean="0"/>
+              <a:t>объектом</a:t>
+            </a:r>
+            <a:r>
+              <a:rPr lang="ru-RU" sz="3200" dirty="0" smtClean="0"/>
+              <a:t>.</a:t>
+            </a:r>
+            <a:endParaRPr lang="ru-RU" sz="3200" dirty="0"/>
+          </a:p>
+        </p:txBody>
+      </p:sp>
+      <p:sp>
+        <p:nvSpPr>
+          <p:cNvPr id="18" name="Прямоугольник 17"/>
+          <p:cNvSpPr/>
+          <p:nvPr/>
+        </p:nvSpPr>
+        <p:spPr>
+          <a:xfrm>
+            <a:off x="0" y="5786100"/>
+            <a:ext cx="12192000" cy="523220"/>
+          </a:xfrm>
+          <a:prstGeom prst="rect">
+            <a:avLst/>
+          </a:prstGeom>
+        </p:spPr>
+        <p:txBody>
+          <a:bodyPr wrap="square">
+            <a:spAutoFit/>
+          </a:bodyPr>
+          <a:lstStyle/>
+          <a:p>
+            <a:pPr algn="ctr"/>
+            <a:r>
+              <a:rPr lang="ru-RU" sz="2800" b="1" dirty="0"/>
+              <a:t>Подробнее: </a:t>
+            </a:r>
+            <a:r>
+              <a:rPr lang="en-US" sz="2800" b="1" dirty="0">
+                <a:hlinkClick r:id="rId2"/>
               </a:rPr>
-              <a:t>id</a:t>
-            </a:r>
-            <a:r>
-              <a:rPr lang="en-US" sz="3600" b="1" dirty="0"/>
-              <a:t> </a:t>
-            </a:r>
-            <a:r>
-              <a:rPr lang="en-US" sz="2400" dirty="0"/>
-              <a:t>– </a:t>
-            </a:r>
-            <a:r>
-              <a:rPr lang="ru-RU" sz="2400" dirty="0"/>
-              <a:t>элементы у которых есть</a:t>
-            </a:r>
-            <a:r>
-              <a:rPr lang="en-US" sz="2400" dirty="0"/>
-              <a:t> </a:t>
-            </a:r>
-            <a:r>
-              <a:rPr lang="ru-RU" sz="2400" dirty="0"/>
-              <a:t>атрибут </a:t>
-            </a:r>
-            <a:r>
-              <a:rPr lang="en-US" sz="2400" b="1" dirty="0"/>
-              <a:t>id</a:t>
-            </a:r>
-            <a:r>
-              <a:rPr lang="ru-RU" sz="2400" dirty="0"/>
-              <a:t> можно использовать без поиска, такие элементы доступны как </a:t>
-            </a:r>
-            <a:r>
-              <a:rPr lang="ru-RU" sz="2400" b="1" dirty="0"/>
-              <a:t>глобальные</a:t>
-            </a:r>
-            <a:r>
-              <a:rPr lang="ru-RU" sz="2400" dirty="0"/>
-              <a:t> </a:t>
-            </a:r>
-            <a:r>
-              <a:rPr lang="ru-RU" sz="2400" b="1" dirty="0"/>
-              <a:t>переменные</a:t>
-            </a:r>
-            <a:r>
-              <a:rPr lang="ru-RU" sz="2400" dirty="0"/>
-              <a:t> (с именем </a:t>
-            </a:r>
-            <a:r>
-              <a:rPr lang="ru-RU" sz="2400" dirty="0" smtClean="0"/>
-              <a:t>совпадающим с </a:t>
-            </a:r>
-            <a:r>
-              <a:rPr lang="en-US" sz="2400" b="1" dirty="0"/>
-              <a:t>id</a:t>
-            </a:r>
-            <a:r>
-              <a:rPr lang="ru-RU" sz="2400" dirty="0"/>
-              <a:t>)</a:t>
-            </a:r>
-            <a:r>
-              <a:rPr lang="en-US" sz="2400" dirty="0"/>
-              <a:t>.</a:t>
-            </a:r>
-            <a:endParaRPr lang="ru-RU" sz="2400" dirty="0"/>
+              <a:t>https://</a:t>
+            </a:r>
+            <a:r>
+              <a:rPr lang="en-US" sz="2800" b="1" dirty="0" smtClean="0">
+                <a:hlinkClick r:id="rId2"/>
+              </a:rPr>
+              <a:t>learn.javascript.ru/dom-nodes</a:t>
+            </a:r>
+            <a:endParaRPr lang="ru-RU" sz="2800" b="1" dirty="0"/>
           </a:p>
         </p:txBody>
       </p:sp>
     </p:spTree>
     <p:extLst>
       <p:ext uri="{BB962C8B-B14F-4D97-AF65-F5344CB8AC3E}">
-        <p14:creationId xmlns:p14="http://schemas.microsoft.com/office/powerpoint/2010/main" val="453253383"/>
+        <p14:creationId xmlns:p14="http://schemas.microsoft.com/office/powerpoint/2010/main" val="2545373379"/>
       </p:ext>
     </p:extLst>
   </p:cSld>
@@ -7464,7 +7663,7 @@
         </p:nvSpPr>
         <p:spPr>
           <a:xfrm>
-            <a:off x="10920536" y="6165304"/>
+            <a:off x="11217481" y="6165304"/>
             <a:ext cx="648072" cy="432048"/>
           </a:xfrm>
           <a:prstGeom prst="roundRect">
@@ -7526,56 +7725,43 @@
       </p:sp>
       <p:sp>
         <p:nvSpPr>
-          <p:cNvPr id="6" name="Левая фигурная скобка 5"/>
+          <p:cNvPr id="3" name="Прямоугольник 2"/>
           <p:cNvSpPr/>
           <p:nvPr/>
         </p:nvSpPr>
         <p:spPr>
           <a:xfrm>
-            <a:off x="4131829" y="1484784"/>
-            <a:ext cx="792088" cy="3053546"/>
-          </a:xfrm>
-          <a:prstGeom prst="leftBrace">
-            <a:avLst>
-              <a:gd name="adj1" fmla="val 30527"/>
-              <a:gd name="adj2" fmla="val 50000"/>
-            </a:avLst>
+            <a:off x="0" y="334397"/>
+            <a:ext cx="12192000" cy="646331"/>
+          </a:xfrm>
+          <a:prstGeom prst="rect">
+            <a:avLst/>
           </a:prstGeom>
-          <a:ln w="38100"/>
-        </p:spPr>
-        <p:style>
-          <a:lnRef idx="1">
-            <a:schemeClr val="accent1"/>
-          </a:lnRef>
-          <a:fillRef idx="0">
-            <a:schemeClr val="accent1"/>
-          </a:fillRef>
-          <a:effectRef idx="0">
-            <a:schemeClr val="accent1"/>
-          </a:effectRef>
-          <a:fontRef idx="minor">
-            <a:schemeClr val="tx1"/>
-          </a:fontRef>
-        </p:style>
-        <p:txBody>
-          <a:bodyPr rtlCol="0" anchor="ctr"/>
+        </p:spPr>
+        <p:txBody>
+          <a:bodyPr wrap="square">
+            <a:spAutoFit/>
+          </a:bodyPr>
           <a:lstStyle/>
           <a:p>
             <a:pPr algn="ctr"/>
-            <a:endParaRPr lang="ru-RU"/>
-          </a:p>
-        </p:txBody>
-      </p:sp>
-      <p:sp>
-        <p:nvSpPr>
-          <p:cNvPr id="21" name="TextBox 20"/>
+            <a:r>
+              <a:rPr lang="ru-RU" sz="3600" b="1" dirty="0"/>
+              <a:t>Чтобы управлять тегом его сначала нужно найти…</a:t>
+            </a:r>
+          </a:p>
+        </p:txBody>
+      </p:sp>
+      <p:sp>
+        <p:nvSpPr>
+          <p:cNvPr id="8" name="TextBox 7"/>
           <p:cNvSpPr txBox="1"/>
           <p:nvPr/>
         </p:nvSpPr>
         <p:spPr>
           <a:xfrm>
-            <a:off x="5087888" y="1988840"/>
-            <a:ext cx="1670650" cy="2308324"/>
+            <a:off x="1055440" y="1339461"/>
+            <a:ext cx="10453238" cy="1323439"/>
           </a:xfrm>
           <a:prstGeom prst="rect">
             <a:avLst/>
@@ -7583,74 +7769,161 @@
           <a:noFill/>
         </p:spPr>
         <p:txBody>
-          <a:bodyPr wrap="none" rtlCol="0">
+          <a:bodyPr wrap="square" rtlCol="0">
             <a:spAutoFit/>
           </a:bodyPr>
           <a:lstStyle/>
           <a:p>
             <a:r>
-              <a:rPr lang="ru-RU" sz="2400" b="1" i="1" dirty="0"/>
-              <a:t>…</a:t>
-            </a:r>
-          </a:p>
-          <a:p>
-            <a:r>
-              <a:rPr lang="ru-RU" sz="2400" b="1" i="1" dirty="0"/>
-              <a:t>…</a:t>
-            </a:r>
-          </a:p>
-          <a:p>
-            <a:r>
-              <a:rPr lang="en-US" sz="2400" b="1" i="1" dirty="0"/>
-              <a:t>.</a:t>
-            </a:r>
-            <a:r>
-              <a:rPr lang="en-US" sz="2400" b="1" i="1" dirty="0" err="1"/>
-              <a:t>innerHTML</a:t>
-            </a:r>
-            <a:endParaRPr lang="en-US" sz="2400" b="1" i="1" dirty="0"/>
-          </a:p>
-          <a:p>
-            <a:r>
-              <a:rPr lang="en-US" sz="2400" b="1" i="1" dirty="0" smtClean="0"/>
-              <a:t>.</a:t>
-            </a:r>
-            <a:r>
-              <a:rPr lang="en-US" sz="2400" b="1" i="1" dirty="0"/>
-              <a:t>style { … }</a:t>
-            </a:r>
-            <a:endParaRPr lang="ru-RU" sz="2400" b="1" i="1" dirty="0"/>
-          </a:p>
-          <a:p>
-            <a:r>
-              <a:rPr lang="en-US" sz="2400" b="1" i="1" dirty="0"/>
-              <a:t>.</a:t>
-            </a:r>
-            <a:r>
-              <a:rPr lang="en-US" sz="2400" b="1" i="1" dirty="0" err="1"/>
-              <a:t>classList</a:t>
-            </a:r>
-            <a:endParaRPr lang="ru-RU" sz="2400" b="1" i="1" dirty="0"/>
-          </a:p>
-          <a:p>
-            <a:r>
-              <a:rPr lang="ru-RU" sz="2400" b="1" i="1" dirty="0"/>
-              <a:t>…</a:t>
-            </a:r>
-            <a:endParaRPr lang="en-US" sz="2400" b="1" i="1" dirty="0"/>
-          </a:p>
-        </p:txBody>
-      </p:sp>
-      <p:sp>
-        <p:nvSpPr>
-          <p:cNvPr id="23" name="TextBox 22"/>
+              <a:rPr lang="en-US" sz="3200" b="1" dirty="0" err="1" smtClean="0">
+                <a:solidFill>
+                  <a:schemeClr val="accent6">
+                    <a:lumMod val="75000"/>
+                  </a:schemeClr>
+                </a:solidFill>
+                <a:latin typeface="Courier New" panose="02070309020205020404" pitchFamily="49" charset="0"/>
+                <a:cs typeface="Courier New" panose="02070309020205020404" pitchFamily="49" charset="0"/>
+              </a:rPr>
+              <a:t>document.querySelectorAll</a:t>
+            </a:r>
+            <a:r>
+              <a:rPr lang="en-US" sz="3200" b="1" dirty="0" smtClean="0">
+                <a:solidFill>
+                  <a:schemeClr val="accent6">
+                    <a:lumMod val="75000"/>
+                  </a:schemeClr>
+                </a:solidFill>
+                <a:latin typeface="Courier New" panose="02070309020205020404" pitchFamily="49" charset="0"/>
+                <a:cs typeface="Courier New" panose="02070309020205020404" pitchFamily="49" charset="0"/>
+              </a:rPr>
+              <a:t>(</a:t>
+            </a:r>
+            <a:r>
+              <a:rPr lang="en-US" sz="3200" dirty="0" smtClean="0">
+                <a:solidFill>
+                  <a:srgbClr val="7030A0"/>
+                </a:solidFill>
+                <a:latin typeface="Courier New" panose="02070309020205020404" pitchFamily="49" charset="0"/>
+                <a:cs typeface="Courier New" panose="02070309020205020404" pitchFamily="49" charset="0"/>
+              </a:rPr>
+              <a:t>“</a:t>
+            </a:r>
+            <a:r>
+              <a:rPr lang="en-US" sz="3200" b="1" dirty="0" err="1">
+                <a:solidFill>
+                  <a:srgbClr val="7030A0"/>
+                </a:solidFill>
+                <a:latin typeface="Courier New" panose="02070309020205020404" pitchFamily="49" charset="0"/>
+                <a:cs typeface="Courier New" panose="02070309020205020404" pitchFamily="49" charset="0"/>
+              </a:rPr>
+              <a:t>css_selector</a:t>
+            </a:r>
+            <a:r>
+              <a:rPr lang="en-US" sz="3200" dirty="0" smtClean="0">
+                <a:solidFill>
+                  <a:srgbClr val="7030A0"/>
+                </a:solidFill>
+                <a:latin typeface="Courier New" panose="02070309020205020404" pitchFamily="49" charset="0"/>
+                <a:cs typeface="Courier New" panose="02070309020205020404" pitchFamily="49" charset="0"/>
+              </a:rPr>
+              <a:t>”</a:t>
+            </a:r>
+            <a:r>
+              <a:rPr lang="en-US" sz="3200" b="1" dirty="0" smtClean="0">
+                <a:solidFill>
+                  <a:schemeClr val="accent6">
+                    <a:lumMod val="75000"/>
+                  </a:schemeClr>
+                </a:solidFill>
+                <a:latin typeface="Courier New" panose="02070309020205020404" pitchFamily="49" charset="0"/>
+                <a:cs typeface="Courier New" panose="02070309020205020404" pitchFamily="49" charset="0"/>
+              </a:rPr>
+              <a:t>)</a:t>
+            </a:r>
+            <a:r>
+              <a:rPr lang="en-US" sz="2400" dirty="0" smtClean="0">
+                <a:solidFill>
+                  <a:schemeClr val="accent6">
+                    <a:lumMod val="75000"/>
+                  </a:schemeClr>
+                </a:solidFill>
+              </a:rPr>
+              <a:t>  </a:t>
+            </a:r>
+            <a:r>
+              <a:rPr lang="ru-RU" sz="2400" dirty="0"/>
+              <a:t>возвращает </a:t>
+            </a:r>
+            <a:r>
+              <a:rPr lang="ru-RU" sz="2400" b="1" dirty="0" err="1" smtClean="0"/>
+              <a:t>псевдомассив</a:t>
+            </a:r>
+            <a:r>
+              <a:rPr lang="ru-RU" sz="2400" dirty="0" smtClean="0"/>
+              <a:t> </a:t>
+            </a:r>
+            <a:r>
+              <a:rPr lang="ru-RU" sz="2400" b="1" dirty="0"/>
+              <a:t>объектов</a:t>
+            </a:r>
+            <a:r>
+              <a:rPr lang="ru-RU" sz="2400" dirty="0"/>
+              <a:t> </a:t>
+            </a:r>
+            <a:r>
+              <a:rPr lang="ru-RU" sz="2400" dirty="0" smtClean="0"/>
+              <a:t>(</a:t>
+            </a:r>
+            <a:r>
+              <a:rPr lang="ru-RU" sz="2400" i="1" dirty="0" smtClean="0"/>
+              <a:t>тегов</a:t>
+            </a:r>
+            <a:r>
+              <a:rPr lang="ru-RU" sz="2400" dirty="0"/>
+              <a:t>)  которые соответствуют </a:t>
+            </a:r>
+            <a:r>
+              <a:rPr lang="en-US" sz="2400" b="1" dirty="0" err="1"/>
+              <a:t>css</a:t>
+            </a:r>
+            <a:r>
+              <a:rPr lang="en-US" sz="2400" b="1" dirty="0"/>
+              <a:t>-</a:t>
+            </a:r>
+            <a:r>
+              <a:rPr lang="ru-RU" sz="2400" b="1" dirty="0"/>
+              <a:t>селектору </a:t>
+            </a:r>
+            <a:r>
+              <a:rPr lang="ru-RU" sz="2400" dirty="0" smtClean="0"/>
+              <a:t>переданному в </a:t>
+            </a:r>
+            <a:r>
+              <a:rPr lang="ru-RU" sz="2400" dirty="0"/>
+              <a:t>качестве </a:t>
+            </a:r>
+            <a:r>
+              <a:rPr lang="ru-RU" sz="2400" b="1" dirty="0" smtClean="0"/>
+              <a:t>параметра</a:t>
+            </a:r>
+            <a:r>
+              <a:rPr lang="ru-RU" sz="2400" dirty="0" smtClean="0"/>
+              <a:t> функции;</a:t>
+            </a:r>
+            <a:endParaRPr lang="ru-RU" sz="2400" dirty="0"/>
+          </a:p>
+        </p:txBody>
+      </p:sp>
+      <p:sp>
+        <p:nvSpPr>
+          <p:cNvPr id="9" name="TextBox 8"/>
           <p:cNvSpPr txBox="1"/>
           <p:nvPr/>
         </p:nvSpPr>
         <p:spPr>
           <a:xfrm>
-            <a:off x="4176744" y="235691"/>
-            <a:ext cx="4070153" cy="584775"/>
+            <a:off x="1055440" y="3041665"/>
+            <a:ext cx="10513168" cy="1323439"/>
           </a:xfrm>
           <a:prstGeom prst="rect">
             <a:avLst/>
@@ -7658,36 +7931,147 @@
           <a:noFill/>
         </p:spPr>
         <p:txBody>
-          <a:bodyPr wrap="none" rtlCol="0">
+          <a:bodyPr wrap="square" rtlCol="0">
             <a:spAutoFit/>
           </a:bodyPr>
           <a:lstStyle/>
           <a:p>
             <a:r>
-              <a:rPr lang="ru-RU" sz="3200" b="1" dirty="0"/>
-              <a:t>Из чего «сделан» тег?</a:t>
-            </a:r>
-          </a:p>
-        </p:txBody>
-      </p:sp>
-      <p:sp>
-        <p:nvSpPr>
-          <p:cNvPr id="25" name="TextBox 24"/>
+              <a:rPr lang="en-US" sz="3200" b="1" dirty="0" err="1">
+                <a:solidFill>
+                  <a:schemeClr val="accent6">
+                    <a:lumMod val="75000"/>
+                  </a:schemeClr>
+                </a:solidFill>
+                <a:latin typeface="Courier New" panose="02070309020205020404" pitchFamily="49" charset="0"/>
+                <a:cs typeface="Courier New" panose="02070309020205020404" pitchFamily="49" charset="0"/>
+              </a:rPr>
+              <a:t>document.querySelector</a:t>
+            </a:r>
+            <a:r>
+              <a:rPr lang="en-US" sz="3200" b="1" dirty="0">
+                <a:solidFill>
+                  <a:schemeClr val="accent6">
+                    <a:lumMod val="75000"/>
+                  </a:schemeClr>
+                </a:solidFill>
+                <a:latin typeface="Courier New" panose="02070309020205020404" pitchFamily="49" charset="0"/>
+                <a:cs typeface="Courier New" panose="02070309020205020404" pitchFamily="49" charset="0"/>
+              </a:rPr>
+              <a:t>(</a:t>
+            </a:r>
+            <a:r>
+              <a:rPr lang="en-US" sz="3200" dirty="0">
+                <a:solidFill>
+                  <a:srgbClr val="7030A0"/>
+                </a:solidFill>
+                <a:latin typeface="Courier New" panose="02070309020205020404" pitchFamily="49" charset="0"/>
+                <a:cs typeface="Courier New" panose="02070309020205020404" pitchFamily="49" charset="0"/>
+              </a:rPr>
+              <a:t>“</a:t>
+            </a:r>
+            <a:r>
+              <a:rPr lang="en-US" sz="3200" b="1" dirty="0" err="1">
+                <a:solidFill>
+                  <a:srgbClr val="7030A0"/>
+                </a:solidFill>
+                <a:latin typeface="Courier New" panose="02070309020205020404" pitchFamily="49" charset="0"/>
+                <a:cs typeface="Courier New" panose="02070309020205020404" pitchFamily="49" charset="0"/>
+              </a:rPr>
+              <a:t>css_selector</a:t>
+            </a:r>
+            <a:r>
+              <a:rPr lang="en-US" sz="3200" dirty="0" smtClean="0">
+                <a:solidFill>
+                  <a:srgbClr val="7030A0"/>
+                </a:solidFill>
+                <a:latin typeface="Courier New" panose="02070309020205020404" pitchFamily="49" charset="0"/>
+                <a:cs typeface="Courier New" panose="02070309020205020404" pitchFamily="49" charset="0"/>
+              </a:rPr>
+              <a:t>”</a:t>
+            </a:r>
+            <a:r>
+              <a:rPr lang="en-US" sz="3200" b="1" dirty="0" smtClean="0">
+                <a:solidFill>
+                  <a:schemeClr val="accent6">
+                    <a:lumMod val="75000"/>
+                  </a:schemeClr>
+                </a:solidFill>
+                <a:latin typeface="Courier New" panose="02070309020205020404" pitchFamily="49" charset="0"/>
+                <a:cs typeface="Courier New" panose="02070309020205020404" pitchFamily="49" charset="0"/>
+              </a:rPr>
+              <a:t>)</a:t>
+            </a:r>
+            <a:r>
+              <a:rPr lang="en-US" sz="2400" dirty="0" smtClean="0"/>
+              <a:t> </a:t>
+            </a:r>
+            <a:r>
+              <a:rPr lang="ru-RU" sz="2400" dirty="0" smtClean="0"/>
+              <a:t>возвращает первый найденный, в документе, </a:t>
+            </a:r>
+            <a:r>
+              <a:rPr lang="ru-RU" sz="2400" b="1" dirty="0" smtClean="0"/>
+              <a:t>объект</a:t>
+            </a:r>
+            <a:r>
+              <a:rPr lang="ru-RU" sz="2400" dirty="0" smtClean="0"/>
+              <a:t> </a:t>
+            </a:r>
+            <a:r>
+              <a:rPr lang="ru-RU" sz="2400" dirty="0"/>
+              <a:t>(</a:t>
+            </a:r>
+            <a:r>
+              <a:rPr lang="ru-RU" sz="2400" i="1" dirty="0" smtClean="0"/>
+              <a:t>тег</a:t>
+            </a:r>
+            <a:r>
+              <a:rPr lang="ru-RU" sz="2400" dirty="0" smtClean="0"/>
+              <a:t>) соответствующий </a:t>
+            </a:r>
+            <a:r>
+              <a:rPr lang="en-US" sz="2400" b="1" dirty="0" err="1"/>
+              <a:t>css</a:t>
+            </a:r>
+            <a:r>
+              <a:rPr lang="en-US" sz="2400" b="1" dirty="0"/>
+              <a:t>-</a:t>
+            </a:r>
+            <a:r>
+              <a:rPr lang="ru-RU" sz="2400" b="1" dirty="0"/>
+              <a:t>селектору </a:t>
+            </a:r>
+            <a:r>
+              <a:rPr lang="ru-RU" sz="2400" dirty="0"/>
+              <a:t>переданному в качестве </a:t>
+            </a:r>
+            <a:r>
+              <a:rPr lang="ru-RU" sz="2400" b="1" dirty="0"/>
+              <a:t>параметра</a:t>
+            </a:r>
+            <a:r>
+              <a:rPr lang="ru-RU" sz="2400" dirty="0"/>
+              <a:t> функции;</a:t>
+            </a:r>
+          </a:p>
+        </p:txBody>
+      </p:sp>
+      <p:sp>
+        <p:nvSpPr>
+          <p:cNvPr id="11" name="TextBox 10"/>
           <p:cNvSpPr txBox="1"/>
           <p:nvPr/>
         </p:nvSpPr>
         <p:spPr>
           <a:xfrm>
-            <a:off x="2927648" y="5216952"/>
-            <a:ext cx="7056784" cy="1200329"/>
+            <a:off x="1055440" y="4653136"/>
+            <a:ext cx="10513168" cy="1384995"/>
           </a:xfrm>
           <a:prstGeom prst="rect">
             <a:avLst/>
           </a:prstGeom>
           <a:noFill/>
-          <a:ln w="19050">
-            <a:noFill/>
-          </a:ln>
         </p:spPr>
         <p:txBody>
           <a:bodyPr wrap="square" rtlCol="0">
@@ -7696,56 +8080,48 @@
           <a:lstStyle/>
           <a:p>
             <a:r>
+              <a:rPr lang="en-US" sz="3200" b="1" dirty="0">
+                <a:solidFill>
+                  <a:schemeClr val="accent6">
+                    <a:lumMod val="75000"/>
+                  </a:schemeClr>
+                </a:solidFill>
+                <a:latin typeface="Courier New" panose="02070309020205020404" pitchFamily="49" charset="0"/>
+                <a:cs typeface="Courier New" panose="02070309020205020404" pitchFamily="49" charset="0"/>
+              </a:rPr>
+              <a:t>id</a:t>
+            </a:r>
+            <a:r>
+              <a:rPr lang="en-US" sz="3600" b="1" dirty="0"/>
+              <a:t> </a:t>
+            </a:r>
+            <a:r>
+              <a:rPr lang="en-US" sz="2400" dirty="0"/>
+              <a:t>– </a:t>
+            </a:r>
+            <a:r>
               <a:rPr lang="ru-RU" sz="2400" dirty="0"/>
-              <a:t>Каждому </a:t>
-            </a:r>
-            <a:r>
-              <a:rPr lang="ru-RU" sz="2400" b="1" dirty="0" smtClean="0"/>
-              <a:t>тег</a:t>
-            </a:r>
-            <a:r>
-              <a:rPr lang="ru-RU" sz="2400" dirty="0" smtClean="0"/>
-              <a:t>, в </a:t>
-            </a:r>
-            <a:r>
-              <a:rPr lang="en-US" sz="2400" dirty="0" smtClean="0"/>
-              <a:t>JavaScript</a:t>
-            </a:r>
-            <a:r>
-              <a:rPr lang="ru-RU" sz="2400" dirty="0" smtClean="0"/>
-              <a:t>, </a:t>
-            </a:r>
-            <a:r>
-              <a:rPr lang="ru-RU" sz="2400" b="1" dirty="0" smtClean="0"/>
-              <a:t>представлен объектом</a:t>
-            </a:r>
-            <a:r>
-              <a:rPr lang="ru-RU" sz="2400" dirty="0" smtClean="0"/>
-              <a:t>, </a:t>
+              <a:t>элементы у которых есть</a:t>
+            </a:r>
+            <a:r>
+              <a:rPr lang="en-US" sz="2400" dirty="0"/>
+              <a:t> </a:t>
             </a:r>
             <a:r>
               <a:rPr lang="ru-RU" sz="2400" dirty="0"/>
-              <a:t>который хранит всё </a:t>
+              <a:t>атрибут </a:t>
+            </a:r>
+            <a:r>
+              <a:rPr lang="en-US" sz="2400" b="1" dirty="0"/>
+              <a:t>id</a:t>
+            </a:r>
+            <a:r>
+              <a:rPr lang="ru-RU" sz="2400" dirty="0"/>
+              <a:t> можно использовать без поиска, такие элементы доступны как </a:t>
             </a:r>
             <a:r>
               <a:rPr lang="ru-RU" sz="2400" b="1" dirty="0"/>
-              <a:t>содержимое</a:t>
-            </a:r>
-            <a:r>
-              <a:rPr lang="ru-RU" sz="2400" dirty="0"/>
-              <a:t>, все </a:t>
-            </a:r>
-            <a:r>
-              <a:rPr lang="ru-RU" sz="2400" b="1" dirty="0"/>
-              <a:t>стили</a:t>
-            </a:r>
-            <a:r>
-              <a:rPr lang="ru-RU" sz="2400" dirty="0"/>
-              <a:t> и все </a:t>
-            </a:r>
-            <a:r>
-              <a:rPr lang="ru-RU" sz="2400" b="1" dirty="0"/>
-              <a:t>атрибуты</a:t>
+              <a:t>глобальные</a:t>
             </a:r>
             <a:r>
               <a:rPr lang="ru-RU" sz="2400" dirty="0"/>
@@ -7753,163 +8129,38 @@
             </a:r>
             <a:r>
               <a:rPr lang="ru-RU" sz="2400" b="1" dirty="0"/>
-              <a:t>тега</a:t>
+              <a:t>переменные</a:t>
             </a:r>
             <a:r>
               <a:rPr lang="ru-RU" sz="2400" dirty="0"/>
-              <a:t>. Разумеется их можно </a:t>
-            </a:r>
-            <a:r>
-              <a:rPr lang="ru-RU" sz="2400" b="1" dirty="0"/>
-              <a:t>менять</a:t>
+              <a:t> (с именем </a:t>
+            </a:r>
+            <a:r>
+              <a:rPr lang="ru-RU" sz="2400" dirty="0" smtClean="0"/>
+              <a:t>совпадающим с </a:t>
+            </a:r>
+            <a:r>
+              <a:rPr lang="en-US" sz="2400" b="1" dirty="0"/>
+              <a:t>id</a:t>
             </a:r>
             <a:r>
               <a:rPr lang="ru-RU" sz="2400" dirty="0"/>
-              <a:t>. </a:t>
-            </a:r>
-          </a:p>
-        </p:txBody>
-      </p:sp>
-      <p:sp>
-        <p:nvSpPr>
-          <p:cNvPr id="3" name="TextBox 2"/>
-          <p:cNvSpPr txBox="1"/>
-          <p:nvPr/>
-        </p:nvSpPr>
-        <p:spPr>
-          <a:xfrm>
-            <a:off x="2207568" y="2657614"/>
-            <a:ext cx="1760290" cy="707886"/>
-          </a:xfrm>
-          <a:prstGeom prst="rect">
-            <a:avLst/>
-          </a:prstGeom>
-          <a:noFill/>
-        </p:spPr>
-        <p:txBody>
-          <a:bodyPr wrap="none" rtlCol="0">
-            <a:spAutoFit/>
-          </a:bodyPr>
-          <a:lstStyle/>
-          <a:p>
-            <a:r>
-              <a:rPr lang="en-US" sz="4000" b="1" dirty="0"/>
-              <a:t>&lt;TAG/&gt;</a:t>
-            </a:r>
-            <a:endParaRPr lang="uk-UA" sz="4000" b="1" dirty="0"/>
-          </a:p>
-        </p:txBody>
-      </p:sp>
-      <p:sp>
-        <p:nvSpPr>
-          <p:cNvPr id="12" name="Левая фигурная скобка 11"/>
-          <p:cNvSpPr/>
-          <p:nvPr/>
-        </p:nvSpPr>
-        <p:spPr>
-          <a:xfrm>
-            <a:off x="6672064" y="2204864"/>
-            <a:ext cx="792088" cy="2343792"/>
-          </a:xfrm>
-          <a:prstGeom prst="leftBrace">
-            <a:avLst>
-              <a:gd name="adj1" fmla="val 30527"/>
-              <a:gd name="adj2" fmla="val 50000"/>
-            </a:avLst>
-          </a:prstGeom>
-          <a:ln w="38100">
-            <a:solidFill>
-              <a:srgbClr val="92D050"/>
-            </a:solidFill>
-          </a:ln>
-        </p:spPr>
-        <p:style>
-          <a:lnRef idx="1">
-            <a:schemeClr val="accent1"/>
-          </a:lnRef>
-          <a:fillRef idx="0">
-            <a:schemeClr val="accent1"/>
-          </a:fillRef>
-          <a:effectRef idx="0">
-            <a:schemeClr val="accent1"/>
-          </a:effectRef>
-          <a:fontRef idx="minor">
-            <a:schemeClr val="tx1"/>
-          </a:fontRef>
-        </p:style>
-        <p:txBody>
-          <a:bodyPr rtlCol="0" anchor="ctr"/>
-          <a:lstStyle/>
-          <a:p>
-            <a:pPr algn="ctr"/>
-            <a:endParaRPr lang="ru-RU"/>
-          </a:p>
-        </p:txBody>
-      </p:sp>
-      <p:sp>
-        <p:nvSpPr>
-          <p:cNvPr id="4" name="TextBox 3"/>
-          <p:cNvSpPr txBox="1"/>
-          <p:nvPr/>
-        </p:nvSpPr>
-        <p:spPr>
-          <a:xfrm>
-            <a:off x="7576266" y="2287198"/>
-            <a:ext cx="1976823" cy="1938992"/>
-          </a:xfrm>
-          <a:prstGeom prst="rect">
-            <a:avLst/>
-          </a:prstGeom>
-          <a:noFill/>
-        </p:spPr>
-        <p:txBody>
-          <a:bodyPr wrap="none" rtlCol="0">
-            <a:spAutoFit/>
-          </a:bodyPr>
-          <a:lstStyle/>
-          <a:p>
-            <a:r>
-              <a:rPr lang="en-US" sz="2400" b="1" i="1" dirty="0"/>
-              <a:t>…</a:t>
-            </a:r>
-          </a:p>
-          <a:p>
-            <a:r>
-              <a:rPr lang="en-US" sz="2400" b="1" i="1" dirty="0"/>
-              <a:t>.color</a:t>
-            </a:r>
-          </a:p>
-          <a:p>
-            <a:r>
-              <a:rPr lang="en-US" sz="2400" b="1" i="1" dirty="0"/>
+              <a:t>)</a:t>
+            </a:r>
+            <a:r>
+              <a:rPr lang="en-US" sz="2400" dirty="0"/>
               <a:t>.</a:t>
             </a:r>
-            <a:r>
-              <a:rPr lang="en-US" sz="2400" b="1" i="1" dirty="0" err="1"/>
-              <a:t>fontSize</a:t>
-            </a:r>
-            <a:endParaRPr lang="en-US" sz="2400" b="1" i="1" dirty="0"/>
-          </a:p>
-          <a:p>
-            <a:r>
-              <a:rPr lang="en-US" sz="2400" b="1" i="1" dirty="0"/>
-              <a:t>.</a:t>
-            </a:r>
-            <a:r>
-              <a:rPr lang="en-US" sz="2400" b="1" i="1" dirty="0" err="1"/>
-              <a:t>borderRadius</a:t>
-            </a:r>
-            <a:endParaRPr lang="en-US" sz="2400" b="1" i="1" dirty="0"/>
-          </a:p>
-          <a:p>
-            <a:r>
-              <a:rPr lang="en-US" sz="2400" b="1" i="1" dirty="0"/>
-              <a:t>…</a:t>
-            </a:r>
+            <a:endParaRPr lang="ru-RU" sz="2400" dirty="0"/>
           </a:p>
         </p:txBody>
       </p:sp>
     </p:spTree>
+    <p:extLst>
+      <p:ext uri="{BB962C8B-B14F-4D97-AF65-F5344CB8AC3E}">
+        <p14:creationId xmlns:p14="http://schemas.microsoft.com/office/powerpoint/2010/main" val="453253383"/>
+      </p:ext>
+    </p:extLst>
   </p:cSld>
   <p:clrMapOvr>
     <a:masterClrMapping/>
